--- a/Factories.pptx
+++ b/Factories.pptx
@@ -5,20 +5,25 @@
     <p:sldMasterId id="2147483648" r:id="rId1"/>
   </p:sldMasterIdLst>
   <p:notesMasterIdLst>
-    <p:notesMasterId r:id="rId10"/>
+    <p:notesMasterId r:id="rId15"/>
   </p:notesMasterIdLst>
   <p:handoutMasterIdLst>
-    <p:handoutMasterId r:id="rId11"/>
+    <p:handoutMasterId r:id="rId16"/>
   </p:handoutMasterIdLst>
   <p:sldIdLst>
     <p:sldId id="263" r:id="rId2"/>
     <p:sldId id="363" r:id="rId3"/>
-    <p:sldId id="365" r:id="rId4"/>
-    <p:sldId id="366" r:id="rId5"/>
-    <p:sldId id="367" r:id="rId6"/>
-    <p:sldId id="368" r:id="rId7"/>
-    <p:sldId id="369" r:id="rId8"/>
-    <p:sldId id="262" r:id="rId9"/>
+    <p:sldId id="370" r:id="rId4"/>
+    <p:sldId id="365" r:id="rId5"/>
+    <p:sldId id="366" r:id="rId6"/>
+    <p:sldId id="367" r:id="rId7"/>
+    <p:sldId id="368" r:id="rId8"/>
+    <p:sldId id="369" r:id="rId9"/>
+    <p:sldId id="371" r:id="rId10"/>
+    <p:sldId id="372" r:id="rId11"/>
+    <p:sldId id="373" r:id="rId12"/>
+    <p:sldId id="374" r:id="rId13"/>
+    <p:sldId id="262" r:id="rId14"/>
   </p:sldIdLst>
   <p:sldSz cx="9144000" cy="6858000" type="screen4x3"/>
   <p:notesSz cx="6858000" cy="9144000"/>
@@ -249,7 +254,7 @@
               <a:pPr>
                 <a:defRPr/>
               </a:pPr>
-              <a:t>22/08/2014</a:t>
+              <a:t>27/08/2014</a:t>
             </a:fld>
             <a:endParaRPr lang="en-US"/>
           </a:p>
@@ -452,7 +457,7 @@
               <a:pPr>
                 <a:defRPr/>
               </a:pPr>
-              <a:t>22/08/2014</a:t>
+              <a:t>27/08/2014</a:t>
             </a:fld>
             <a:endParaRPr lang="en-US"/>
           </a:p>
@@ -1864,7 +1869,7 @@
             <a:fld id="{5430FA34-CEAD-4CAB-BC8B-561C252A95F7}" type="datetimeFigureOut">
               <a:rPr lang="en-IE" altLang="en-US"/>
               <a:pPr/>
-              <a:t>22/08/2014</a:t>
+              <a:t>27/08/2014</a:t>
             </a:fld>
             <a:endParaRPr lang="en-IE" altLang="en-US"/>
           </a:p>
@@ -2529,11 +2534,7 @@
           <a:p>
             <a:r>
               <a:rPr lang="en-IE" dirty="0" smtClean="0"/>
-              <a:t>Learning Day : Design </a:t>
-            </a:r>
-            <a:r>
-              <a:rPr lang="en-IE" dirty="0" smtClean="0"/>
-              <a:t>Patterns</a:t>
+              <a:t>Learning Day : Design Patterns</a:t>
             </a:r>
             <a:br>
               <a:rPr lang="en-IE" dirty="0" smtClean="0"/>
@@ -2547,7 +2548,7 @@
             </a:br>
             <a:r>
               <a:rPr lang="en-IE" dirty="0" smtClean="0"/>
-              <a:t>Factories</a:t>
+              <a:t>Factory Patterns</a:t>
             </a:r>
             <a:endParaRPr lang="en-IE" dirty="0"/>
           </a:p>
@@ -2582,6 +2583,420 @@
         <p14:creationId xmlns:p14="http://schemas.microsoft.com/office/powerpoint/2010/main" val="1563757270"/>
       </p:ext>
     </p:extLst>
+  </p:cSld>
+  <p:clrMapOvr>
+    <a:masterClrMapping/>
+  </p:clrMapOvr>
+  <p:timing>
+    <p:tnLst>
+      <p:par>
+        <p:cTn id="1" dur="indefinite" restart="never" nodeType="tmRoot"/>
+      </p:par>
+    </p:tnLst>
+  </p:timing>
+</p:sld>
+</file>
+
+<file path=ppt/slides/slide10.xml><?xml version="1.0" encoding="utf-8"?>
+<p:sld xmlns:a="http://schemas.openxmlformats.org/drawingml/2006/main" xmlns:r="http://schemas.openxmlformats.org/officeDocument/2006/relationships" xmlns:p="http://schemas.openxmlformats.org/presentationml/2006/main">
+  <p:cSld>
+    <p:spTree>
+      <p:nvGrpSpPr>
+        <p:cNvPr id="1" name=""/>
+        <p:cNvGrpSpPr/>
+        <p:nvPr/>
+      </p:nvGrpSpPr>
+      <p:grpSpPr>
+        <a:xfrm>
+          <a:off x="0" y="0"/>
+          <a:ext cx="0" cy="0"/>
+          <a:chOff x="0" y="0"/>
+          <a:chExt cx="0" cy="0"/>
+        </a:xfrm>
+      </p:grpSpPr>
+      <p:sp>
+        <p:nvSpPr>
+          <p:cNvPr id="2" name="Title 1"/>
+          <p:cNvSpPr>
+            <a:spLocks noGrp="1"/>
+          </p:cNvSpPr>
+          <p:nvPr>
+            <p:ph type="title"/>
+          </p:nvPr>
+        </p:nvSpPr>
+        <p:spPr>
+          <a:xfrm>
+            <a:off x="0" y="53961"/>
+            <a:ext cx="9144000" cy="613427"/>
+          </a:xfrm>
+        </p:spPr>
+        <p:txBody>
+          <a:bodyPr>
+            <a:normAutofit/>
+          </a:bodyPr>
+          <a:lstStyle/>
+          <a:p>
+            <a:r>
+              <a:rPr lang="en-IE" dirty="0" smtClean="0"/>
+              <a:t>The Factory Method Pattern</a:t>
+            </a:r>
+            <a:endParaRPr lang="en-IE" dirty="0"/>
+          </a:p>
+        </p:txBody>
+      </p:sp>
+      <p:pic>
+        <p:nvPicPr>
+          <p:cNvPr id="2050" name="Picture 2"/>
+          <p:cNvPicPr>
+            <a:picLocks noGrp="1" noChangeAspect="1" noChangeArrowheads="1"/>
+          </p:cNvPicPr>
+          <p:nvPr>
+            <p:ph sz="quarter" idx="10"/>
+          </p:nvPr>
+        </p:nvPicPr>
+        <p:blipFill>
+          <a:blip r:embed="rId2">
+            <a:extLst>
+              <a:ext uri="{28A0092B-C50C-407E-A947-70E740481C1C}">
+                <a14:useLocalDpi xmlns:a14="http://schemas.microsoft.com/office/drawing/2010/main" val="0"/>
+              </a:ext>
+            </a:extLst>
+          </a:blip>
+          <a:srcRect/>
+          <a:stretch>
+            <a:fillRect/>
+          </a:stretch>
+        </p:blipFill>
+        <p:spPr bwMode="auto">
+          <a:xfrm>
+            <a:off x="1536700" y="2095538"/>
+            <a:ext cx="6043612" cy="3670262"/>
+          </a:xfrm>
+          <a:prstGeom prst="rect">
+            <a:avLst/>
+          </a:prstGeom>
+          <a:noFill/>
+          <a:ln>
+            <a:noFill/>
+          </a:ln>
+          <a:extLst>
+            <a:ext uri="{909E8E84-426E-40DD-AFC4-6F175D3DCCD1}">
+              <a14:hiddenFill xmlns:a14="http://schemas.microsoft.com/office/drawing/2010/main">
+                <a:solidFill>
+                  <a:schemeClr val="accent1"/>
+                </a:solidFill>
+              </a14:hiddenFill>
+            </a:ext>
+            <a:ext uri="{91240B29-F687-4F45-9708-019B960494DF}">
+              <a14:hiddenLine xmlns:a14="http://schemas.microsoft.com/office/drawing/2010/main" w="9525">
+                <a:solidFill>
+                  <a:schemeClr val="tx1"/>
+                </a:solidFill>
+                <a:miter lim="800000"/>
+                <a:headEnd/>
+                <a:tailEnd/>
+              </a14:hiddenLine>
+            </a:ext>
+          </a:extLst>
+        </p:spPr>
+      </p:pic>
+      <p:sp>
+        <p:nvSpPr>
+          <p:cNvPr id="4" name="TextBox 3"/>
+          <p:cNvSpPr txBox="1"/>
+          <p:nvPr/>
+        </p:nvSpPr>
+        <p:spPr>
+          <a:xfrm>
+            <a:off x="406400" y="838200"/>
+            <a:ext cx="8001000" cy="1015663"/>
+          </a:xfrm>
+          <a:prstGeom prst="rect">
+            <a:avLst/>
+          </a:prstGeom>
+          <a:noFill/>
+        </p:spPr>
+        <p:txBody>
+          <a:bodyPr wrap="square" rtlCol="0">
+            <a:spAutoFit/>
+          </a:bodyPr>
+          <a:lstStyle/>
+          <a:p>
+            <a:r>
+              <a:rPr lang="en-IE" sz="2000" b="1" dirty="0" smtClean="0"/>
+              <a:t>The Factory Method Pattern</a:t>
+            </a:r>
+            <a:r>
+              <a:rPr lang="en-IE" sz="1800" dirty="0" smtClean="0"/>
+              <a:t> </a:t>
+            </a:r>
+            <a:r>
+              <a:rPr lang="en-IE" sz="2000" dirty="0" smtClean="0"/>
+              <a:t>defines an interface for creating an object, but lets subclasses decide which class to instantiate.  Factory method lets a class defer instantiation to subclasses.</a:t>
+            </a:r>
+            <a:endParaRPr lang="en-IE" sz="2000" dirty="0"/>
+          </a:p>
+        </p:txBody>
+      </p:sp>
+    </p:spTree>
+    <p:extLst>
+      <p:ext uri="{BB962C8B-B14F-4D97-AF65-F5344CB8AC3E}">
+        <p14:creationId xmlns:p14="http://schemas.microsoft.com/office/powerpoint/2010/main" val="3650086985"/>
+      </p:ext>
+    </p:extLst>
+  </p:cSld>
+  <p:clrMapOvr>
+    <a:masterClrMapping/>
+  </p:clrMapOvr>
+  <p:timing>
+    <p:tnLst>
+      <p:par>
+        <p:cTn id="1" dur="indefinite" restart="never" nodeType="tmRoot"/>
+      </p:par>
+    </p:tnLst>
+  </p:timing>
+</p:sld>
+</file>
+
+<file path=ppt/slides/slide11.xml><?xml version="1.0" encoding="utf-8"?>
+<p:sld xmlns:a="http://schemas.openxmlformats.org/drawingml/2006/main" xmlns:r="http://schemas.openxmlformats.org/officeDocument/2006/relationships" xmlns:p="http://schemas.openxmlformats.org/presentationml/2006/main">
+  <p:cSld>
+    <p:spTree>
+      <p:nvGrpSpPr>
+        <p:cNvPr id="1" name=""/>
+        <p:cNvGrpSpPr/>
+        <p:nvPr/>
+      </p:nvGrpSpPr>
+      <p:grpSpPr>
+        <a:xfrm>
+          <a:off x="0" y="0"/>
+          <a:ext cx="0" cy="0"/>
+          <a:chOff x="0" y="0"/>
+          <a:chExt cx="0" cy="0"/>
+        </a:xfrm>
+      </p:grpSpPr>
+      <p:sp>
+        <p:nvSpPr>
+          <p:cNvPr id="2" name="Title 1"/>
+          <p:cNvSpPr>
+            <a:spLocks noGrp="1"/>
+          </p:cNvSpPr>
+          <p:nvPr>
+            <p:ph type="title"/>
+          </p:nvPr>
+        </p:nvSpPr>
+        <p:spPr>
+          <a:xfrm>
+            <a:off x="0" y="53961"/>
+            <a:ext cx="9144000" cy="613427"/>
+          </a:xfrm>
+        </p:spPr>
+        <p:txBody>
+          <a:bodyPr>
+            <a:normAutofit/>
+          </a:bodyPr>
+          <a:lstStyle/>
+          <a:p>
+            <a:r>
+              <a:rPr lang="en-IE" dirty="0" smtClean="0"/>
+              <a:t>The Factory Method Pattern</a:t>
+            </a:r>
+            <a:endParaRPr lang="en-IE" dirty="0"/>
+          </a:p>
+        </p:txBody>
+      </p:sp>
+      <p:sp>
+        <p:nvSpPr>
+          <p:cNvPr id="3" name="Content Placeholder 2"/>
+          <p:cNvSpPr>
+            <a:spLocks noGrp="1"/>
+          </p:cNvSpPr>
+          <p:nvPr>
+            <p:ph sz="quarter" idx="10"/>
+          </p:nvPr>
+        </p:nvSpPr>
+        <p:spPr>
+          <a:xfrm>
+            <a:off x="457200" y="796672"/>
+            <a:ext cx="8293100" cy="5032627"/>
+          </a:xfrm>
+        </p:spPr>
+        <p:txBody>
+          <a:bodyPr anchor="ctr" anchorCtr="0"/>
+          <a:lstStyle/>
+          <a:p>
+            <a:pPr marL="0" indent="0" algn="ctr">
+              <a:buNone/>
+            </a:pPr>
+            <a:r>
+              <a:rPr lang="en-IE" sz="9600" i="1" dirty="0" smtClean="0"/>
+              <a:t>Demo</a:t>
+            </a:r>
+            <a:endParaRPr lang="en-IE" i="1" dirty="0"/>
+          </a:p>
+        </p:txBody>
+      </p:sp>
+    </p:spTree>
+    <p:extLst>
+      <p:ext uri="{BB962C8B-B14F-4D97-AF65-F5344CB8AC3E}">
+        <p14:creationId xmlns:p14="http://schemas.microsoft.com/office/powerpoint/2010/main" val="735327836"/>
+      </p:ext>
+    </p:extLst>
+  </p:cSld>
+  <p:clrMapOvr>
+    <a:masterClrMapping/>
+  </p:clrMapOvr>
+  <p:timing>
+    <p:tnLst>
+      <p:par>
+        <p:cTn id="1" dur="indefinite" restart="never" nodeType="tmRoot"/>
+      </p:par>
+    </p:tnLst>
+  </p:timing>
+</p:sld>
+</file>
+
+<file path=ppt/slides/slide12.xml><?xml version="1.0" encoding="utf-8"?>
+<p:sld xmlns:a="http://schemas.openxmlformats.org/drawingml/2006/main" xmlns:r="http://schemas.openxmlformats.org/officeDocument/2006/relationships" xmlns:p="http://schemas.openxmlformats.org/presentationml/2006/main">
+  <p:cSld>
+    <p:spTree>
+      <p:nvGrpSpPr>
+        <p:cNvPr id="1" name=""/>
+        <p:cNvGrpSpPr/>
+        <p:nvPr/>
+      </p:nvGrpSpPr>
+      <p:grpSpPr>
+        <a:xfrm>
+          <a:off x="0" y="0"/>
+          <a:ext cx="0" cy="0"/>
+          <a:chOff x="0" y="0"/>
+          <a:chExt cx="0" cy="0"/>
+        </a:xfrm>
+      </p:grpSpPr>
+      <p:sp>
+        <p:nvSpPr>
+          <p:cNvPr id="2" name="Title 1"/>
+          <p:cNvSpPr>
+            <a:spLocks noGrp="1"/>
+          </p:cNvSpPr>
+          <p:nvPr>
+            <p:ph type="title"/>
+          </p:nvPr>
+        </p:nvSpPr>
+        <p:spPr>
+          <a:xfrm>
+            <a:off x="0" y="53961"/>
+            <a:ext cx="9144000" cy="613427"/>
+          </a:xfrm>
+        </p:spPr>
+        <p:txBody>
+          <a:bodyPr>
+            <a:normAutofit/>
+          </a:bodyPr>
+          <a:lstStyle/>
+          <a:p>
+            <a:r>
+              <a:rPr lang="en-IE" dirty="0" smtClean="0"/>
+              <a:t>The Abstract </a:t>
+            </a:r>
+            <a:r>
+              <a:rPr lang="en-IE" dirty="0" smtClean="0"/>
+              <a:t>Factory </a:t>
+            </a:r>
+            <a:r>
+              <a:rPr lang="en-IE" dirty="0" smtClean="0"/>
+              <a:t>Pattern</a:t>
+            </a:r>
+            <a:endParaRPr lang="en-IE" dirty="0"/>
+          </a:p>
+        </p:txBody>
+      </p:sp>
+      <p:sp>
+        <p:nvSpPr>
+          <p:cNvPr id="3" name="Content Placeholder 2"/>
+          <p:cNvSpPr>
+            <a:spLocks noGrp="1"/>
+          </p:cNvSpPr>
+          <p:nvPr>
+            <p:ph sz="quarter" idx="10"/>
+          </p:nvPr>
+        </p:nvSpPr>
+        <p:spPr>
+          <a:xfrm>
+            <a:off x="457200" y="796672"/>
+            <a:ext cx="8293100" cy="5032627"/>
+          </a:xfrm>
+        </p:spPr>
+        <p:txBody>
+          <a:bodyPr anchor="t" anchorCtr="0"/>
+          <a:lstStyle/>
+          <a:p>
+            <a:pPr>
+              <a:buFont typeface="Arial" panose="020B0604020202020204" pitchFamily="34" charset="0"/>
+              <a:buChar char="•"/>
+            </a:pPr>
+            <a:r>
+              <a:rPr lang="en-IE" dirty="0" smtClean="0"/>
+              <a:t>Used if you have families of products that need to be created.</a:t>
+            </a:r>
+          </a:p>
+          <a:p>
+            <a:pPr marL="0" indent="0">
+              <a:buNone/>
+            </a:pPr>
+            <a:endParaRPr lang="en-IE" dirty="0"/>
+          </a:p>
+          <a:p>
+            <a:pPr>
+              <a:buFont typeface="Arial" panose="020B0604020202020204" pitchFamily="34" charset="0"/>
+              <a:buChar char="•"/>
+            </a:pPr>
+            <a:r>
+              <a:rPr lang="en-IE" dirty="0" smtClean="0"/>
+              <a:t>Ensures that clients create products that belong together.</a:t>
+            </a:r>
+            <a:endParaRPr lang="en-IE" dirty="0"/>
+          </a:p>
+        </p:txBody>
+      </p:sp>
+    </p:spTree>
+    <p:extLst>
+      <p:ext uri="{BB962C8B-B14F-4D97-AF65-F5344CB8AC3E}">
+        <p14:creationId xmlns:p14="http://schemas.microsoft.com/office/powerpoint/2010/main" val="4076570053"/>
+      </p:ext>
+    </p:extLst>
+  </p:cSld>
+  <p:clrMapOvr>
+    <a:masterClrMapping/>
+  </p:clrMapOvr>
+  <p:timing>
+    <p:tnLst>
+      <p:par>
+        <p:cTn id="1" dur="indefinite" restart="never" nodeType="tmRoot"/>
+      </p:par>
+    </p:tnLst>
+  </p:timing>
+</p:sld>
+</file>
+
+<file path=ppt/slides/slide13.xml><?xml version="1.0" encoding="utf-8"?>
+<p:sld xmlns:a="http://schemas.openxmlformats.org/drawingml/2006/main" xmlns:r="http://schemas.openxmlformats.org/officeDocument/2006/relationships" xmlns:p="http://schemas.openxmlformats.org/presentationml/2006/main">
+  <p:cSld>
+    <p:spTree>
+      <p:nvGrpSpPr>
+        <p:cNvPr id="1" name=""/>
+        <p:cNvGrpSpPr/>
+        <p:nvPr/>
+      </p:nvGrpSpPr>
+      <p:grpSpPr>
+        <a:xfrm>
+          <a:off x="0" y="0"/>
+          <a:ext cx="0" cy="0"/>
+          <a:chOff x="0" y="0"/>
+          <a:chExt cx="0" cy="0"/>
+        </a:xfrm>
+      </p:grpSpPr>
+    </p:spTree>
   </p:cSld>
   <p:clrMapOvr>
     <a:masterClrMapping/>
@@ -2665,11 +3080,7 @@
           <a:p>
             <a:r>
               <a:rPr lang="en-IE" sz="2000" dirty="0" smtClean="0"/>
-              <a:t>The </a:t>
-            </a:r>
-            <a:r>
-              <a:rPr lang="en-IE" sz="2000" dirty="0" smtClean="0"/>
-              <a:t>Simple Factory (Not a Pattern)</a:t>
+              <a:t>The Simple Factory (Not a Pattern)</a:t>
             </a:r>
           </a:p>
           <a:p>
@@ -2681,11 +3092,7 @@
           <a:p>
             <a:r>
               <a:rPr lang="en-IE" sz="2000" dirty="0" smtClean="0"/>
-              <a:t>The </a:t>
-            </a:r>
-            <a:r>
-              <a:rPr lang="en-IE" sz="2000" dirty="0" smtClean="0"/>
-              <a:t>Factory Method Pattern</a:t>
+              <a:t>The Factory Method Pattern</a:t>
             </a:r>
           </a:p>
           <a:p>
@@ -2810,155 +3217,60 @@
           <a:bodyPr/>
           <a:lstStyle/>
           <a:p>
-            <a:r>
-              <a:rPr lang="en-IE" sz="2000" dirty="0" smtClean="0"/>
-              <a:t>Factories provide a way of decoupling object instantiation code away from client classes.  This means that a factory can have several clients that all rely on the Factory to provide object instantiation.  </a:t>
-            </a:r>
-            <a:r>
-              <a:rPr lang="en-IE" sz="2000" b="1" dirty="0" smtClean="0"/>
-              <a:t>Factories makes sense if you have sets of related concrete classes</a:t>
-            </a:r>
-            <a:r>
-              <a:rPr lang="en-IE" sz="2000" dirty="0" smtClean="0"/>
-              <a:t>.</a:t>
-            </a:r>
-          </a:p>
-          <a:p>
             <a:pPr marL="0" indent="0">
               <a:buNone/>
             </a:pPr>
+            <a:r>
+              <a:rPr lang="en-IE" sz="2000" b="1" dirty="0" smtClean="0"/>
+              <a:t>Why Would You Use a Factory?</a:t>
+            </a:r>
+            <a:endParaRPr lang="en-IE" sz="2000" b="1" dirty="0"/>
+          </a:p>
+          <a:p>
             <a:endParaRPr lang="en-IE" sz="2000" dirty="0" smtClean="0"/>
           </a:p>
           <a:p>
             <a:r>
+              <a:rPr lang="en-IE" sz="2000" dirty="0"/>
+              <a:t>Factories provide a way of decoupling object instantiation code away from client </a:t>
+            </a:r>
+            <a:r>
               <a:rPr lang="en-IE" sz="2000" dirty="0" smtClean="0"/>
-              <a:t>Typically, Factories are classes that have a method of the form,</a:t>
-            </a:r>
-          </a:p>
-          <a:p>
-            <a:pPr marL="0" indent="0" algn="ctr">
-              <a:buNone/>
-            </a:pPr>
-            <a:r>
-              <a:rPr lang="en-IE" sz="2000" dirty="0" err="1" smtClean="0">
-                <a:solidFill>
-                  <a:srgbClr val="00B050"/>
-                </a:solidFill>
-              </a:rPr>
-              <a:t>InterfaceType</a:t>
-            </a:r>
-            <a:r>
-              <a:rPr lang="en-IE" sz="2000" dirty="0" smtClean="0">
-                <a:solidFill>
-                  <a:srgbClr val="00B050"/>
-                </a:solidFill>
-              </a:rPr>
-              <a:t>* </a:t>
-            </a:r>
-            <a:r>
-              <a:rPr lang="en-IE" sz="2000" b="1" dirty="0" err="1" smtClean="0">
-                <a:solidFill>
-                  <a:schemeClr val="accent6">
-                    <a:lumMod val="50000"/>
-                  </a:schemeClr>
-                </a:solidFill>
-              </a:rPr>
-              <a:t>createObject</a:t>
-            </a:r>
-            <a:r>
-              <a:rPr lang="en-IE" sz="2000" b="1" dirty="0" smtClean="0">
-                <a:solidFill>
-                  <a:schemeClr val="accent6">
-                    <a:lumMod val="50000"/>
-                  </a:schemeClr>
-                </a:solidFill>
-              </a:rPr>
-              <a:t>(</a:t>
-            </a:r>
-            <a:r>
-              <a:rPr lang="en-IE" sz="2000" b="1" dirty="0" err="1" smtClean="0">
-                <a:solidFill>
-                  <a:schemeClr val="accent1">
-                    <a:lumMod val="75000"/>
-                  </a:schemeClr>
-                </a:solidFill>
-              </a:rPr>
-              <a:t>arg</a:t>
-            </a:r>
-            <a:r>
-              <a:rPr lang="en-IE" sz="2000" b="1" dirty="0" smtClean="0">
-                <a:solidFill>
-                  <a:schemeClr val="accent6">
-                    <a:lumMod val="50000"/>
-                  </a:schemeClr>
-                </a:solidFill>
-              </a:rPr>
-              <a:t>)</a:t>
+              <a:t>classes, and encapsulate that code into its own class. </a:t>
+            </a:r>
+            <a:endParaRPr lang="en-IE" sz="2000" dirty="0" smtClean="0"/>
+          </a:p>
+          <a:p>
+            <a:endParaRPr lang="en-IE" sz="2000" dirty="0"/>
+          </a:p>
+          <a:p>
+            <a:r>
+              <a:rPr lang="en-IE" sz="2000" dirty="0"/>
+              <a:t>Allows several classes to be clients of your factory, creating a one to many relationship.  This centralises the code</a:t>
             </a:r>
             <a:r>
               <a:rPr lang="en-IE" sz="2000" dirty="0" smtClean="0"/>
-              <a:t> </a:t>
-            </a:r>
-          </a:p>
-          <a:p>
-            <a:pPr marL="0" indent="0">
-              <a:buNone/>
-            </a:pPr>
+              <a:t>.</a:t>
+            </a:r>
+            <a:endParaRPr lang="en-IE" sz="2000" dirty="0"/>
+          </a:p>
+          <a:p>
+            <a:endParaRPr lang="en-IE" sz="2000" dirty="0" smtClean="0"/>
+          </a:p>
+          <a:p>
             <a:r>
               <a:rPr lang="en-IE" sz="2000" dirty="0" smtClean="0"/>
-              <a:t>	The </a:t>
-            </a:r>
-            <a:r>
-              <a:rPr lang="en-IE" sz="2000" b="1" dirty="0" err="1" smtClean="0">
-                <a:solidFill>
-                  <a:schemeClr val="accent1">
-                    <a:lumMod val="75000"/>
-                  </a:schemeClr>
-                </a:solidFill>
-              </a:rPr>
-              <a:t>arg</a:t>
-            </a:r>
-            <a:r>
-              <a:rPr lang="en-IE" sz="2000" dirty="0" smtClean="0">
-                <a:solidFill>
-                  <a:schemeClr val="accent1">
-                    <a:lumMod val="75000"/>
-                  </a:schemeClr>
-                </a:solidFill>
-              </a:rPr>
-              <a:t> </a:t>
-            </a:r>
+              <a:t>If you need to create one of several possible classes that share a common interface, but don’t know which one until runtime.</a:t>
+            </a:r>
+          </a:p>
+          <a:p>
+            <a:endParaRPr lang="en-IE" sz="2000" dirty="0"/>
+          </a:p>
+          <a:p>
             <a:r>
               <a:rPr lang="en-IE" sz="2000" dirty="0" smtClean="0"/>
-              <a:t>is used to define which particular object we would like created.</a:t>
-            </a:r>
-          </a:p>
-          <a:p>
-            <a:pPr marL="0" indent="0">
-              <a:buNone/>
-            </a:pPr>
-            <a:endParaRPr lang="en-IE" sz="2000" dirty="0" smtClean="0"/>
-          </a:p>
-          <a:p>
-            <a:r>
-              <a:rPr lang="en-IE" sz="2000" dirty="0" smtClean="0"/>
-              <a:t>Factories rely heavily on polymorphism.  All concrete class are subclasses of an </a:t>
-            </a:r>
-            <a:r>
-              <a:rPr lang="en-IE" sz="2000" dirty="0" smtClean="0">
-                <a:solidFill>
-                  <a:srgbClr val="00B050"/>
-                </a:solidFill>
-              </a:rPr>
-              <a:t>interface/abstract</a:t>
-            </a:r>
-            <a:r>
-              <a:rPr lang="en-IE" sz="2000" dirty="0" smtClean="0"/>
-              <a:t> class.  As shown in the method signature above,  the method will return any class that is a subclass of the interface/abstract class.  </a:t>
-            </a:r>
-          </a:p>
-          <a:p>
-            <a:endParaRPr lang="en-IE" sz="2000" dirty="0"/>
+              <a:t>Makes it possible to choose which object to instantiate at runtime.</a:t>
+            </a:r>
           </a:p>
           <a:p>
             <a:endParaRPr lang="en-IE" sz="2000" dirty="0"/>
@@ -2968,7 +3280,7 @@
     </p:spTree>
     <p:extLst>
       <p:ext uri="{BB962C8B-B14F-4D97-AF65-F5344CB8AC3E}">
-        <p14:creationId xmlns:p14="http://schemas.microsoft.com/office/powerpoint/2010/main" val="179970076"/>
+        <p14:creationId xmlns:p14="http://schemas.microsoft.com/office/powerpoint/2010/main" val="2954737191"/>
       </p:ext>
     </p:extLst>
   </p:cSld>
@@ -3060,292 +3372,725 @@
           <a:bodyPr/>
           <a:lstStyle/>
           <a:p>
+            <a:endParaRPr lang="en-IE" sz="2000" dirty="0" smtClean="0"/>
+          </a:p>
+          <a:p>
+            <a:endParaRPr lang="en-IE" sz="2000" dirty="0" smtClean="0"/>
+          </a:p>
+          <a:p>
+            <a:endParaRPr lang="en-IE" sz="2000" dirty="0"/>
+          </a:p>
+          <a:p>
+            <a:endParaRPr lang="en-IE" sz="2000" dirty="0" smtClean="0"/>
+          </a:p>
+          <a:p>
+            <a:endParaRPr lang="en-IE" sz="2000" dirty="0"/>
+          </a:p>
+          <a:p>
+            <a:endParaRPr lang="en-IE" sz="2000" dirty="0" smtClean="0"/>
+          </a:p>
+          <a:p>
+            <a:endParaRPr lang="en-IE" sz="2000" dirty="0" smtClean="0"/>
+          </a:p>
+          <a:p>
+            <a:endParaRPr lang="en-IE" sz="2000" dirty="0" smtClean="0"/>
+          </a:p>
+          <a:p>
+            <a:r>
+              <a:rPr lang="en-IE" sz="2000" dirty="0" smtClean="0"/>
+              <a:t>Factories are classes that have a method of the form,</a:t>
+            </a:r>
+          </a:p>
+          <a:p>
+            <a:pPr marL="0" indent="0" algn="ctr">
+              <a:buNone/>
+            </a:pPr>
+            <a:r>
+              <a:rPr lang="en-IE" sz="2000" dirty="0" err="1" smtClean="0">
+                <a:solidFill>
+                  <a:srgbClr val="00B050"/>
+                </a:solidFill>
+              </a:rPr>
+              <a:t>InterfaceType</a:t>
+            </a:r>
+            <a:r>
+              <a:rPr lang="en-IE" sz="2000" dirty="0" smtClean="0">
+                <a:solidFill>
+                  <a:srgbClr val="00B050"/>
+                </a:solidFill>
+              </a:rPr>
+              <a:t>* </a:t>
+            </a:r>
+            <a:r>
+              <a:rPr lang="en-IE" sz="2000" b="1" dirty="0" err="1" smtClean="0">
+                <a:solidFill>
+                  <a:schemeClr val="accent6">
+                    <a:lumMod val="50000"/>
+                  </a:schemeClr>
+                </a:solidFill>
+              </a:rPr>
+              <a:t>createObject</a:t>
+            </a:r>
+            <a:r>
+              <a:rPr lang="en-IE" sz="2000" b="1" dirty="0" smtClean="0">
+                <a:solidFill>
+                  <a:schemeClr val="accent6">
+                    <a:lumMod val="50000"/>
+                  </a:schemeClr>
+                </a:solidFill>
+              </a:rPr>
+              <a:t>(</a:t>
+            </a:r>
+            <a:r>
+              <a:rPr lang="en-IE" sz="2000" b="1" dirty="0" err="1" smtClean="0">
+                <a:solidFill>
+                  <a:schemeClr val="accent1">
+                    <a:lumMod val="75000"/>
+                  </a:schemeClr>
+                </a:solidFill>
+              </a:rPr>
+              <a:t>arg</a:t>
+            </a:r>
+            <a:r>
+              <a:rPr lang="en-IE" sz="2000" b="1" dirty="0" smtClean="0">
+                <a:solidFill>
+                  <a:schemeClr val="accent6">
+                    <a:lumMod val="50000"/>
+                  </a:schemeClr>
+                </a:solidFill>
+              </a:rPr>
+              <a:t>)</a:t>
+            </a:r>
+            <a:r>
+              <a:rPr lang="en-IE" sz="2000" dirty="0" smtClean="0"/>
+              <a:t> </a:t>
+            </a:r>
+          </a:p>
+          <a:p>
             <a:pPr marL="0" indent="0">
               <a:buNone/>
             </a:pPr>
             <a:r>
-              <a:rPr lang="en-IE" sz="2000" b="1" dirty="0" smtClean="0"/>
-              <a:t>Typical Code to Instantiate Related Concrete Classes…</a:t>
+              <a:rPr lang="en-IE" sz="2000" dirty="0" smtClean="0"/>
+              <a:t>	The </a:t>
+            </a:r>
+            <a:r>
+              <a:rPr lang="en-IE" sz="2000" b="1" dirty="0" err="1" smtClean="0">
+                <a:solidFill>
+                  <a:schemeClr val="accent1">
+                    <a:lumMod val="75000"/>
+                  </a:schemeClr>
+                </a:solidFill>
+              </a:rPr>
+              <a:t>arg</a:t>
+            </a:r>
+            <a:r>
+              <a:rPr lang="en-IE" sz="2000" dirty="0" smtClean="0">
+                <a:solidFill>
+                  <a:schemeClr val="accent1">
+                    <a:lumMod val="75000"/>
+                  </a:schemeClr>
+                </a:solidFill>
+              </a:rPr>
+              <a:t> </a:t>
+            </a:r>
+            <a:r>
+              <a:rPr lang="en-IE" sz="2000" dirty="0" smtClean="0"/>
+              <a:t>is used to define which particular object we would like created.</a:t>
             </a:r>
           </a:p>
           <a:p>
             <a:pPr marL="0" indent="0">
               <a:buNone/>
             </a:pPr>
-            <a:endParaRPr lang="en-IE" sz="1600" dirty="0" smtClean="0">
-              <a:latin typeface="Consolas" panose="020B0609020204030204" pitchFamily="49" charset="0"/>
-              <a:cs typeface="Consolas" panose="020B0609020204030204" pitchFamily="49" charset="0"/>
+            <a:endParaRPr lang="en-IE" sz="2000" dirty="0" smtClean="0"/>
+          </a:p>
+          <a:p>
+            <a:r>
+              <a:rPr lang="en-IE" sz="2000" dirty="0" smtClean="0"/>
+              <a:t>Factories rely heavily on polymorphism.</a:t>
+            </a:r>
+          </a:p>
+          <a:p>
+            <a:endParaRPr lang="en-IE" sz="2000" dirty="0"/>
+          </a:p>
+          <a:p>
+            <a:endParaRPr lang="en-IE" sz="2000" dirty="0"/>
+          </a:p>
+        </p:txBody>
+      </p:sp>
+      <p:pic>
+        <p:nvPicPr>
+          <p:cNvPr id="1026" name="Picture 2"/>
+          <p:cNvPicPr>
+            <a:picLocks noChangeAspect="1" noChangeArrowheads="1"/>
+          </p:cNvPicPr>
+          <p:nvPr/>
+        </p:nvPicPr>
+        <p:blipFill>
+          <a:blip r:embed="rId2">
+            <a:extLst>
+              <a:ext uri="{28A0092B-C50C-407E-A947-70E740481C1C}">
+                <a14:useLocalDpi xmlns:a14="http://schemas.microsoft.com/office/drawing/2010/main" val="0"/>
+              </a:ext>
+            </a:extLst>
+          </a:blip>
+          <a:srcRect/>
+          <a:stretch>
+            <a:fillRect/>
+          </a:stretch>
+        </p:blipFill>
+        <p:spPr bwMode="auto">
+          <a:xfrm>
+            <a:off x="1687198" y="908688"/>
+            <a:ext cx="5606304" cy="2660012"/>
+          </a:xfrm>
+          <a:prstGeom prst="rect">
+            <a:avLst/>
+          </a:prstGeom>
+          <a:noFill/>
+          <a:ln>
+            <a:noFill/>
+          </a:ln>
+          <a:extLst>
+            <a:ext uri="{909E8E84-426E-40DD-AFC4-6F175D3DCCD1}">
+              <a14:hiddenFill xmlns:a14="http://schemas.microsoft.com/office/drawing/2010/main">
+                <a:solidFill>
+                  <a:schemeClr val="accent1"/>
+                </a:solidFill>
+              </a14:hiddenFill>
+            </a:ext>
+            <a:ext uri="{91240B29-F687-4F45-9708-019B960494DF}">
+              <a14:hiddenLine xmlns:a14="http://schemas.microsoft.com/office/drawing/2010/main" w="9525">
+                <a:solidFill>
+                  <a:schemeClr val="tx1"/>
+                </a:solidFill>
+                <a:miter lim="800000"/>
+                <a:headEnd/>
+                <a:tailEnd/>
+              </a14:hiddenLine>
+            </a:ext>
+          </a:extLst>
+        </p:spPr>
+      </p:pic>
+      <p:sp>
+        <p:nvSpPr>
+          <p:cNvPr id="6" name="Arc 5"/>
+          <p:cNvSpPr/>
+          <p:nvPr/>
+        </p:nvSpPr>
+        <p:spPr>
+          <a:xfrm rot="9094080">
+            <a:off x="596901" y="609113"/>
+            <a:ext cx="1371600" cy="1524000"/>
+          </a:xfrm>
+          <a:prstGeom prst="arc">
+            <a:avLst/>
+          </a:prstGeom>
+          <a:ln w="38100">
+            <a:headEnd type="triangle" w="lg" len="lg"/>
+            <a:tailEnd type="none"/>
+          </a:ln>
+        </p:spPr>
+        <p:style>
+          <a:lnRef idx="2">
+            <a:schemeClr val="accent1"/>
+          </a:lnRef>
+          <a:fillRef idx="0">
+            <a:schemeClr val="accent1"/>
+          </a:fillRef>
+          <a:effectRef idx="1">
+            <a:schemeClr val="accent1"/>
+          </a:effectRef>
+          <a:fontRef idx="minor">
+            <a:schemeClr val="tx1"/>
+          </a:fontRef>
+        </p:style>
+        <p:txBody>
+          <a:bodyPr rtlCol="0" anchor="ctr"/>
+          <a:lstStyle/>
+          <a:p>
+            <a:pPr algn="ctr"/>
+            <a:endParaRPr lang="en-IE"/>
+          </a:p>
+        </p:txBody>
+      </p:sp>
+      <p:sp>
+        <p:nvSpPr>
+          <p:cNvPr id="7" name="TextBox 6"/>
+          <p:cNvSpPr txBox="1"/>
+          <p:nvPr/>
+        </p:nvSpPr>
+        <p:spPr>
+          <a:xfrm>
+            <a:off x="86998" y="880903"/>
+            <a:ext cx="1398902" cy="830997"/>
+          </a:xfrm>
+          <a:prstGeom prst="rect">
+            <a:avLst/>
+          </a:prstGeom>
+          <a:noFill/>
+        </p:spPr>
+        <p:txBody>
+          <a:bodyPr wrap="square" rtlCol="0">
+            <a:spAutoFit/>
+          </a:bodyPr>
+          <a:lstStyle/>
+          <a:p>
+            <a:r>
+              <a:rPr lang="en-IE" sz="1200" dirty="0" smtClean="0">
+                <a:solidFill>
+                  <a:srgbClr val="C00000"/>
+                </a:solidFill>
+              </a:rPr>
+              <a:t>Factory Interface.</a:t>
+            </a:r>
+          </a:p>
+          <a:p>
+            <a:r>
+              <a:rPr lang="en-IE" sz="1200" dirty="0" smtClean="0">
+                <a:solidFill>
+                  <a:srgbClr val="C00000"/>
+                </a:solidFill>
+              </a:rPr>
+              <a:t>Must override the abstract ‘</a:t>
+            </a:r>
+            <a:r>
+              <a:rPr lang="en-IE" sz="1200" dirty="0" err="1" smtClean="0">
+                <a:solidFill>
+                  <a:srgbClr val="C00000"/>
+                </a:solidFill>
+              </a:rPr>
+              <a:t>factoryMethod</a:t>
+            </a:r>
+            <a:r>
+              <a:rPr lang="en-IE" sz="1200" dirty="0" smtClean="0">
+                <a:solidFill>
+                  <a:srgbClr val="C00000"/>
+                </a:solidFill>
+              </a:rPr>
+              <a:t>()’.</a:t>
+            </a:r>
+            <a:endParaRPr lang="en-IE" sz="1050" dirty="0">
+              <a:solidFill>
+                <a:srgbClr val="C00000"/>
+              </a:solidFill>
             </a:endParaRPr>
           </a:p>
-          <a:p>
-            <a:pPr marL="0" indent="0">
-              <a:buNone/>
-            </a:pPr>
-            <a:r>
-              <a:rPr lang="en-IE" sz="1600" dirty="0" smtClean="0">
-                <a:latin typeface="Consolas" panose="020B0609020204030204" pitchFamily="49" charset="0"/>
-                <a:cs typeface="Consolas" panose="020B0609020204030204" pitchFamily="49" charset="0"/>
-              </a:rPr>
-              <a:t>Duck* duck;</a:t>
-            </a:r>
-            <a:endParaRPr lang="en-IE" sz="1600" dirty="0">
-              <a:latin typeface="Consolas" panose="020B0609020204030204" pitchFamily="49" charset="0"/>
-              <a:cs typeface="Consolas" panose="020B0609020204030204" pitchFamily="49" charset="0"/>
+        </p:txBody>
+      </p:sp>
+      <p:sp>
+        <p:nvSpPr>
+          <p:cNvPr id="9" name="Arc 8"/>
+          <p:cNvSpPr/>
+          <p:nvPr/>
+        </p:nvSpPr>
+        <p:spPr>
+          <a:xfrm rot="8147899">
+            <a:off x="272608" y="1795414"/>
+            <a:ext cx="1371600" cy="1925037"/>
+          </a:xfrm>
+          <a:prstGeom prst="arc">
+            <a:avLst>
+              <a:gd name="adj1" fmla="val 16200000"/>
+              <a:gd name="adj2" fmla="val 20980655"/>
+            </a:avLst>
+          </a:prstGeom>
+          <a:ln w="38100">
+            <a:headEnd type="triangle" w="lg" len="lg"/>
+            <a:tailEnd type="none"/>
+          </a:ln>
+        </p:spPr>
+        <p:style>
+          <a:lnRef idx="2">
+            <a:schemeClr val="accent1"/>
+          </a:lnRef>
+          <a:fillRef idx="0">
+            <a:schemeClr val="accent1"/>
+          </a:fillRef>
+          <a:effectRef idx="1">
+            <a:schemeClr val="accent1"/>
+          </a:effectRef>
+          <a:fontRef idx="minor">
+            <a:schemeClr val="tx1"/>
+          </a:fontRef>
+        </p:style>
+        <p:txBody>
+          <a:bodyPr rtlCol="0" anchor="ctr"/>
+          <a:lstStyle/>
+          <a:p>
+            <a:pPr algn="ctr"/>
+            <a:endParaRPr lang="en-IE"/>
+          </a:p>
+        </p:txBody>
+      </p:sp>
+      <p:sp>
+        <p:nvSpPr>
+          <p:cNvPr id="10" name="TextBox 9"/>
+          <p:cNvSpPr txBox="1"/>
+          <p:nvPr/>
+        </p:nvSpPr>
+        <p:spPr>
+          <a:xfrm>
+            <a:off x="86999" y="2150903"/>
+            <a:ext cx="1398902" cy="1200329"/>
+          </a:xfrm>
+          <a:prstGeom prst="rect">
+            <a:avLst/>
+          </a:prstGeom>
+          <a:noFill/>
+        </p:spPr>
+        <p:txBody>
+          <a:bodyPr wrap="square" rtlCol="0">
+            <a:spAutoFit/>
+          </a:bodyPr>
+          <a:lstStyle/>
+          <a:p>
+            <a:r>
+              <a:rPr lang="en-IE" sz="1200" dirty="0" smtClean="0">
+                <a:solidFill>
+                  <a:srgbClr val="C00000"/>
+                </a:solidFill>
+              </a:rPr>
+              <a:t>Factory Concrete Class.  The </a:t>
+            </a:r>
+            <a:r>
+              <a:rPr lang="en-IE" sz="1200" dirty="0" err="1" smtClean="0">
+                <a:solidFill>
+                  <a:srgbClr val="C00000"/>
+                </a:solidFill>
+              </a:rPr>
+              <a:t>factoryMethod</a:t>
+            </a:r>
+            <a:r>
+              <a:rPr lang="en-IE" sz="1200" dirty="0" smtClean="0">
+                <a:solidFill>
+                  <a:srgbClr val="C00000"/>
+                </a:solidFill>
+              </a:rPr>
+              <a:t>() implementation is left to the sub class.</a:t>
+            </a:r>
+            <a:endParaRPr lang="en-IE" sz="1050" dirty="0">
+              <a:solidFill>
+                <a:srgbClr val="C00000"/>
+              </a:solidFill>
             </a:endParaRPr>
           </a:p>
-          <a:p>
-            <a:pPr marL="0" indent="0">
-              <a:buNone/>
-            </a:pPr>
-            <a:endParaRPr lang="en-IE" sz="1600" dirty="0" smtClean="0">
-              <a:latin typeface="Consolas" panose="020B0609020204030204" pitchFamily="49" charset="0"/>
-              <a:cs typeface="Consolas" panose="020B0609020204030204" pitchFamily="49" charset="0"/>
+        </p:txBody>
+      </p:sp>
+      <p:sp>
+        <p:nvSpPr>
+          <p:cNvPr id="11" name="Arc 10"/>
+          <p:cNvSpPr/>
+          <p:nvPr/>
+        </p:nvSpPr>
+        <p:spPr>
+          <a:xfrm rot="9444379">
+            <a:off x="7327824" y="1083175"/>
+            <a:ext cx="1469505" cy="762000"/>
+          </a:xfrm>
+          <a:custGeom>
+            <a:avLst/>
+            <a:gdLst>
+              <a:gd name="connsiteX0" fmla="*/ 685800 w 1371600"/>
+              <a:gd name="connsiteY0" fmla="*/ 0 h 1524000"/>
+              <a:gd name="connsiteX1" fmla="*/ 1371600 w 1371600"/>
+              <a:gd name="connsiteY1" fmla="*/ 762000 h 1524000"/>
+              <a:gd name="connsiteX2" fmla="*/ 685800 w 1371600"/>
+              <a:gd name="connsiteY2" fmla="*/ 762000 h 1524000"/>
+              <a:gd name="connsiteX3" fmla="*/ 685800 w 1371600"/>
+              <a:gd name="connsiteY3" fmla="*/ 0 h 1524000"/>
+              <a:gd name="connsiteX0" fmla="*/ 685800 w 1371600"/>
+              <a:gd name="connsiteY0" fmla="*/ 0 h 1524000"/>
+              <a:gd name="connsiteX1" fmla="*/ 1371600 w 1371600"/>
+              <a:gd name="connsiteY1" fmla="*/ 762000 h 1524000"/>
+              <a:gd name="connsiteX0" fmla="*/ 0 w 1545378"/>
+              <a:gd name="connsiteY0" fmla="*/ 0 h 762000"/>
+              <a:gd name="connsiteX1" fmla="*/ 685800 w 1545378"/>
+              <a:gd name="connsiteY1" fmla="*/ 762000 h 762000"/>
+              <a:gd name="connsiteX2" fmla="*/ 0 w 1545378"/>
+              <a:gd name="connsiteY2" fmla="*/ 762000 h 762000"/>
+              <a:gd name="connsiteX3" fmla="*/ 0 w 1545378"/>
+              <a:gd name="connsiteY3" fmla="*/ 0 h 762000"/>
+              <a:gd name="connsiteX0" fmla="*/ 1469505 w 1545378"/>
+              <a:gd name="connsiteY0" fmla="*/ 593432 h 762000"/>
+              <a:gd name="connsiteX1" fmla="*/ 685800 w 1545378"/>
+              <a:gd name="connsiteY1" fmla="*/ 762000 h 762000"/>
+              <a:gd name="connsiteX0" fmla="*/ 0 w 1469505"/>
+              <a:gd name="connsiteY0" fmla="*/ 0 h 762000"/>
+              <a:gd name="connsiteX1" fmla="*/ 685800 w 1469505"/>
+              <a:gd name="connsiteY1" fmla="*/ 762000 h 762000"/>
+              <a:gd name="connsiteX2" fmla="*/ 0 w 1469505"/>
+              <a:gd name="connsiteY2" fmla="*/ 762000 h 762000"/>
+              <a:gd name="connsiteX3" fmla="*/ 0 w 1469505"/>
+              <a:gd name="connsiteY3" fmla="*/ 0 h 762000"/>
+              <a:gd name="connsiteX0" fmla="*/ 1469505 w 1469505"/>
+              <a:gd name="connsiteY0" fmla="*/ 593432 h 762000"/>
+              <a:gd name="connsiteX1" fmla="*/ 685800 w 1469505"/>
+              <a:gd name="connsiteY1" fmla="*/ 762000 h 762000"/>
+            </a:gdLst>
+            <a:ahLst/>
+            <a:cxnLst>
+              <a:cxn ang="0">
+                <a:pos x="connsiteX0" y="connsiteY0"/>
+              </a:cxn>
+              <a:cxn ang="0">
+                <a:pos x="connsiteX1" y="connsiteY1"/>
+              </a:cxn>
+            </a:cxnLst>
+            <a:rect l="l" t="t" r="r" b="b"/>
+            <a:pathLst>
+              <a:path w="1469505" h="762000" stroke="0" extrusionOk="0">
+                <a:moveTo>
+                  <a:pt x="0" y="0"/>
+                </a:moveTo>
+                <a:cubicBezTo>
+                  <a:pt x="378757" y="0"/>
+                  <a:pt x="685800" y="341159"/>
+                  <a:pt x="685800" y="762000"/>
+                </a:cubicBezTo>
+                <a:lnTo>
+                  <a:pt x="0" y="762000"/>
+                </a:lnTo>
+                <a:lnTo>
+                  <a:pt x="0" y="0"/>
+                </a:lnTo>
+                <a:close/>
+              </a:path>
+              <a:path w="1469505" h="762000" fill="none">
+                <a:moveTo>
+                  <a:pt x="1469505" y="593432"/>
+                </a:moveTo>
+                <a:cubicBezTo>
+                  <a:pt x="1267517" y="279005"/>
+                  <a:pt x="685800" y="341159"/>
+                  <a:pt x="685800" y="762000"/>
+                </a:cubicBezTo>
+              </a:path>
+            </a:pathLst>
+          </a:custGeom>
+          <a:ln w="38100">
+            <a:headEnd type="triangle" w="lg" len="lg"/>
+            <a:tailEnd type="none"/>
+          </a:ln>
+        </p:spPr>
+        <p:style>
+          <a:lnRef idx="2">
+            <a:schemeClr val="accent1"/>
+          </a:lnRef>
+          <a:fillRef idx="0">
+            <a:schemeClr val="accent1"/>
+          </a:fillRef>
+          <a:effectRef idx="1">
+            <a:schemeClr val="accent1"/>
+          </a:effectRef>
+          <a:fontRef idx="minor">
+            <a:schemeClr val="tx1"/>
+          </a:fontRef>
+        </p:style>
+        <p:txBody>
+          <a:bodyPr rtlCol="0" anchor="ctr"/>
+          <a:lstStyle/>
+          <a:p>
+            <a:pPr algn="ctr"/>
+            <a:endParaRPr lang="en-IE"/>
+          </a:p>
+        </p:txBody>
+      </p:sp>
+      <p:sp>
+        <p:nvSpPr>
+          <p:cNvPr id="12" name="TextBox 11"/>
+          <p:cNvSpPr txBox="1"/>
+          <p:nvPr/>
+        </p:nvSpPr>
+        <p:spPr>
+          <a:xfrm>
+            <a:off x="7331602" y="822493"/>
+            <a:ext cx="1398902" cy="276999"/>
+          </a:xfrm>
+          <a:prstGeom prst="rect">
+            <a:avLst/>
+          </a:prstGeom>
+          <a:noFill/>
+        </p:spPr>
+        <p:txBody>
+          <a:bodyPr wrap="square" rtlCol="0">
+            <a:spAutoFit/>
+          </a:bodyPr>
+          <a:lstStyle/>
+          <a:p>
+            <a:r>
+              <a:rPr lang="en-IE" sz="1200" dirty="0" smtClean="0">
+                <a:solidFill>
+                  <a:srgbClr val="C00000"/>
+                </a:solidFill>
+              </a:rPr>
+              <a:t>Product Interface</a:t>
+            </a:r>
+            <a:endParaRPr lang="en-IE" sz="1050" dirty="0">
+              <a:solidFill>
+                <a:srgbClr val="C00000"/>
+              </a:solidFill>
             </a:endParaRPr>
           </a:p>
-          <a:p>
-            <a:pPr marL="0" indent="0">
-              <a:buNone/>
-            </a:pPr>
-            <a:r>
-              <a:rPr lang="en-IE" sz="1600" dirty="0" smtClean="0">
-                <a:latin typeface="Consolas" panose="020B0609020204030204" pitchFamily="49" charset="0"/>
-                <a:cs typeface="Consolas" panose="020B0609020204030204" pitchFamily="49" charset="0"/>
-              </a:rPr>
-              <a:t>If(picnic)</a:t>
-            </a:r>
-          </a:p>
-          <a:p>
-            <a:pPr marL="0" indent="0">
-              <a:buNone/>
-            </a:pPr>
-            <a:r>
-              <a:rPr lang="en-IE" sz="1600" dirty="0" smtClean="0">
-                <a:latin typeface="Consolas" panose="020B0609020204030204" pitchFamily="49" charset="0"/>
-                <a:cs typeface="Consolas" panose="020B0609020204030204" pitchFamily="49" charset="0"/>
-              </a:rPr>
-              <a:t>{</a:t>
-            </a:r>
-          </a:p>
-          <a:p>
-            <a:pPr marL="0" indent="0">
-              <a:buNone/>
-            </a:pPr>
-            <a:r>
-              <a:rPr lang="en-IE" sz="1600" dirty="0" smtClean="0">
-                <a:latin typeface="Consolas" panose="020B0609020204030204" pitchFamily="49" charset="0"/>
-                <a:cs typeface="Consolas" panose="020B0609020204030204" pitchFamily="49" charset="0"/>
-              </a:rPr>
-              <a:t>	duck = new </a:t>
-            </a:r>
-            <a:r>
-              <a:rPr lang="en-IE" sz="1600" dirty="0" err="1" smtClean="0">
-                <a:latin typeface="Consolas" panose="020B0609020204030204" pitchFamily="49" charset="0"/>
-                <a:cs typeface="Consolas" panose="020B0609020204030204" pitchFamily="49" charset="0"/>
-              </a:rPr>
-              <a:t>MallardDuck</a:t>
-            </a:r>
-            <a:r>
-              <a:rPr lang="en-IE" sz="1600" dirty="0" smtClean="0">
-                <a:latin typeface="Consolas" panose="020B0609020204030204" pitchFamily="49" charset="0"/>
-                <a:cs typeface="Consolas" panose="020B0609020204030204" pitchFamily="49" charset="0"/>
-              </a:rPr>
-              <a:t>();</a:t>
-            </a:r>
-            <a:endParaRPr lang="en-IE" sz="1600" dirty="0">
-              <a:latin typeface="Consolas" panose="020B0609020204030204" pitchFamily="49" charset="0"/>
-              <a:cs typeface="Consolas" panose="020B0609020204030204" pitchFamily="49" charset="0"/>
-            </a:endParaRPr>
-          </a:p>
-          <a:p>
-            <a:pPr marL="0" indent="0">
-              <a:buNone/>
-            </a:pPr>
-            <a:r>
-              <a:rPr lang="en-IE" sz="1600" dirty="0" smtClean="0">
-                <a:latin typeface="Consolas" panose="020B0609020204030204" pitchFamily="49" charset="0"/>
-                <a:cs typeface="Consolas" panose="020B0609020204030204" pitchFamily="49" charset="0"/>
-              </a:rPr>
-              <a:t>}</a:t>
-            </a:r>
-          </a:p>
-          <a:p>
-            <a:pPr marL="0" indent="0">
-              <a:buNone/>
-            </a:pPr>
-            <a:r>
-              <a:rPr lang="en-IE" sz="1600" dirty="0" smtClean="0">
-                <a:latin typeface="Consolas" panose="020B0609020204030204" pitchFamily="49" charset="0"/>
-                <a:cs typeface="Consolas" panose="020B0609020204030204" pitchFamily="49" charset="0"/>
-              </a:rPr>
-              <a:t>else if(hunting)</a:t>
-            </a:r>
-          </a:p>
-          <a:p>
-            <a:pPr marL="0" indent="0">
-              <a:buNone/>
-            </a:pPr>
-            <a:r>
-              <a:rPr lang="en-IE" sz="1600" dirty="0" smtClean="0">
-                <a:latin typeface="Consolas" panose="020B0609020204030204" pitchFamily="49" charset="0"/>
-                <a:cs typeface="Consolas" panose="020B0609020204030204" pitchFamily="49" charset="0"/>
-              </a:rPr>
-              <a:t>{</a:t>
-            </a:r>
-          </a:p>
-          <a:p>
-            <a:pPr marL="0" indent="0">
-              <a:buNone/>
-            </a:pPr>
-            <a:r>
-              <a:rPr lang="en-IE" sz="1600" dirty="0" smtClean="0">
-                <a:latin typeface="Consolas" panose="020B0609020204030204" pitchFamily="49" charset="0"/>
-                <a:cs typeface="Consolas" panose="020B0609020204030204" pitchFamily="49" charset="0"/>
-              </a:rPr>
-              <a:t>	</a:t>
-            </a:r>
-            <a:r>
-              <a:rPr lang="en-IE" sz="1600" dirty="0">
-                <a:latin typeface="Consolas" panose="020B0609020204030204" pitchFamily="49" charset="0"/>
-                <a:cs typeface="Consolas" panose="020B0609020204030204" pitchFamily="49" charset="0"/>
-              </a:rPr>
-              <a:t> duck = new </a:t>
-            </a:r>
-            <a:r>
-              <a:rPr lang="en-IE" sz="1600" dirty="0" err="1" smtClean="0">
-                <a:latin typeface="Consolas" panose="020B0609020204030204" pitchFamily="49" charset="0"/>
-                <a:cs typeface="Consolas" panose="020B0609020204030204" pitchFamily="49" charset="0"/>
-              </a:rPr>
-              <a:t>DecoyDuck</a:t>
-            </a:r>
-            <a:r>
-              <a:rPr lang="en-IE" sz="1600" dirty="0" smtClean="0">
-                <a:latin typeface="Consolas" panose="020B0609020204030204" pitchFamily="49" charset="0"/>
-                <a:cs typeface="Consolas" panose="020B0609020204030204" pitchFamily="49" charset="0"/>
-              </a:rPr>
-              <a:t>();</a:t>
-            </a:r>
-            <a:endParaRPr lang="en-IE" sz="1600" dirty="0">
-              <a:latin typeface="Consolas" panose="020B0609020204030204" pitchFamily="49" charset="0"/>
-              <a:cs typeface="Consolas" panose="020B0609020204030204" pitchFamily="49" charset="0"/>
-            </a:endParaRPr>
-          </a:p>
-          <a:p>
-            <a:pPr marL="0" indent="0">
-              <a:buNone/>
-            </a:pPr>
-            <a:r>
-              <a:rPr lang="en-IE" sz="1600" dirty="0" smtClean="0">
-                <a:latin typeface="Consolas" panose="020B0609020204030204" pitchFamily="49" charset="0"/>
-                <a:cs typeface="Consolas" panose="020B0609020204030204" pitchFamily="49" charset="0"/>
-              </a:rPr>
-              <a:t>}</a:t>
-            </a:r>
-          </a:p>
-          <a:p>
-            <a:pPr marL="0" indent="0">
-              <a:buNone/>
-            </a:pPr>
-            <a:r>
-              <a:rPr lang="en-IE" sz="1600" dirty="0" smtClean="0">
-                <a:latin typeface="Consolas" panose="020B0609020204030204" pitchFamily="49" charset="0"/>
-                <a:cs typeface="Consolas" panose="020B0609020204030204" pitchFamily="49" charset="0"/>
-              </a:rPr>
-              <a:t>else if(</a:t>
-            </a:r>
-            <a:r>
-              <a:rPr lang="en-IE" sz="1600" dirty="0" err="1" smtClean="0">
-                <a:latin typeface="Consolas" panose="020B0609020204030204" pitchFamily="49" charset="0"/>
-                <a:cs typeface="Consolas" panose="020B0609020204030204" pitchFamily="49" charset="0"/>
-              </a:rPr>
-              <a:t>bathTub</a:t>
-            </a:r>
-            <a:r>
-              <a:rPr lang="en-IE" sz="1600" dirty="0" smtClean="0">
-                <a:latin typeface="Consolas" panose="020B0609020204030204" pitchFamily="49" charset="0"/>
-                <a:cs typeface="Consolas" panose="020B0609020204030204" pitchFamily="49" charset="0"/>
-              </a:rPr>
-              <a:t>)</a:t>
-            </a:r>
-          </a:p>
-          <a:p>
-            <a:pPr marL="0" indent="0">
-              <a:buNone/>
-            </a:pPr>
-            <a:r>
-              <a:rPr lang="en-IE" sz="1600" dirty="0" smtClean="0">
-                <a:latin typeface="Consolas" panose="020B0609020204030204" pitchFamily="49" charset="0"/>
-                <a:cs typeface="Consolas" panose="020B0609020204030204" pitchFamily="49" charset="0"/>
-              </a:rPr>
-              <a:t>{</a:t>
-            </a:r>
-          </a:p>
-          <a:p>
-            <a:pPr marL="0" indent="0">
-              <a:buNone/>
-            </a:pPr>
-            <a:r>
-              <a:rPr lang="en-IE" sz="1600" dirty="0" smtClean="0">
-                <a:latin typeface="Consolas" panose="020B0609020204030204" pitchFamily="49" charset="0"/>
-                <a:cs typeface="Consolas" panose="020B0609020204030204" pitchFamily="49" charset="0"/>
-              </a:rPr>
-              <a:t>	</a:t>
-            </a:r>
-            <a:r>
-              <a:rPr lang="en-IE" sz="1600" dirty="0">
-                <a:latin typeface="Consolas" panose="020B0609020204030204" pitchFamily="49" charset="0"/>
-                <a:cs typeface="Consolas" panose="020B0609020204030204" pitchFamily="49" charset="0"/>
-              </a:rPr>
-              <a:t> duck = new </a:t>
-            </a:r>
-            <a:r>
-              <a:rPr lang="en-IE" sz="1600" dirty="0" err="1" smtClean="0">
-                <a:latin typeface="Consolas" panose="020B0609020204030204" pitchFamily="49" charset="0"/>
-                <a:cs typeface="Consolas" panose="020B0609020204030204" pitchFamily="49" charset="0"/>
-              </a:rPr>
-              <a:t>RubberDuck</a:t>
-            </a:r>
-            <a:r>
-              <a:rPr lang="en-IE" sz="1600" dirty="0" smtClean="0">
-                <a:latin typeface="Consolas" panose="020B0609020204030204" pitchFamily="49" charset="0"/>
-                <a:cs typeface="Consolas" panose="020B0609020204030204" pitchFamily="49" charset="0"/>
-              </a:rPr>
-              <a:t>();</a:t>
-            </a:r>
-            <a:endParaRPr lang="en-IE" sz="1600" dirty="0">
-              <a:latin typeface="Consolas" panose="020B0609020204030204" pitchFamily="49" charset="0"/>
-              <a:cs typeface="Consolas" panose="020B0609020204030204" pitchFamily="49" charset="0"/>
-            </a:endParaRPr>
-          </a:p>
-          <a:p>
-            <a:pPr marL="0" indent="0">
-              <a:buNone/>
-            </a:pPr>
-            <a:r>
-              <a:rPr lang="en-IE" sz="1600" dirty="0" smtClean="0">
-                <a:latin typeface="Consolas" panose="020B0609020204030204" pitchFamily="49" charset="0"/>
-                <a:cs typeface="Consolas" panose="020B0609020204030204" pitchFamily="49" charset="0"/>
-              </a:rPr>
-              <a:t>}</a:t>
-            </a:r>
-          </a:p>
-          <a:p>
-            <a:pPr marL="0" indent="0">
-              <a:buNone/>
-            </a:pPr>
-            <a:endParaRPr lang="en-IE" sz="1600" dirty="0">
-              <a:latin typeface="Consolas" panose="020B0609020204030204" pitchFamily="49" charset="0"/>
-              <a:cs typeface="Consolas" panose="020B0609020204030204" pitchFamily="49" charset="0"/>
-            </a:endParaRPr>
-          </a:p>
-          <a:p>
-            <a:endParaRPr lang="en-IE" sz="2000" dirty="0"/>
+        </p:txBody>
+      </p:sp>
+      <p:sp>
+        <p:nvSpPr>
+          <p:cNvPr id="13" name="Arc 10"/>
+          <p:cNvSpPr/>
+          <p:nvPr/>
+        </p:nvSpPr>
+        <p:spPr>
+          <a:xfrm rot="9444379">
+            <a:off x="7421590" y="2790368"/>
+            <a:ext cx="1469505" cy="762000"/>
+          </a:xfrm>
+          <a:custGeom>
+            <a:avLst/>
+            <a:gdLst>
+              <a:gd name="connsiteX0" fmla="*/ 685800 w 1371600"/>
+              <a:gd name="connsiteY0" fmla="*/ 0 h 1524000"/>
+              <a:gd name="connsiteX1" fmla="*/ 1371600 w 1371600"/>
+              <a:gd name="connsiteY1" fmla="*/ 762000 h 1524000"/>
+              <a:gd name="connsiteX2" fmla="*/ 685800 w 1371600"/>
+              <a:gd name="connsiteY2" fmla="*/ 762000 h 1524000"/>
+              <a:gd name="connsiteX3" fmla="*/ 685800 w 1371600"/>
+              <a:gd name="connsiteY3" fmla="*/ 0 h 1524000"/>
+              <a:gd name="connsiteX0" fmla="*/ 685800 w 1371600"/>
+              <a:gd name="connsiteY0" fmla="*/ 0 h 1524000"/>
+              <a:gd name="connsiteX1" fmla="*/ 1371600 w 1371600"/>
+              <a:gd name="connsiteY1" fmla="*/ 762000 h 1524000"/>
+              <a:gd name="connsiteX0" fmla="*/ 0 w 1545378"/>
+              <a:gd name="connsiteY0" fmla="*/ 0 h 762000"/>
+              <a:gd name="connsiteX1" fmla="*/ 685800 w 1545378"/>
+              <a:gd name="connsiteY1" fmla="*/ 762000 h 762000"/>
+              <a:gd name="connsiteX2" fmla="*/ 0 w 1545378"/>
+              <a:gd name="connsiteY2" fmla="*/ 762000 h 762000"/>
+              <a:gd name="connsiteX3" fmla="*/ 0 w 1545378"/>
+              <a:gd name="connsiteY3" fmla="*/ 0 h 762000"/>
+              <a:gd name="connsiteX0" fmla="*/ 1469505 w 1545378"/>
+              <a:gd name="connsiteY0" fmla="*/ 593432 h 762000"/>
+              <a:gd name="connsiteX1" fmla="*/ 685800 w 1545378"/>
+              <a:gd name="connsiteY1" fmla="*/ 762000 h 762000"/>
+              <a:gd name="connsiteX0" fmla="*/ 0 w 1469505"/>
+              <a:gd name="connsiteY0" fmla="*/ 0 h 762000"/>
+              <a:gd name="connsiteX1" fmla="*/ 685800 w 1469505"/>
+              <a:gd name="connsiteY1" fmla="*/ 762000 h 762000"/>
+              <a:gd name="connsiteX2" fmla="*/ 0 w 1469505"/>
+              <a:gd name="connsiteY2" fmla="*/ 762000 h 762000"/>
+              <a:gd name="connsiteX3" fmla="*/ 0 w 1469505"/>
+              <a:gd name="connsiteY3" fmla="*/ 0 h 762000"/>
+              <a:gd name="connsiteX0" fmla="*/ 1469505 w 1469505"/>
+              <a:gd name="connsiteY0" fmla="*/ 593432 h 762000"/>
+              <a:gd name="connsiteX1" fmla="*/ 685800 w 1469505"/>
+              <a:gd name="connsiteY1" fmla="*/ 762000 h 762000"/>
+            </a:gdLst>
+            <a:ahLst/>
+            <a:cxnLst>
+              <a:cxn ang="0">
+                <a:pos x="connsiteX0" y="connsiteY0"/>
+              </a:cxn>
+              <a:cxn ang="0">
+                <a:pos x="connsiteX1" y="connsiteY1"/>
+              </a:cxn>
+            </a:cxnLst>
+            <a:rect l="l" t="t" r="r" b="b"/>
+            <a:pathLst>
+              <a:path w="1469505" h="762000" stroke="0" extrusionOk="0">
+                <a:moveTo>
+                  <a:pt x="0" y="0"/>
+                </a:moveTo>
+                <a:cubicBezTo>
+                  <a:pt x="378757" y="0"/>
+                  <a:pt x="685800" y="341159"/>
+                  <a:pt x="685800" y="762000"/>
+                </a:cubicBezTo>
+                <a:lnTo>
+                  <a:pt x="0" y="762000"/>
+                </a:lnTo>
+                <a:lnTo>
+                  <a:pt x="0" y="0"/>
+                </a:lnTo>
+                <a:close/>
+              </a:path>
+              <a:path w="1469505" h="762000" fill="none">
+                <a:moveTo>
+                  <a:pt x="1469505" y="593432"/>
+                </a:moveTo>
+                <a:cubicBezTo>
+                  <a:pt x="1267517" y="279005"/>
+                  <a:pt x="685800" y="341159"/>
+                  <a:pt x="685800" y="762000"/>
+                </a:cubicBezTo>
+              </a:path>
+            </a:pathLst>
+          </a:custGeom>
+          <a:ln w="38100">
+            <a:headEnd type="triangle" w="lg" len="lg"/>
+            <a:tailEnd type="none"/>
+          </a:ln>
+        </p:spPr>
+        <p:style>
+          <a:lnRef idx="2">
+            <a:schemeClr val="accent1"/>
+          </a:lnRef>
+          <a:fillRef idx="0">
+            <a:schemeClr val="accent1"/>
+          </a:fillRef>
+          <a:effectRef idx="1">
+            <a:schemeClr val="accent1"/>
+          </a:effectRef>
+          <a:fontRef idx="minor">
+            <a:schemeClr val="tx1"/>
+          </a:fontRef>
+        </p:style>
+        <p:txBody>
+          <a:bodyPr rtlCol="0" anchor="ctr"/>
+          <a:lstStyle/>
+          <a:p>
+            <a:pPr algn="ctr"/>
+            <a:endParaRPr lang="en-IE"/>
+          </a:p>
+        </p:txBody>
+      </p:sp>
+      <p:sp>
+        <p:nvSpPr>
+          <p:cNvPr id="14" name="TextBox 13"/>
+          <p:cNvSpPr txBox="1"/>
+          <p:nvPr/>
+        </p:nvSpPr>
+        <p:spPr>
+          <a:xfrm>
+            <a:off x="7425368" y="2529686"/>
+            <a:ext cx="1398902" cy="461665"/>
+          </a:xfrm>
+          <a:prstGeom prst="rect">
+            <a:avLst/>
+          </a:prstGeom>
+          <a:noFill/>
+        </p:spPr>
+        <p:txBody>
+          <a:bodyPr wrap="square" rtlCol="0">
+            <a:spAutoFit/>
+          </a:bodyPr>
+          <a:lstStyle/>
+          <a:p>
+            <a:r>
+              <a:rPr lang="en-IE" sz="1200" dirty="0" smtClean="0">
+                <a:solidFill>
+                  <a:srgbClr val="C00000"/>
+                </a:solidFill>
+              </a:rPr>
+              <a:t>Product Concrete Class</a:t>
+            </a:r>
           </a:p>
         </p:txBody>
       </p:sp>
     </p:spTree>
     <p:extLst>
       <p:ext uri="{BB962C8B-B14F-4D97-AF65-F5344CB8AC3E}">
-        <p14:creationId xmlns:p14="http://schemas.microsoft.com/office/powerpoint/2010/main" val="4096189138"/>
+        <p14:creationId xmlns:p14="http://schemas.microsoft.com/office/powerpoint/2010/main" val="179970076"/>
       </p:ext>
     </p:extLst>
   </p:cSld>
@@ -3442,143 +4187,28 @@
             </a:pPr>
             <a:r>
               <a:rPr lang="en-IE" sz="2000" b="1" dirty="0" smtClean="0"/>
-              <a:t>Creating a Factory Class…</a:t>
+              <a:t>Typical Code to Instantiate Related Concrete Classes…</a:t>
             </a:r>
           </a:p>
           <a:p>
             <a:pPr marL="0" indent="0">
               <a:buNone/>
             </a:pPr>
+            <a:endParaRPr lang="en-IE" sz="1600" dirty="0" smtClean="0">
+              <a:latin typeface="Consolas" panose="020B0609020204030204" pitchFamily="49" charset="0"/>
+              <a:cs typeface="Consolas" panose="020B0609020204030204" pitchFamily="49" charset="0"/>
+            </a:endParaRPr>
+          </a:p>
+          <a:p>
+            <a:pPr marL="0" indent="0">
+              <a:buNone/>
+            </a:pPr>
             <a:r>
               <a:rPr lang="en-IE" sz="1600" dirty="0" smtClean="0">
                 <a:latin typeface="Consolas" panose="020B0609020204030204" pitchFamily="49" charset="0"/>
                 <a:cs typeface="Consolas" panose="020B0609020204030204" pitchFamily="49" charset="0"/>
               </a:rPr>
               <a:t>Duck* duck;</a:t>
-            </a:r>
-          </a:p>
-          <a:p>
-            <a:pPr marL="0" indent="0">
-              <a:buNone/>
-            </a:pPr>
-            <a:r>
-              <a:rPr lang="en-IE" sz="1600" b="1" dirty="0" smtClean="0">
-                <a:solidFill>
-                  <a:srgbClr val="00B050"/>
-                </a:solidFill>
-                <a:latin typeface="Consolas" panose="020B0609020204030204" pitchFamily="49" charset="0"/>
-                <a:cs typeface="Consolas" panose="020B0609020204030204" pitchFamily="49" charset="0"/>
-              </a:rPr>
-              <a:t>Duck*</a:t>
-            </a:r>
-            <a:r>
-              <a:rPr lang="en-IE" sz="1600" dirty="0" smtClean="0">
-                <a:latin typeface="Consolas" panose="020B0609020204030204" pitchFamily="49" charset="0"/>
-                <a:cs typeface="Consolas" panose="020B0609020204030204" pitchFamily="49" charset="0"/>
-              </a:rPr>
-              <a:t> </a:t>
-            </a:r>
-            <a:r>
-              <a:rPr lang="en-IE" sz="1600" dirty="0" err="1" smtClean="0">
-                <a:latin typeface="Consolas" panose="020B0609020204030204" pitchFamily="49" charset="0"/>
-                <a:cs typeface="Consolas" panose="020B0609020204030204" pitchFamily="49" charset="0"/>
-              </a:rPr>
-              <a:t>DuckFactory</a:t>
-            </a:r>
-            <a:r>
-              <a:rPr lang="en-IE" sz="1600" dirty="0" smtClean="0">
-                <a:latin typeface="Consolas" panose="020B0609020204030204" pitchFamily="49" charset="0"/>
-                <a:cs typeface="Consolas" panose="020B0609020204030204" pitchFamily="49" charset="0"/>
-              </a:rPr>
-              <a:t>::</a:t>
-            </a:r>
-            <a:r>
-              <a:rPr lang="en-IE" sz="1600" b="1" dirty="0" err="1" smtClean="0">
-                <a:solidFill>
-                  <a:schemeClr val="accent6">
-                    <a:lumMod val="50000"/>
-                  </a:schemeClr>
-                </a:solidFill>
-                <a:latin typeface="Consolas" panose="020B0609020204030204" pitchFamily="49" charset="0"/>
-                <a:cs typeface="Consolas" panose="020B0609020204030204" pitchFamily="49" charset="0"/>
-              </a:rPr>
-              <a:t>createDuck</a:t>
-            </a:r>
-            <a:r>
-              <a:rPr lang="en-IE" sz="1600" dirty="0" smtClean="0">
-                <a:latin typeface="Consolas" panose="020B0609020204030204" pitchFamily="49" charset="0"/>
-                <a:cs typeface="Consolas" panose="020B0609020204030204" pitchFamily="49" charset="0"/>
-              </a:rPr>
-              <a:t>(</a:t>
-            </a:r>
-            <a:r>
-              <a:rPr lang="en-IE" sz="1600" dirty="0" err="1" smtClean="0">
-                <a:latin typeface="Consolas" panose="020B0609020204030204" pitchFamily="49" charset="0"/>
-                <a:cs typeface="Consolas" panose="020B0609020204030204" pitchFamily="49" charset="0"/>
-              </a:rPr>
-              <a:t>std</a:t>
-            </a:r>
-            <a:r>
-              <a:rPr lang="en-IE" sz="1600" dirty="0" smtClean="0">
-                <a:latin typeface="Consolas" panose="020B0609020204030204" pitchFamily="49" charset="0"/>
-                <a:cs typeface="Consolas" panose="020B0609020204030204" pitchFamily="49" charset="0"/>
-              </a:rPr>
-              <a:t>::string </a:t>
-            </a:r>
-            <a:r>
-              <a:rPr lang="en-IE" sz="1600" b="1" dirty="0" err="1" smtClean="0">
-                <a:solidFill>
-                  <a:srgbClr val="0070C0"/>
-                </a:solidFill>
-                <a:latin typeface="Consolas" panose="020B0609020204030204" pitchFamily="49" charset="0"/>
-                <a:cs typeface="Consolas" panose="020B0609020204030204" pitchFamily="49" charset="0"/>
-              </a:rPr>
-              <a:t>arg_duckType</a:t>
-            </a:r>
-            <a:r>
-              <a:rPr lang="en-IE" sz="1600" dirty="0" smtClean="0">
-                <a:latin typeface="Consolas" panose="020B0609020204030204" pitchFamily="49" charset="0"/>
-                <a:cs typeface="Consolas" panose="020B0609020204030204" pitchFamily="49" charset="0"/>
-              </a:rPr>
-              <a:t>)</a:t>
-            </a:r>
-          </a:p>
-          <a:p>
-            <a:pPr marL="0" indent="0">
-              <a:buNone/>
-            </a:pPr>
-            <a:r>
-              <a:rPr lang="en-IE" sz="1600" dirty="0" smtClean="0">
-                <a:latin typeface="Consolas" panose="020B0609020204030204" pitchFamily="49" charset="0"/>
-                <a:cs typeface="Consolas" panose="020B0609020204030204" pitchFamily="49" charset="0"/>
-              </a:rPr>
-              <a:t>{</a:t>
-            </a:r>
-          </a:p>
-          <a:p>
-            <a:pPr marL="0" indent="0">
-              <a:buNone/>
-            </a:pPr>
-            <a:r>
-              <a:rPr lang="en-IE" sz="1600" dirty="0" smtClean="0">
-                <a:latin typeface="Consolas" panose="020B0609020204030204" pitchFamily="49" charset="0"/>
-                <a:cs typeface="Consolas" panose="020B0609020204030204" pitchFamily="49" charset="0"/>
-              </a:rPr>
-              <a:t>	If(</a:t>
-            </a:r>
-            <a:r>
-              <a:rPr lang="en-IE" sz="1600" dirty="0" err="1" smtClean="0">
-                <a:latin typeface="Consolas" panose="020B0609020204030204" pitchFamily="49" charset="0"/>
-                <a:cs typeface="Consolas" panose="020B0609020204030204" pitchFamily="49" charset="0"/>
-              </a:rPr>
-              <a:t>arg_ducktype</a:t>
-            </a:r>
-            <a:r>
-              <a:rPr lang="en-IE" sz="1600" dirty="0" smtClean="0">
-                <a:latin typeface="Consolas" panose="020B0609020204030204" pitchFamily="49" charset="0"/>
-                <a:cs typeface="Consolas" panose="020B0609020204030204" pitchFamily="49" charset="0"/>
-              </a:rPr>
-              <a:t> == “picnic”)</a:t>
             </a:r>
             <a:endParaRPr lang="en-IE" sz="1600" dirty="0">
               <a:latin typeface="Consolas" panose="020B0609020204030204" pitchFamily="49" charset="0"/>
@@ -3589,12 +4219,59 @@
             <a:pPr marL="0" indent="0">
               <a:buNone/>
             </a:pPr>
+            <a:endParaRPr lang="en-IE" sz="1600" dirty="0" smtClean="0">
+              <a:latin typeface="Consolas" panose="020B0609020204030204" pitchFamily="49" charset="0"/>
+              <a:cs typeface="Consolas" panose="020B0609020204030204" pitchFamily="49" charset="0"/>
+            </a:endParaRPr>
+          </a:p>
+          <a:p>
+            <a:pPr marL="0" indent="0">
+              <a:buNone/>
+            </a:pPr>
             <a:r>
               <a:rPr lang="en-IE" sz="1600" dirty="0" smtClean="0">
                 <a:latin typeface="Consolas" panose="020B0609020204030204" pitchFamily="49" charset="0"/>
                 <a:cs typeface="Consolas" panose="020B0609020204030204" pitchFamily="49" charset="0"/>
               </a:rPr>
-              <a:t>	{</a:t>
+              <a:t>If(picnic)</a:t>
+            </a:r>
+          </a:p>
+          <a:p>
+            <a:pPr marL="0" indent="0">
+              <a:buNone/>
+            </a:pPr>
+            <a:r>
+              <a:rPr lang="en-IE" sz="1600" dirty="0" smtClean="0">
+                <a:latin typeface="Consolas" panose="020B0609020204030204" pitchFamily="49" charset="0"/>
+                <a:cs typeface="Consolas" panose="020B0609020204030204" pitchFamily="49" charset="0"/>
+              </a:rPr>
+              <a:t>{</a:t>
+            </a:r>
+          </a:p>
+          <a:p>
+            <a:pPr marL="0" indent="0">
+              <a:buNone/>
+            </a:pPr>
+            <a:r>
+              <a:rPr lang="en-IE" sz="1600" dirty="0" smtClean="0">
+                <a:latin typeface="Consolas" panose="020B0609020204030204" pitchFamily="49" charset="0"/>
+                <a:cs typeface="Consolas" panose="020B0609020204030204" pitchFamily="49" charset="0"/>
+              </a:rPr>
+              <a:t>	duck = new </a:t>
+            </a:r>
+            <a:r>
+              <a:rPr lang="en-IE" sz="1600" dirty="0" err="1" smtClean="0">
+                <a:latin typeface="Consolas" panose="020B0609020204030204" pitchFamily="49" charset="0"/>
+                <a:cs typeface="Consolas" panose="020B0609020204030204" pitchFamily="49" charset="0"/>
+              </a:rPr>
+              <a:t>MallardDuck</a:t>
+            </a:r>
+            <a:r>
+              <a:rPr lang="en-IE" sz="1600" dirty="0" smtClean="0">
+                <a:latin typeface="Consolas" panose="020B0609020204030204" pitchFamily="49" charset="0"/>
+                <a:cs typeface="Consolas" panose="020B0609020204030204" pitchFamily="49" charset="0"/>
+              </a:rPr>
+              <a:t>();</a:t>
             </a:r>
             <a:endParaRPr lang="en-IE" sz="1600" dirty="0">
               <a:latin typeface="Consolas" panose="020B0609020204030204" pitchFamily="49" charset="0"/>
@@ -3606,51 +4283,68 @@
               <a:buNone/>
             </a:pPr>
             <a:r>
+              <a:rPr lang="en-IE" sz="1600" dirty="0" smtClean="0">
+                <a:latin typeface="Consolas" panose="020B0609020204030204" pitchFamily="49" charset="0"/>
+                <a:cs typeface="Consolas" panose="020B0609020204030204" pitchFamily="49" charset="0"/>
+              </a:rPr>
+              <a:t>}</a:t>
+            </a:r>
+          </a:p>
+          <a:p>
+            <a:pPr marL="0" indent="0">
+              <a:buNone/>
+            </a:pPr>
+            <a:r>
+              <a:rPr lang="en-IE" sz="1600" dirty="0" smtClean="0">
+                <a:latin typeface="Consolas" panose="020B0609020204030204" pitchFamily="49" charset="0"/>
+                <a:cs typeface="Consolas" panose="020B0609020204030204" pitchFamily="49" charset="0"/>
+              </a:rPr>
+              <a:t>else if(hunting)</a:t>
+            </a:r>
+          </a:p>
+          <a:p>
+            <a:pPr marL="0" indent="0">
+              <a:buNone/>
+            </a:pPr>
+            <a:r>
+              <a:rPr lang="en-IE" sz="1600" dirty="0" smtClean="0">
+                <a:latin typeface="Consolas" panose="020B0609020204030204" pitchFamily="49" charset="0"/>
+                <a:cs typeface="Consolas" panose="020B0609020204030204" pitchFamily="49" charset="0"/>
+              </a:rPr>
+              <a:t>{</a:t>
+            </a:r>
+          </a:p>
+          <a:p>
+            <a:pPr marL="0" indent="0">
+              <a:buNone/>
+            </a:pPr>
+            <a:r>
+              <a:rPr lang="en-IE" sz="1600" dirty="0" smtClean="0">
+                <a:latin typeface="Consolas" panose="020B0609020204030204" pitchFamily="49" charset="0"/>
+                <a:cs typeface="Consolas" panose="020B0609020204030204" pitchFamily="49" charset="0"/>
+              </a:rPr>
+              <a:t>	</a:t>
+            </a:r>
+            <a:r>
               <a:rPr lang="en-IE" sz="1600" dirty="0">
                 <a:latin typeface="Consolas" panose="020B0609020204030204" pitchFamily="49" charset="0"/>
                 <a:cs typeface="Consolas" panose="020B0609020204030204" pitchFamily="49" charset="0"/>
               </a:rPr>
-              <a:t>	</a:t>
+              <a:t> duck = new </a:t>
+            </a:r>
+            <a:r>
+              <a:rPr lang="en-IE" sz="1600" dirty="0" err="1" smtClean="0">
+                <a:latin typeface="Consolas" panose="020B0609020204030204" pitchFamily="49" charset="0"/>
+                <a:cs typeface="Consolas" panose="020B0609020204030204" pitchFamily="49" charset="0"/>
+              </a:rPr>
+              <a:t>DecoyDuck</a:t>
             </a:r>
             <a:r>
               <a:rPr lang="en-IE" sz="1600" dirty="0" smtClean="0">
                 <a:latin typeface="Consolas" panose="020B0609020204030204" pitchFamily="49" charset="0"/>
                 <a:cs typeface="Consolas" panose="020B0609020204030204" pitchFamily="49" charset="0"/>
               </a:rPr>
-              <a:t>	duck </a:t>
-            </a:r>
-            <a:r>
-              <a:rPr lang="en-IE" sz="1600" dirty="0">
-                <a:latin typeface="Consolas" panose="020B0609020204030204" pitchFamily="49" charset="0"/>
-                <a:cs typeface="Consolas" panose="020B0609020204030204" pitchFamily="49" charset="0"/>
-              </a:rPr>
-              <a:t>= new </a:t>
-            </a:r>
-            <a:r>
-              <a:rPr lang="en-IE" sz="1600" dirty="0" err="1">
-                <a:latin typeface="Consolas" panose="020B0609020204030204" pitchFamily="49" charset="0"/>
-                <a:cs typeface="Consolas" panose="020B0609020204030204" pitchFamily="49" charset="0"/>
-              </a:rPr>
-              <a:t>MallardDuck</a:t>
-            </a:r>
-            <a:r>
-              <a:rPr lang="en-IE" sz="1600" dirty="0">
-                <a:latin typeface="Consolas" panose="020B0609020204030204" pitchFamily="49" charset="0"/>
-                <a:cs typeface="Consolas" panose="020B0609020204030204" pitchFamily="49" charset="0"/>
-              </a:rPr>
               <a:t>();</a:t>
-            </a:r>
-          </a:p>
-          <a:p>
-            <a:pPr marL="0" indent="0">
-              <a:buNone/>
-            </a:pPr>
-            <a:r>
-              <a:rPr lang="en-IE" sz="1600" dirty="0" smtClean="0">
-                <a:latin typeface="Consolas" panose="020B0609020204030204" pitchFamily="49" charset="0"/>
-                <a:cs typeface="Consolas" panose="020B0609020204030204" pitchFamily="49" charset="0"/>
-              </a:rPr>
-              <a:t>	}</a:t>
             </a:r>
             <a:endParaRPr lang="en-IE" sz="1600" dirty="0">
               <a:latin typeface="Consolas" panose="020B0609020204030204" pitchFamily="49" charset="0"/>
@@ -3666,35 +4360,78 @@
                 <a:latin typeface="Consolas" panose="020B0609020204030204" pitchFamily="49" charset="0"/>
                 <a:cs typeface="Consolas" panose="020B0609020204030204" pitchFamily="49" charset="0"/>
               </a:rPr>
-              <a:t>	else if(</a:t>
+              <a:t>}</a:t>
+            </a:r>
+          </a:p>
+          <a:p>
+            <a:pPr marL="0" indent="0">
+              <a:buNone/>
+            </a:pPr>
+            <a:r>
+              <a:rPr lang="en-IE" sz="1600" dirty="0" smtClean="0">
+                <a:latin typeface="Consolas" panose="020B0609020204030204" pitchFamily="49" charset="0"/>
+                <a:cs typeface="Consolas" panose="020B0609020204030204" pitchFamily="49" charset="0"/>
+              </a:rPr>
+              <a:t>else if(</a:t>
             </a:r>
             <a:r>
               <a:rPr lang="en-IE" sz="1600" dirty="0" err="1" smtClean="0">
                 <a:latin typeface="Consolas" panose="020B0609020204030204" pitchFamily="49" charset="0"/>
                 <a:cs typeface="Consolas" panose="020B0609020204030204" pitchFamily="49" charset="0"/>
               </a:rPr>
-              <a:t>arg_ducktype</a:t>
+              <a:t>bathTub</a:t>
             </a:r>
             <a:r>
               <a:rPr lang="en-IE" sz="1600" dirty="0" smtClean="0">
                 <a:latin typeface="Consolas" panose="020B0609020204030204" pitchFamily="49" charset="0"/>
                 <a:cs typeface="Consolas" panose="020B0609020204030204" pitchFamily="49" charset="0"/>
               </a:rPr>
-              <a:t> </a:t>
+              <a:t>)</a:t>
+            </a:r>
+          </a:p>
+          <a:p>
+            <a:pPr marL="0" indent="0">
+              <a:buNone/>
+            </a:pPr>
+            <a:r>
+              <a:rPr lang="en-IE" sz="1600" dirty="0" smtClean="0">
+                <a:latin typeface="Consolas" panose="020B0609020204030204" pitchFamily="49" charset="0"/>
+                <a:cs typeface="Consolas" panose="020B0609020204030204" pitchFamily="49" charset="0"/>
+              </a:rPr>
+              <a:t>{</a:t>
+            </a:r>
+          </a:p>
+          <a:p>
+            <a:pPr marL="0" indent="0">
+              <a:buNone/>
+            </a:pPr>
+            <a:r>
+              <a:rPr lang="en-IE" sz="1600" dirty="0" smtClean="0">
+                <a:latin typeface="Consolas" panose="020B0609020204030204" pitchFamily="49" charset="0"/>
+                <a:cs typeface="Consolas" panose="020B0609020204030204" pitchFamily="49" charset="0"/>
+              </a:rPr>
+              <a:t>	</a:t>
             </a:r>
             <a:r>
               <a:rPr lang="en-IE" sz="1600" dirty="0">
                 <a:latin typeface="Consolas" panose="020B0609020204030204" pitchFamily="49" charset="0"/>
                 <a:cs typeface="Consolas" panose="020B0609020204030204" pitchFamily="49" charset="0"/>
               </a:rPr>
-              <a:t>== “ </a:t>
+              <a:t> duck = new </a:t>
+            </a:r>
+            <a:r>
+              <a:rPr lang="en-IE" sz="1600" dirty="0" err="1" smtClean="0">
+                <a:latin typeface="Consolas" panose="020B0609020204030204" pitchFamily="49" charset="0"/>
+                <a:cs typeface="Consolas" panose="020B0609020204030204" pitchFamily="49" charset="0"/>
+              </a:rPr>
+              <a:t>RubberDuck</a:t>
             </a:r>
             <a:r>
               <a:rPr lang="en-IE" sz="1600" dirty="0" smtClean="0">
                 <a:latin typeface="Consolas" panose="020B0609020204030204" pitchFamily="49" charset="0"/>
                 <a:cs typeface="Consolas" panose="020B0609020204030204" pitchFamily="49" charset="0"/>
               </a:rPr>
-              <a:t>hunting”)</a:t>
+              <a:t>();</a:t>
             </a:r>
             <a:endParaRPr lang="en-IE" sz="1600" dirty="0">
               <a:latin typeface="Consolas" panose="020B0609020204030204" pitchFamily="49" charset="0"/>
@@ -3710,210 +4447,801 @@
                 <a:latin typeface="Consolas" panose="020B0609020204030204" pitchFamily="49" charset="0"/>
                 <a:cs typeface="Consolas" panose="020B0609020204030204" pitchFamily="49" charset="0"/>
               </a:rPr>
-              <a:t>	{</a:t>
-            </a:r>
+              <a:t>}</a:t>
+            </a:r>
+          </a:p>
+          <a:p>
+            <a:pPr marL="0" indent="0">
+              <a:buNone/>
+            </a:pPr>
             <a:endParaRPr lang="en-IE" sz="1600" dirty="0">
               <a:latin typeface="Consolas" panose="020B0609020204030204" pitchFamily="49" charset="0"/>
               <a:cs typeface="Consolas" panose="020B0609020204030204" pitchFamily="49" charset="0"/>
             </a:endParaRPr>
           </a:p>
           <a:p>
-            <a:pPr marL="0" indent="0">
-              <a:buNone/>
-            </a:pPr>
-            <a:r>
-              <a:rPr lang="en-IE" sz="1600" dirty="0">
-                <a:latin typeface="Consolas" panose="020B0609020204030204" pitchFamily="49" charset="0"/>
-                <a:cs typeface="Consolas" panose="020B0609020204030204" pitchFamily="49" charset="0"/>
-              </a:rPr>
-              <a:t>	 </a:t>
-            </a:r>
-            <a:r>
-              <a:rPr lang="en-IE" sz="1600" dirty="0" smtClean="0">
-                <a:latin typeface="Consolas" panose="020B0609020204030204" pitchFamily="49" charset="0"/>
-                <a:cs typeface="Consolas" panose="020B0609020204030204" pitchFamily="49" charset="0"/>
-              </a:rPr>
-              <a:t>	duck </a:t>
-            </a:r>
-            <a:r>
-              <a:rPr lang="en-IE" sz="1600" dirty="0">
-                <a:latin typeface="Consolas" panose="020B0609020204030204" pitchFamily="49" charset="0"/>
-                <a:cs typeface="Consolas" panose="020B0609020204030204" pitchFamily="49" charset="0"/>
-              </a:rPr>
-              <a:t>= new </a:t>
-            </a:r>
-            <a:r>
-              <a:rPr lang="en-IE" sz="1600" dirty="0" err="1">
-                <a:latin typeface="Consolas" panose="020B0609020204030204" pitchFamily="49" charset="0"/>
-                <a:cs typeface="Consolas" panose="020B0609020204030204" pitchFamily="49" charset="0"/>
-              </a:rPr>
-              <a:t>DecoyDuck</a:t>
-            </a:r>
-            <a:r>
-              <a:rPr lang="en-IE" sz="1600" dirty="0">
-                <a:latin typeface="Consolas" panose="020B0609020204030204" pitchFamily="49" charset="0"/>
-                <a:cs typeface="Consolas" panose="020B0609020204030204" pitchFamily="49" charset="0"/>
-              </a:rPr>
-              <a:t>();</a:t>
-            </a:r>
-          </a:p>
-          <a:p>
-            <a:pPr marL="0" indent="0">
-              <a:buNone/>
-            </a:pPr>
-            <a:r>
-              <a:rPr lang="en-IE" sz="1600" dirty="0" smtClean="0">
-                <a:latin typeface="Consolas" panose="020B0609020204030204" pitchFamily="49" charset="0"/>
-                <a:cs typeface="Consolas" panose="020B0609020204030204" pitchFamily="49" charset="0"/>
-              </a:rPr>
-              <a:t>	}</a:t>
-            </a:r>
-            <a:endParaRPr lang="en-IE" sz="1600" dirty="0">
-              <a:latin typeface="Consolas" panose="020B0609020204030204" pitchFamily="49" charset="0"/>
-              <a:cs typeface="Consolas" panose="020B0609020204030204" pitchFamily="49" charset="0"/>
-            </a:endParaRPr>
-          </a:p>
-          <a:p>
-            <a:pPr marL="0" indent="0">
-              <a:buNone/>
-            </a:pPr>
-            <a:r>
-              <a:rPr lang="en-IE" sz="1600" dirty="0" smtClean="0">
-                <a:latin typeface="Consolas" panose="020B0609020204030204" pitchFamily="49" charset="0"/>
-                <a:cs typeface="Consolas" panose="020B0609020204030204" pitchFamily="49" charset="0"/>
-              </a:rPr>
-              <a:t>	else if(</a:t>
-            </a:r>
-            <a:r>
-              <a:rPr lang="en-IE" sz="1600" dirty="0" err="1">
-                <a:latin typeface="Consolas" panose="020B0609020204030204" pitchFamily="49" charset="0"/>
-                <a:cs typeface="Consolas" panose="020B0609020204030204" pitchFamily="49" charset="0"/>
-              </a:rPr>
-              <a:t>arg_ducktype</a:t>
-            </a:r>
-            <a:r>
-              <a:rPr lang="en-IE" sz="1600" dirty="0">
-                <a:latin typeface="Consolas" panose="020B0609020204030204" pitchFamily="49" charset="0"/>
-                <a:cs typeface="Consolas" panose="020B0609020204030204" pitchFamily="49" charset="0"/>
-              </a:rPr>
-              <a:t> == “ </a:t>
-            </a:r>
-            <a:r>
-              <a:rPr lang="en-IE" sz="1600" dirty="0" err="1" smtClean="0">
-                <a:latin typeface="Consolas" panose="020B0609020204030204" pitchFamily="49" charset="0"/>
-                <a:cs typeface="Consolas" panose="020B0609020204030204" pitchFamily="49" charset="0"/>
-              </a:rPr>
-              <a:t>bathTub</a:t>
-            </a:r>
-            <a:r>
-              <a:rPr lang="en-IE" sz="1600" dirty="0" smtClean="0">
-                <a:latin typeface="Consolas" panose="020B0609020204030204" pitchFamily="49" charset="0"/>
-                <a:cs typeface="Consolas" panose="020B0609020204030204" pitchFamily="49" charset="0"/>
-              </a:rPr>
-              <a:t>”)</a:t>
-            </a:r>
-            <a:endParaRPr lang="en-IE" sz="1600" dirty="0">
-              <a:latin typeface="Consolas" panose="020B0609020204030204" pitchFamily="49" charset="0"/>
-              <a:cs typeface="Consolas" panose="020B0609020204030204" pitchFamily="49" charset="0"/>
-            </a:endParaRPr>
-          </a:p>
-          <a:p>
-            <a:pPr marL="0" indent="0">
-              <a:buNone/>
-            </a:pPr>
-            <a:r>
-              <a:rPr lang="en-IE" sz="1600" dirty="0" smtClean="0">
-                <a:latin typeface="Consolas" panose="020B0609020204030204" pitchFamily="49" charset="0"/>
-                <a:cs typeface="Consolas" panose="020B0609020204030204" pitchFamily="49" charset="0"/>
-              </a:rPr>
-              <a:t>	{</a:t>
-            </a:r>
-            <a:endParaRPr lang="en-IE" sz="1600" dirty="0">
-              <a:latin typeface="Consolas" panose="020B0609020204030204" pitchFamily="49" charset="0"/>
-              <a:cs typeface="Consolas" panose="020B0609020204030204" pitchFamily="49" charset="0"/>
-            </a:endParaRPr>
-          </a:p>
-          <a:p>
-            <a:pPr marL="0" indent="0">
-              <a:buNone/>
-            </a:pPr>
-            <a:r>
-              <a:rPr lang="en-IE" sz="1600" dirty="0">
-                <a:latin typeface="Consolas" panose="020B0609020204030204" pitchFamily="49" charset="0"/>
-                <a:cs typeface="Consolas" panose="020B0609020204030204" pitchFamily="49" charset="0"/>
-              </a:rPr>
-              <a:t>	 </a:t>
-            </a:r>
-            <a:r>
-              <a:rPr lang="en-IE" sz="1600" dirty="0" smtClean="0">
-                <a:latin typeface="Consolas" panose="020B0609020204030204" pitchFamily="49" charset="0"/>
-                <a:cs typeface="Consolas" panose="020B0609020204030204" pitchFamily="49" charset="0"/>
-              </a:rPr>
-              <a:t>	duck </a:t>
-            </a:r>
-            <a:r>
-              <a:rPr lang="en-IE" sz="1600" dirty="0">
-                <a:latin typeface="Consolas" panose="020B0609020204030204" pitchFamily="49" charset="0"/>
-                <a:cs typeface="Consolas" panose="020B0609020204030204" pitchFamily="49" charset="0"/>
-              </a:rPr>
-              <a:t>= new </a:t>
-            </a:r>
-            <a:r>
-              <a:rPr lang="en-IE" sz="1600" dirty="0" err="1">
-                <a:latin typeface="Consolas" panose="020B0609020204030204" pitchFamily="49" charset="0"/>
-                <a:cs typeface="Consolas" panose="020B0609020204030204" pitchFamily="49" charset="0"/>
-              </a:rPr>
-              <a:t>RubberDuck</a:t>
-            </a:r>
-            <a:r>
-              <a:rPr lang="en-IE" sz="1600" dirty="0">
-                <a:latin typeface="Consolas" panose="020B0609020204030204" pitchFamily="49" charset="0"/>
-                <a:cs typeface="Consolas" panose="020B0609020204030204" pitchFamily="49" charset="0"/>
-              </a:rPr>
-              <a:t>();</a:t>
-            </a:r>
-          </a:p>
-          <a:p>
-            <a:pPr marL="0" indent="0">
-              <a:buNone/>
-            </a:pPr>
-            <a:r>
-              <a:rPr lang="en-IE" sz="1600" dirty="0" smtClean="0">
-                <a:latin typeface="Consolas" panose="020B0609020204030204" pitchFamily="49" charset="0"/>
-                <a:cs typeface="Consolas" panose="020B0609020204030204" pitchFamily="49" charset="0"/>
-              </a:rPr>
-              <a:t>	}</a:t>
-            </a:r>
-            <a:endParaRPr lang="en-IE" sz="1600" dirty="0">
-              <a:latin typeface="Consolas" panose="020B0609020204030204" pitchFamily="49" charset="0"/>
-              <a:cs typeface="Consolas" panose="020B0609020204030204" pitchFamily="49" charset="0"/>
-            </a:endParaRPr>
-          </a:p>
-          <a:p>
-            <a:pPr marL="0" indent="0">
-              <a:buNone/>
-            </a:pPr>
-            <a:r>
-              <a:rPr lang="en-IE" sz="1600" dirty="0" smtClean="0">
-                <a:latin typeface="Consolas" panose="020B0609020204030204" pitchFamily="49" charset="0"/>
-                <a:cs typeface="Consolas" panose="020B0609020204030204" pitchFamily="49" charset="0"/>
-              </a:rPr>
-              <a:t>return duck;</a:t>
-            </a:r>
-            <a:endParaRPr lang="en-IE" sz="1600" dirty="0">
-              <a:latin typeface="Consolas" panose="020B0609020204030204" pitchFamily="49" charset="0"/>
-              <a:cs typeface="Consolas" panose="020B0609020204030204" pitchFamily="49" charset="0"/>
-            </a:endParaRPr>
-          </a:p>
-          <a:p>
             <a:endParaRPr lang="en-IE" sz="2000" dirty="0"/>
+          </a:p>
+        </p:txBody>
+      </p:sp>
+      <p:grpSp>
+        <p:nvGrpSpPr>
+          <p:cNvPr id="8" name="Group 7"/>
+          <p:cNvGrpSpPr/>
+          <p:nvPr/>
+        </p:nvGrpSpPr>
+        <p:grpSpPr>
+          <a:xfrm rot="20968962">
+            <a:off x="4236306" y="1647416"/>
+            <a:ext cx="2099474" cy="3042378"/>
+            <a:chOff x="5168900" y="1466591"/>
+            <a:chExt cx="1346200" cy="2013209"/>
+          </a:xfrm>
+        </p:grpSpPr>
+        <p:grpSp>
+          <p:nvGrpSpPr>
+            <p:cNvPr id="6" name="Group 5"/>
+            <p:cNvGrpSpPr/>
+            <p:nvPr/>
+          </p:nvGrpSpPr>
+          <p:grpSpPr>
+            <a:xfrm>
+              <a:off x="5168900" y="1701800"/>
+              <a:ext cx="1346200" cy="1778000"/>
+              <a:chOff x="5168900" y="1701800"/>
+              <a:chExt cx="1346200" cy="1778000"/>
+            </a:xfrm>
+          </p:grpSpPr>
+          <p:sp>
+            <p:nvSpPr>
+              <p:cNvPr id="4" name="Rectangle 3"/>
+              <p:cNvSpPr/>
+              <p:nvPr/>
+            </p:nvSpPr>
+            <p:spPr>
+              <a:xfrm>
+                <a:off x="5168900" y="1701800"/>
+                <a:ext cx="1346200" cy="1778000"/>
+              </a:xfrm>
+              <a:prstGeom prst="rect">
+                <a:avLst/>
+              </a:prstGeom>
+              <a:gradFill>
+                <a:gsLst>
+                  <a:gs pos="0">
+                    <a:srgbClr val="FFE9A3"/>
+                  </a:gs>
+                  <a:gs pos="100000">
+                    <a:schemeClr val="accent6">
+                      <a:lumMod val="20000"/>
+                      <a:lumOff val="80000"/>
+                    </a:schemeClr>
+                  </a:gs>
+                </a:gsLst>
+              </a:gradFill>
+            </p:spPr>
+            <p:style>
+              <a:lnRef idx="1">
+                <a:schemeClr val="accent1"/>
+              </a:lnRef>
+              <a:fillRef idx="3">
+                <a:schemeClr val="accent1"/>
+              </a:fillRef>
+              <a:effectRef idx="2">
+                <a:schemeClr val="accent1"/>
+              </a:effectRef>
+              <a:fontRef idx="minor">
+                <a:schemeClr val="lt1"/>
+              </a:fontRef>
+            </p:style>
+            <p:txBody>
+              <a:bodyPr rtlCol="0" anchor="ctr"/>
+              <a:lstStyle/>
+              <a:p>
+                <a:pPr algn="ctr"/>
+                <a:endParaRPr lang="en-IE"/>
+              </a:p>
+            </p:txBody>
+          </p:sp>
+          <p:sp>
+            <p:nvSpPr>
+              <p:cNvPr id="5" name="TextBox 4"/>
+              <p:cNvSpPr txBox="1"/>
+              <p:nvPr/>
+            </p:nvSpPr>
+            <p:spPr>
+              <a:xfrm>
+                <a:off x="5207000" y="2108591"/>
+                <a:ext cx="1308100" cy="1201610"/>
+              </a:xfrm>
+              <a:prstGeom prst="rect">
+                <a:avLst/>
+              </a:prstGeom>
+              <a:noFill/>
+            </p:spPr>
+            <p:txBody>
+              <a:bodyPr wrap="square" rtlCol="0">
+                <a:spAutoFit/>
+              </a:bodyPr>
+              <a:lstStyle/>
+              <a:p>
+                <a:pPr marL="0" indent="0">
+                  <a:buNone/>
+                </a:pPr>
+                <a:r>
+                  <a:rPr lang="en-IE" sz="800" dirty="0" smtClean="0">
+                    <a:latin typeface="Consolas" panose="020B0609020204030204" pitchFamily="49" charset="0"/>
+                    <a:cs typeface="Consolas" panose="020B0609020204030204" pitchFamily="49" charset="0"/>
+                  </a:rPr>
+                  <a:t>Duck</a:t>
+                </a:r>
+                <a:r>
+                  <a:rPr lang="en-IE" sz="800" dirty="0">
+                    <a:latin typeface="Consolas" panose="020B0609020204030204" pitchFamily="49" charset="0"/>
+                    <a:cs typeface="Consolas" panose="020B0609020204030204" pitchFamily="49" charset="0"/>
+                  </a:rPr>
+                  <a:t>* duck</a:t>
+                </a:r>
+                <a:r>
+                  <a:rPr lang="en-IE" sz="800" dirty="0" smtClean="0">
+                    <a:latin typeface="Consolas" panose="020B0609020204030204" pitchFamily="49" charset="0"/>
+                    <a:cs typeface="Consolas" panose="020B0609020204030204" pitchFamily="49" charset="0"/>
+                  </a:rPr>
+                  <a:t>;</a:t>
+                </a:r>
+              </a:p>
+              <a:p>
+                <a:pPr marL="0" indent="0">
+                  <a:buNone/>
+                </a:pPr>
+                <a:endParaRPr lang="en-IE" sz="800" dirty="0">
+                  <a:latin typeface="Consolas" panose="020B0609020204030204" pitchFamily="49" charset="0"/>
+                  <a:cs typeface="Consolas" panose="020B0609020204030204" pitchFamily="49" charset="0"/>
+                </a:endParaRPr>
+              </a:p>
+              <a:p>
+                <a:pPr marL="0" indent="0">
+                  <a:buNone/>
+                </a:pPr>
+                <a:r>
+                  <a:rPr lang="en-IE" sz="800" dirty="0" smtClean="0">
+                    <a:latin typeface="Consolas" panose="020B0609020204030204" pitchFamily="49" charset="0"/>
+                    <a:cs typeface="Consolas" panose="020B0609020204030204" pitchFamily="49" charset="0"/>
+                  </a:rPr>
+                  <a:t>If(picnic</a:t>
+                </a:r>
+                <a:r>
+                  <a:rPr lang="en-IE" sz="800" dirty="0">
+                    <a:latin typeface="Consolas" panose="020B0609020204030204" pitchFamily="49" charset="0"/>
+                    <a:cs typeface="Consolas" panose="020B0609020204030204" pitchFamily="49" charset="0"/>
+                  </a:rPr>
+                  <a:t>)</a:t>
+                </a:r>
+              </a:p>
+              <a:p>
+                <a:pPr marL="0" indent="0">
+                  <a:buNone/>
+                </a:pPr>
+                <a:r>
+                  <a:rPr lang="en-IE" sz="800" dirty="0">
+                    <a:latin typeface="Consolas" panose="020B0609020204030204" pitchFamily="49" charset="0"/>
+                    <a:cs typeface="Consolas" panose="020B0609020204030204" pitchFamily="49" charset="0"/>
+                  </a:rPr>
+                  <a:t>{</a:t>
+                </a:r>
+              </a:p>
+              <a:p>
+                <a:pPr marL="0" indent="0">
+                  <a:buNone/>
+                </a:pPr>
+                <a:r>
+                  <a:rPr lang="en-IE" sz="800" dirty="0" smtClean="0">
+                    <a:latin typeface="Consolas" panose="020B0609020204030204" pitchFamily="49" charset="0"/>
+                    <a:cs typeface="Consolas" panose="020B0609020204030204" pitchFamily="49" charset="0"/>
+                  </a:rPr>
+                  <a:t>duck </a:t>
+                </a:r>
+                <a:r>
+                  <a:rPr lang="en-IE" sz="800" dirty="0">
+                    <a:latin typeface="Consolas" panose="020B0609020204030204" pitchFamily="49" charset="0"/>
+                    <a:cs typeface="Consolas" panose="020B0609020204030204" pitchFamily="49" charset="0"/>
+                  </a:rPr>
+                  <a:t>= new </a:t>
+                </a:r>
+                <a:r>
+                  <a:rPr lang="en-IE" sz="800" dirty="0" err="1">
+                    <a:latin typeface="Consolas" panose="020B0609020204030204" pitchFamily="49" charset="0"/>
+                    <a:cs typeface="Consolas" panose="020B0609020204030204" pitchFamily="49" charset="0"/>
+                  </a:rPr>
+                  <a:t>MallardDuck</a:t>
+                </a:r>
+                <a:r>
+                  <a:rPr lang="en-IE" sz="800" dirty="0">
+                    <a:latin typeface="Consolas" panose="020B0609020204030204" pitchFamily="49" charset="0"/>
+                    <a:cs typeface="Consolas" panose="020B0609020204030204" pitchFamily="49" charset="0"/>
+                  </a:rPr>
+                  <a:t>();</a:t>
+                </a:r>
+              </a:p>
+              <a:p>
+                <a:pPr marL="0" indent="0">
+                  <a:buNone/>
+                </a:pPr>
+                <a:r>
+                  <a:rPr lang="en-IE" sz="800" dirty="0">
+                    <a:latin typeface="Consolas" panose="020B0609020204030204" pitchFamily="49" charset="0"/>
+                    <a:cs typeface="Consolas" panose="020B0609020204030204" pitchFamily="49" charset="0"/>
+                  </a:rPr>
+                  <a:t>}</a:t>
+                </a:r>
+              </a:p>
+              <a:p>
+                <a:pPr marL="0" indent="0">
+                  <a:buNone/>
+                </a:pPr>
+                <a:r>
+                  <a:rPr lang="en-IE" sz="800" dirty="0">
+                    <a:latin typeface="Consolas" panose="020B0609020204030204" pitchFamily="49" charset="0"/>
+                    <a:cs typeface="Consolas" panose="020B0609020204030204" pitchFamily="49" charset="0"/>
+                  </a:rPr>
+                  <a:t>else if(hunting)</a:t>
+                </a:r>
+              </a:p>
+              <a:p>
+                <a:pPr marL="0" indent="0">
+                  <a:buNone/>
+                </a:pPr>
+                <a:r>
+                  <a:rPr lang="en-IE" sz="800" dirty="0">
+                    <a:latin typeface="Consolas" panose="020B0609020204030204" pitchFamily="49" charset="0"/>
+                    <a:cs typeface="Consolas" panose="020B0609020204030204" pitchFamily="49" charset="0"/>
+                  </a:rPr>
+                  <a:t>{</a:t>
+                </a:r>
+              </a:p>
+              <a:p>
+                <a:pPr marL="0" indent="0">
+                  <a:buNone/>
+                </a:pPr>
+                <a:r>
+                  <a:rPr lang="en-IE" sz="800" dirty="0" smtClean="0">
+                    <a:latin typeface="Consolas" panose="020B0609020204030204" pitchFamily="49" charset="0"/>
+                    <a:cs typeface="Consolas" panose="020B0609020204030204" pitchFamily="49" charset="0"/>
+                  </a:rPr>
+                  <a:t>duck </a:t>
+                </a:r>
+                <a:r>
+                  <a:rPr lang="en-IE" sz="800" dirty="0">
+                    <a:latin typeface="Consolas" panose="020B0609020204030204" pitchFamily="49" charset="0"/>
+                    <a:cs typeface="Consolas" panose="020B0609020204030204" pitchFamily="49" charset="0"/>
+                  </a:rPr>
+                  <a:t>= new </a:t>
+                </a:r>
+                <a:r>
+                  <a:rPr lang="en-IE" sz="800" dirty="0" err="1">
+                    <a:latin typeface="Consolas" panose="020B0609020204030204" pitchFamily="49" charset="0"/>
+                    <a:cs typeface="Consolas" panose="020B0609020204030204" pitchFamily="49" charset="0"/>
+                  </a:rPr>
+                  <a:t>DecoyDuck</a:t>
+                </a:r>
+                <a:r>
+                  <a:rPr lang="en-IE" sz="800" dirty="0">
+                    <a:latin typeface="Consolas" panose="020B0609020204030204" pitchFamily="49" charset="0"/>
+                    <a:cs typeface="Consolas" panose="020B0609020204030204" pitchFamily="49" charset="0"/>
+                  </a:rPr>
+                  <a:t>();</a:t>
+                </a:r>
+              </a:p>
+              <a:p>
+                <a:pPr marL="0" indent="0">
+                  <a:buNone/>
+                </a:pPr>
+                <a:r>
+                  <a:rPr lang="en-IE" sz="800" dirty="0">
+                    <a:latin typeface="Consolas" panose="020B0609020204030204" pitchFamily="49" charset="0"/>
+                    <a:cs typeface="Consolas" panose="020B0609020204030204" pitchFamily="49" charset="0"/>
+                  </a:rPr>
+                  <a:t>}</a:t>
+                </a:r>
+              </a:p>
+              <a:p>
+                <a:pPr marL="0" indent="0">
+                  <a:buNone/>
+                </a:pPr>
+                <a:r>
+                  <a:rPr lang="en-IE" sz="800" dirty="0" smtClean="0">
+                    <a:latin typeface="Consolas" panose="020B0609020204030204" pitchFamily="49" charset="0"/>
+                    <a:cs typeface="Consolas" panose="020B0609020204030204" pitchFamily="49" charset="0"/>
+                  </a:rPr>
+                  <a:t>……….</a:t>
+                </a:r>
+              </a:p>
+              <a:p>
+                <a:pPr marL="0" indent="0">
+                  <a:buNone/>
+                </a:pPr>
+                <a:r>
+                  <a:rPr lang="en-IE" sz="800" dirty="0" smtClean="0">
+                    <a:latin typeface="Consolas" panose="020B0609020204030204" pitchFamily="49" charset="0"/>
+                    <a:cs typeface="Consolas" panose="020B0609020204030204" pitchFamily="49" charset="0"/>
+                  </a:rPr>
+                  <a:t>….</a:t>
+                </a:r>
+                <a:endParaRPr lang="en-IE" sz="800" dirty="0">
+                  <a:latin typeface="Consolas" panose="020B0609020204030204" pitchFamily="49" charset="0"/>
+                  <a:cs typeface="Consolas" panose="020B0609020204030204" pitchFamily="49" charset="0"/>
+                </a:endParaRPr>
+              </a:p>
+              <a:p>
+                <a:endParaRPr lang="en-IE" sz="800" dirty="0"/>
+              </a:p>
+              <a:p>
+                <a:endParaRPr lang="en-IE" sz="800" dirty="0"/>
+              </a:p>
+            </p:txBody>
+          </p:sp>
+        </p:grpSp>
+        <p:sp>
+          <p:nvSpPr>
+            <p:cNvPr id="7" name="TextBox 6"/>
+            <p:cNvSpPr txBox="1"/>
+            <p:nvPr/>
+          </p:nvSpPr>
+          <p:spPr>
+            <a:xfrm>
+              <a:off x="5207000" y="1466591"/>
+              <a:ext cx="1308100" cy="224029"/>
+            </a:xfrm>
+            <a:prstGeom prst="rect">
+              <a:avLst/>
+            </a:prstGeom>
+            <a:noFill/>
+          </p:spPr>
+          <p:txBody>
+            <a:bodyPr wrap="square" rtlCol="0">
+              <a:spAutoFit/>
+            </a:bodyPr>
+            <a:lstStyle/>
+            <a:p>
+              <a:r>
+                <a:rPr lang="en-IE" sz="1600" b="1" dirty="0" err="1">
+                  <a:solidFill>
+                    <a:srgbClr val="00B0F0"/>
+                  </a:solidFill>
+                </a:rPr>
+                <a:t>C</a:t>
+              </a:r>
+              <a:r>
+                <a:rPr lang="en-IE" sz="1600" b="1" dirty="0" err="1" smtClean="0">
+                  <a:solidFill>
+                    <a:srgbClr val="00B0F0"/>
+                  </a:solidFill>
+                </a:rPr>
+                <a:t>ountrySide</a:t>
+              </a:r>
+              <a:r>
+                <a:rPr lang="en-IE" sz="1600" b="1" dirty="0" smtClean="0">
+                  <a:solidFill>
+                    <a:srgbClr val="00B0F0"/>
+                  </a:solidFill>
+                </a:rPr>
+                <a:t> Class</a:t>
+              </a:r>
+              <a:endParaRPr lang="en-IE" sz="1600" b="1" dirty="0">
+                <a:solidFill>
+                  <a:srgbClr val="00B0F0"/>
+                </a:solidFill>
+              </a:endParaRPr>
+            </a:p>
+          </p:txBody>
+        </p:sp>
+      </p:grpSp>
+      <p:grpSp>
+        <p:nvGrpSpPr>
+          <p:cNvPr id="14" name="Group 13"/>
+          <p:cNvGrpSpPr/>
+          <p:nvPr/>
+        </p:nvGrpSpPr>
+        <p:grpSpPr>
+          <a:xfrm rot="567057">
+            <a:off x="6366826" y="1307159"/>
+            <a:ext cx="2355113" cy="3139545"/>
+            <a:chOff x="5168900" y="1470255"/>
+            <a:chExt cx="1346200" cy="2009545"/>
+          </a:xfrm>
+        </p:grpSpPr>
+        <p:grpSp>
+          <p:nvGrpSpPr>
+            <p:cNvPr id="15" name="Group 14"/>
+            <p:cNvGrpSpPr/>
+            <p:nvPr/>
+          </p:nvGrpSpPr>
+          <p:grpSpPr>
+            <a:xfrm>
+              <a:off x="5168900" y="1701800"/>
+              <a:ext cx="1346200" cy="1778000"/>
+              <a:chOff x="5168900" y="1701800"/>
+              <a:chExt cx="1346200" cy="1778000"/>
+            </a:xfrm>
+          </p:grpSpPr>
+          <p:sp>
+            <p:nvSpPr>
+              <p:cNvPr id="17" name="Rectangle 16"/>
+              <p:cNvSpPr/>
+              <p:nvPr/>
+            </p:nvSpPr>
+            <p:spPr>
+              <a:xfrm>
+                <a:off x="5168900" y="1701800"/>
+                <a:ext cx="1346200" cy="1778000"/>
+              </a:xfrm>
+              <a:prstGeom prst="rect">
+                <a:avLst/>
+              </a:prstGeom>
+              <a:gradFill>
+                <a:gsLst>
+                  <a:gs pos="0">
+                    <a:srgbClr val="FFE9A3"/>
+                  </a:gs>
+                  <a:gs pos="100000">
+                    <a:schemeClr val="accent6">
+                      <a:lumMod val="20000"/>
+                      <a:lumOff val="80000"/>
+                    </a:schemeClr>
+                  </a:gs>
+                </a:gsLst>
+              </a:gradFill>
+            </p:spPr>
+            <p:style>
+              <a:lnRef idx="1">
+                <a:schemeClr val="accent1"/>
+              </a:lnRef>
+              <a:fillRef idx="3">
+                <a:schemeClr val="accent1"/>
+              </a:fillRef>
+              <a:effectRef idx="2">
+                <a:schemeClr val="accent1"/>
+              </a:effectRef>
+              <a:fontRef idx="minor">
+                <a:schemeClr val="lt1"/>
+              </a:fontRef>
+            </p:style>
+            <p:txBody>
+              <a:bodyPr rtlCol="0" anchor="ctr"/>
+              <a:lstStyle/>
+              <a:p>
+                <a:pPr algn="ctr"/>
+                <a:endParaRPr lang="en-IE"/>
+              </a:p>
+            </p:txBody>
+          </p:sp>
+          <p:sp>
+            <p:nvSpPr>
+              <p:cNvPr id="18" name="TextBox 17"/>
+              <p:cNvSpPr txBox="1"/>
+              <p:nvPr/>
+            </p:nvSpPr>
+            <p:spPr>
+              <a:xfrm>
+                <a:off x="5207000" y="2128245"/>
+                <a:ext cx="1308100" cy="1162301"/>
+              </a:xfrm>
+              <a:prstGeom prst="rect">
+                <a:avLst/>
+              </a:prstGeom>
+              <a:noFill/>
+            </p:spPr>
+            <p:txBody>
+              <a:bodyPr wrap="square" rtlCol="0">
+                <a:spAutoFit/>
+              </a:bodyPr>
+              <a:lstStyle/>
+              <a:p>
+                <a:pPr marL="0" indent="0">
+                  <a:buNone/>
+                </a:pPr>
+                <a:r>
+                  <a:rPr lang="en-IE" sz="800" dirty="0" smtClean="0">
+                    <a:latin typeface="Consolas" panose="020B0609020204030204" pitchFamily="49" charset="0"/>
+                    <a:cs typeface="Consolas" panose="020B0609020204030204" pitchFamily="49" charset="0"/>
+                  </a:rPr>
+                  <a:t>Duck</a:t>
+                </a:r>
+                <a:r>
+                  <a:rPr lang="en-IE" sz="800" dirty="0">
+                    <a:latin typeface="Consolas" panose="020B0609020204030204" pitchFamily="49" charset="0"/>
+                    <a:cs typeface="Consolas" panose="020B0609020204030204" pitchFamily="49" charset="0"/>
+                  </a:rPr>
+                  <a:t>* duck</a:t>
+                </a:r>
+                <a:r>
+                  <a:rPr lang="en-IE" sz="800" dirty="0" smtClean="0">
+                    <a:latin typeface="Consolas" panose="020B0609020204030204" pitchFamily="49" charset="0"/>
+                    <a:cs typeface="Consolas" panose="020B0609020204030204" pitchFamily="49" charset="0"/>
+                  </a:rPr>
+                  <a:t>;</a:t>
+                </a:r>
+              </a:p>
+              <a:p>
+                <a:pPr marL="0" indent="0">
+                  <a:buNone/>
+                </a:pPr>
+                <a:endParaRPr lang="en-IE" sz="800" dirty="0">
+                  <a:latin typeface="Consolas" panose="020B0609020204030204" pitchFamily="49" charset="0"/>
+                  <a:cs typeface="Consolas" panose="020B0609020204030204" pitchFamily="49" charset="0"/>
+                </a:endParaRPr>
+              </a:p>
+              <a:p>
+                <a:pPr marL="0" indent="0">
+                  <a:buNone/>
+                </a:pPr>
+                <a:r>
+                  <a:rPr lang="en-IE" sz="800" dirty="0" smtClean="0">
+                    <a:latin typeface="Consolas" panose="020B0609020204030204" pitchFamily="49" charset="0"/>
+                    <a:cs typeface="Consolas" panose="020B0609020204030204" pitchFamily="49" charset="0"/>
+                  </a:rPr>
+                  <a:t>If(picnic</a:t>
+                </a:r>
+                <a:r>
+                  <a:rPr lang="en-IE" sz="800" dirty="0">
+                    <a:latin typeface="Consolas" panose="020B0609020204030204" pitchFamily="49" charset="0"/>
+                    <a:cs typeface="Consolas" panose="020B0609020204030204" pitchFamily="49" charset="0"/>
+                  </a:rPr>
+                  <a:t>)</a:t>
+                </a:r>
+              </a:p>
+              <a:p>
+                <a:pPr marL="0" indent="0">
+                  <a:buNone/>
+                </a:pPr>
+                <a:r>
+                  <a:rPr lang="en-IE" sz="800" dirty="0">
+                    <a:latin typeface="Consolas" panose="020B0609020204030204" pitchFamily="49" charset="0"/>
+                    <a:cs typeface="Consolas" panose="020B0609020204030204" pitchFamily="49" charset="0"/>
+                  </a:rPr>
+                  <a:t>{</a:t>
+                </a:r>
+              </a:p>
+              <a:p>
+                <a:pPr marL="0" indent="0">
+                  <a:buNone/>
+                </a:pPr>
+                <a:r>
+                  <a:rPr lang="en-IE" sz="800" dirty="0" smtClean="0">
+                    <a:latin typeface="Consolas" panose="020B0609020204030204" pitchFamily="49" charset="0"/>
+                    <a:cs typeface="Consolas" panose="020B0609020204030204" pitchFamily="49" charset="0"/>
+                  </a:rPr>
+                  <a:t>duck </a:t>
+                </a:r>
+                <a:r>
+                  <a:rPr lang="en-IE" sz="800" dirty="0">
+                    <a:latin typeface="Consolas" panose="020B0609020204030204" pitchFamily="49" charset="0"/>
+                    <a:cs typeface="Consolas" panose="020B0609020204030204" pitchFamily="49" charset="0"/>
+                  </a:rPr>
+                  <a:t>= new </a:t>
+                </a:r>
+                <a:r>
+                  <a:rPr lang="en-IE" sz="800" dirty="0" err="1">
+                    <a:latin typeface="Consolas" panose="020B0609020204030204" pitchFamily="49" charset="0"/>
+                    <a:cs typeface="Consolas" panose="020B0609020204030204" pitchFamily="49" charset="0"/>
+                  </a:rPr>
+                  <a:t>MallardDuck</a:t>
+                </a:r>
+                <a:r>
+                  <a:rPr lang="en-IE" sz="800" dirty="0">
+                    <a:latin typeface="Consolas" panose="020B0609020204030204" pitchFamily="49" charset="0"/>
+                    <a:cs typeface="Consolas" panose="020B0609020204030204" pitchFamily="49" charset="0"/>
+                  </a:rPr>
+                  <a:t>();</a:t>
+                </a:r>
+              </a:p>
+              <a:p>
+                <a:pPr marL="0" indent="0">
+                  <a:buNone/>
+                </a:pPr>
+                <a:r>
+                  <a:rPr lang="en-IE" sz="800" dirty="0">
+                    <a:latin typeface="Consolas" panose="020B0609020204030204" pitchFamily="49" charset="0"/>
+                    <a:cs typeface="Consolas" panose="020B0609020204030204" pitchFamily="49" charset="0"/>
+                  </a:rPr>
+                  <a:t>}</a:t>
+                </a:r>
+              </a:p>
+              <a:p>
+                <a:pPr marL="0" indent="0">
+                  <a:buNone/>
+                </a:pPr>
+                <a:r>
+                  <a:rPr lang="en-IE" sz="800" dirty="0">
+                    <a:latin typeface="Consolas" panose="020B0609020204030204" pitchFamily="49" charset="0"/>
+                    <a:cs typeface="Consolas" panose="020B0609020204030204" pitchFamily="49" charset="0"/>
+                  </a:rPr>
+                  <a:t>else if(hunting)</a:t>
+                </a:r>
+              </a:p>
+              <a:p>
+                <a:pPr marL="0" indent="0">
+                  <a:buNone/>
+                </a:pPr>
+                <a:r>
+                  <a:rPr lang="en-IE" sz="800" dirty="0">
+                    <a:latin typeface="Consolas" panose="020B0609020204030204" pitchFamily="49" charset="0"/>
+                    <a:cs typeface="Consolas" panose="020B0609020204030204" pitchFamily="49" charset="0"/>
+                  </a:rPr>
+                  <a:t>{</a:t>
+                </a:r>
+              </a:p>
+              <a:p>
+                <a:pPr marL="0" indent="0">
+                  <a:buNone/>
+                </a:pPr>
+                <a:r>
+                  <a:rPr lang="en-IE" sz="800" dirty="0" smtClean="0">
+                    <a:latin typeface="Consolas" panose="020B0609020204030204" pitchFamily="49" charset="0"/>
+                    <a:cs typeface="Consolas" panose="020B0609020204030204" pitchFamily="49" charset="0"/>
+                  </a:rPr>
+                  <a:t>duck </a:t>
+                </a:r>
+                <a:r>
+                  <a:rPr lang="en-IE" sz="800" dirty="0">
+                    <a:latin typeface="Consolas" panose="020B0609020204030204" pitchFamily="49" charset="0"/>
+                    <a:cs typeface="Consolas" panose="020B0609020204030204" pitchFamily="49" charset="0"/>
+                  </a:rPr>
+                  <a:t>= new </a:t>
+                </a:r>
+                <a:r>
+                  <a:rPr lang="en-IE" sz="800" dirty="0" err="1">
+                    <a:latin typeface="Consolas" panose="020B0609020204030204" pitchFamily="49" charset="0"/>
+                    <a:cs typeface="Consolas" panose="020B0609020204030204" pitchFamily="49" charset="0"/>
+                  </a:rPr>
+                  <a:t>DecoyDuck</a:t>
+                </a:r>
+                <a:r>
+                  <a:rPr lang="en-IE" sz="800" dirty="0">
+                    <a:latin typeface="Consolas" panose="020B0609020204030204" pitchFamily="49" charset="0"/>
+                    <a:cs typeface="Consolas" panose="020B0609020204030204" pitchFamily="49" charset="0"/>
+                  </a:rPr>
+                  <a:t>();</a:t>
+                </a:r>
+              </a:p>
+              <a:p>
+                <a:pPr marL="0" indent="0">
+                  <a:buNone/>
+                </a:pPr>
+                <a:r>
+                  <a:rPr lang="en-IE" sz="800" dirty="0">
+                    <a:latin typeface="Consolas" panose="020B0609020204030204" pitchFamily="49" charset="0"/>
+                    <a:cs typeface="Consolas" panose="020B0609020204030204" pitchFamily="49" charset="0"/>
+                  </a:rPr>
+                  <a:t>}</a:t>
+                </a:r>
+              </a:p>
+              <a:p>
+                <a:pPr marL="0" indent="0">
+                  <a:buNone/>
+                </a:pPr>
+                <a:r>
+                  <a:rPr lang="en-IE" sz="800" dirty="0" smtClean="0">
+                    <a:latin typeface="Consolas" panose="020B0609020204030204" pitchFamily="49" charset="0"/>
+                    <a:cs typeface="Consolas" panose="020B0609020204030204" pitchFamily="49" charset="0"/>
+                  </a:rPr>
+                  <a:t>……….</a:t>
+                </a:r>
+              </a:p>
+              <a:p>
+                <a:pPr marL="0" indent="0">
+                  <a:buNone/>
+                </a:pPr>
+                <a:r>
+                  <a:rPr lang="en-IE" sz="800" dirty="0" smtClean="0">
+                    <a:latin typeface="Consolas" panose="020B0609020204030204" pitchFamily="49" charset="0"/>
+                    <a:cs typeface="Consolas" panose="020B0609020204030204" pitchFamily="49" charset="0"/>
+                  </a:rPr>
+                  <a:t>….</a:t>
+                </a:r>
+                <a:endParaRPr lang="en-IE" sz="800" dirty="0">
+                  <a:latin typeface="Consolas" panose="020B0609020204030204" pitchFamily="49" charset="0"/>
+                  <a:cs typeface="Consolas" panose="020B0609020204030204" pitchFamily="49" charset="0"/>
+                </a:endParaRPr>
+              </a:p>
+              <a:p>
+                <a:endParaRPr lang="en-IE" sz="800" dirty="0"/>
+              </a:p>
+              <a:p>
+                <a:endParaRPr lang="en-IE" sz="800" dirty="0"/>
+              </a:p>
+            </p:txBody>
+          </p:sp>
+        </p:grpSp>
+        <p:sp>
+          <p:nvSpPr>
+            <p:cNvPr id="16" name="TextBox 15"/>
+            <p:cNvSpPr txBox="1"/>
+            <p:nvPr/>
+          </p:nvSpPr>
+          <p:spPr>
+            <a:xfrm>
+              <a:off x="5207000" y="1470255"/>
+              <a:ext cx="1308100" cy="216700"/>
+            </a:xfrm>
+            <a:prstGeom prst="rect">
+              <a:avLst/>
+            </a:prstGeom>
+            <a:noFill/>
+          </p:spPr>
+          <p:txBody>
+            <a:bodyPr wrap="square" rtlCol="0">
+              <a:spAutoFit/>
+            </a:bodyPr>
+            <a:lstStyle/>
+            <a:p>
+              <a:r>
+                <a:rPr lang="en-IE" sz="1600" b="1" dirty="0" err="1">
+                  <a:solidFill>
+                    <a:srgbClr val="00B050"/>
+                  </a:solidFill>
+                </a:rPr>
+                <a:t>D</a:t>
+              </a:r>
+              <a:r>
+                <a:rPr lang="en-IE" sz="1600" b="1" dirty="0" err="1" smtClean="0">
+                  <a:solidFill>
+                    <a:srgbClr val="00B050"/>
+                  </a:solidFill>
+                </a:rPr>
+                <a:t>uckShop</a:t>
+              </a:r>
+              <a:r>
+                <a:rPr lang="en-IE" sz="1600" b="1" dirty="0" smtClean="0">
+                  <a:solidFill>
+                    <a:srgbClr val="00B050"/>
+                  </a:solidFill>
+                </a:rPr>
+                <a:t> Class</a:t>
+              </a:r>
+              <a:endParaRPr lang="en-IE" sz="1600" b="1" dirty="0">
+                <a:solidFill>
+                  <a:srgbClr val="00B050"/>
+                </a:solidFill>
+              </a:endParaRPr>
+            </a:p>
+          </p:txBody>
+        </p:sp>
+      </p:grpSp>
+      <p:sp>
+        <p:nvSpPr>
+          <p:cNvPr id="19" name="TextBox 18"/>
+          <p:cNvSpPr txBox="1"/>
+          <p:nvPr/>
+        </p:nvSpPr>
+        <p:spPr>
+          <a:xfrm>
+            <a:off x="5181601" y="4855849"/>
+            <a:ext cx="3124200" cy="830997"/>
+          </a:xfrm>
+          <a:prstGeom prst="rect">
+            <a:avLst/>
+          </a:prstGeom>
+          <a:noFill/>
+        </p:spPr>
+        <p:txBody>
+          <a:bodyPr wrap="square" rtlCol="0">
+            <a:spAutoFit/>
+          </a:bodyPr>
+          <a:lstStyle/>
+          <a:p>
+            <a:r>
+              <a:rPr lang="en-IE" sz="1600" dirty="0" smtClean="0"/>
+              <a:t>Both these classes are using the same code to generate an instance of a duck.</a:t>
+            </a:r>
+            <a:endParaRPr lang="en-IE" sz="1600" dirty="0"/>
           </a:p>
         </p:txBody>
       </p:sp>
     </p:spTree>
     <p:extLst>
       <p:ext uri="{BB962C8B-B14F-4D97-AF65-F5344CB8AC3E}">
-        <p14:creationId xmlns:p14="http://schemas.microsoft.com/office/powerpoint/2010/main" val="1671439706"/>
+        <p14:creationId xmlns:p14="http://schemas.microsoft.com/office/powerpoint/2010/main" val="4096189138"/>
       </p:ext>
     </p:extLst>
   </p:cSld>
@@ -4010,6 +5338,1548 @@
             </a:pPr>
             <a:r>
               <a:rPr lang="en-IE" sz="2000" b="1" dirty="0" smtClean="0"/>
+              <a:t>Creating a Factory Class…</a:t>
+            </a:r>
+          </a:p>
+          <a:p>
+            <a:pPr marL="0" indent="0">
+              <a:buNone/>
+            </a:pPr>
+            <a:r>
+              <a:rPr lang="en-IE" sz="1400" dirty="0" smtClean="0">
+                <a:latin typeface="Consolas" panose="020B0609020204030204" pitchFamily="49" charset="0"/>
+                <a:cs typeface="Consolas" panose="020B0609020204030204" pitchFamily="49" charset="0"/>
+              </a:rPr>
+              <a:t>Duck* duck;</a:t>
+            </a:r>
+          </a:p>
+          <a:p>
+            <a:pPr marL="0" indent="0">
+              <a:buNone/>
+            </a:pPr>
+            <a:r>
+              <a:rPr lang="en-IE" sz="1400" b="1" dirty="0" smtClean="0">
+                <a:solidFill>
+                  <a:srgbClr val="00B050"/>
+                </a:solidFill>
+                <a:latin typeface="Consolas" panose="020B0609020204030204" pitchFamily="49" charset="0"/>
+                <a:cs typeface="Consolas" panose="020B0609020204030204" pitchFamily="49" charset="0"/>
+              </a:rPr>
+              <a:t>Duck*</a:t>
+            </a:r>
+            <a:r>
+              <a:rPr lang="en-IE" sz="1400" dirty="0" smtClean="0">
+                <a:latin typeface="Consolas" panose="020B0609020204030204" pitchFamily="49" charset="0"/>
+                <a:cs typeface="Consolas" panose="020B0609020204030204" pitchFamily="49" charset="0"/>
+              </a:rPr>
+              <a:t> </a:t>
+            </a:r>
+            <a:r>
+              <a:rPr lang="en-IE" sz="1400" dirty="0" err="1" smtClean="0">
+                <a:latin typeface="Consolas" panose="020B0609020204030204" pitchFamily="49" charset="0"/>
+                <a:cs typeface="Consolas" panose="020B0609020204030204" pitchFamily="49" charset="0"/>
+              </a:rPr>
+              <a:t>DuckFactory</a:t>
+            </a:r>
+            <a:r>
+              <a:rPr lang="en-IE" sz="1400" dirty="0" smtClean="0">
+                <a:latin typeface="Consolas" panose="020B0609020204030204" pitchFamily="49" charset="0"/>
+                <a:cs typeface="Consolas" panose="020B0609020204030204" pitchFamily="49" charset="0"/>
+              </a:rPr>
+              <a:t>::</a:t>
+            </a:r>
+            <a:r>
+              <a:rPr lang="en-IE" sz="1400" b="1" dirty="0" err="1" smtClean="0">
+                <a:solidFill>
+                  <a:schemeClr val="accent6">
+                    <a:lumMod val="50000"/>
+                  </a:schemeClr>
+                </a:solidFill>
+                <a:latin typeface="Consolas" panose="020B0609020204030204" pitchFamily="49" charset="0"/>
+                <a:cs typeface="Consolas" panose="020B0609020204030204" pitchFamily="49" charset="0"/>
+              </a:rPr>
+              <a:t>createDuck</a:t>
+            </a:r>
+            <a:endParaRPr lang="en-IE" sz="1400" b="1" dirty="0" smtClean="0">
+              <a:solidFill>
+                <a:schemeClr val="accent6">
+                  <a:lumMod val="50000"/>
+                </a:schemeClr>
+              </a:solidFill>
+              <a:latin typeface="Consolas" panose="020B0609020204030204" pitchFamily="49" charset="0"/>
+              <a:cs typeface="Consolas" panose="020B0609020204030204" pitchFamily="49" charset="0"/>
+            </a:endParaRPr>
+          </a:p>
+          <a:p>
+            <a:pPr marL="0" indent="0">
+              <a:buNone/>
+            </a:pPr>
+            <a:r>
+              <a:rPr lang="en-IE" sz="1400" b="1" dirty="0">
+                <a:solidFill>
+                  <a:schemeClr val="accent6">
+                    <a:lumMod val="50000"/>
+                  </a:schemeClr>
+                </a:solidFill>
+                <a:latin typeface="Consolas" panose="020B0609020204030204" pitchFamily="49" charset="0"/>
+                <a:cs typeface="Consolas" panose="020B0609020204030204" pitchFamily="49" charset="0"/>
+              </a:rPr>
+              <a:t>	</a:t>
+            </a:r>
+            <a:r>
+              <a:rPr lang="en-IE" sz="1400" b="1" dirty="0" smtClean="0">
+                <a:solidFill>
+                  <a:schemeClr val="accent6">
+                    <a:lumMod val="50000"/>
+                  </a:schemeClr>
+                </a:solidFill>
+                <a:latin typeface="Consolas" panose="020B0609020204030204" pitchFamily="49" charset="0"/>
+                <a:cs typeface="Consolas" panose="020B0609020204030204" pitchFamily="49" charset="0"/>
+              </a:rPr>
+              <a:t>		</a:t>
+            </a:r>
+            <a:r>
+              <a:rPr lang="en-IE" sz="1400" dirty="0" smtClean="0">
+                <a:latin typeface="Consolas" panose="020B0609020204030204" pitchFamily="49" charset="0"/>
+                <a:cs typeface="Consolas" panose="020B0609020204030204" pitchFamily="49" charset="0"/>
+              </a:rPr>
+              <a:t>(</a:t>
+            </a:r>
+            <a:r>
+              <a:rPr lang="en-IE" sz="1400" dirty="0" err="1" smtClean="0">
+                <a:latin typeface="Consolas" panose="020B0609020204030204" pitchFamily="49" charset="0"/>
+                <a:cs typeface="Consolas" panose="020B0609020204030204" pitchFamily="49" charset="0"/>
+              </a:rPr>
+              <a:t>std</a:t>
+            </a:r>
+            <a:r>
+              <a:rPr lang="en-IE" sz="1400" dirty="0" smtClean="0">
+                <a:latin typeface="Consolas" panose="020B0609020204030204" pitchFamily="49" charset="0"/>
+                <a:cs typeface="Consolas" panose="020B0609020204030204" pitchFamily="49" charset="0"/>
+              </a:rPr>
+              <a:t>::string </a:t>
+            </a:r>
+            <a:r>
+              <a:rPr lang="en-IE" sz="1400" b="1" dirty="0" err="1" smtClean="0">
+                <a:solidFill>
+                  <a:srgbClr val="0070C0"/>
+                </a:solidFill>
+                <a:latin typeface="Consolas" panose="020B0609020204030204" pitchFamily="49" charset="0"/>
+                <a:cs typeface="Consolas" panose="020B0609020204030204" pitchFamily="49" charset="0"/>
+              </a:rPr>
+              <a:t>arg_duckType</a:t>
+            </a:r>
+            <a:r>
+              <a:rPr lang="en-IE" sz="1400" dirty="0" smtClean="0">
+                <a:latin typeface="Consolas" panose="020B0609020204030204" pitchFamily="49" charset="0"/>
+                <a:cs typeface="Consolas" panose="020B0609020204030204" pitchFamily="49" charset="0"/>
+              </a:rPr>
+              <a:t>)</a:t>
+            </a:r>
+          </a:p>
+          <a:p>
+            <a:pPr marL="0" indent="0">
+              <a:buNone/>
+            </a:pPr>
+            <a:r>
+              <a:rPr lang="en-IE" sz="1400" dirty="0" smtClean="0">
+                <a:latin typeface="Consolas" panose="020B0609020204030204" pitchFamily="49" charset="0"/>
+                <a:cs typeface="Consolas" panose="020B0609020204030204" pitchFamily="49" charset="0"/>
+              </a:rPr>
+              <a:t>{</a:t>
+            </a:r>
+          </a:p>
+          <a:p>
+            <a:pPr marL="0" indent="0">
+              <a:buNone/>
+            </a:pPr>
+            <a:r>
+              <a:rPr lang="en-IE" sz="1400" dirty="0" smtClean="0">
+                <a:latin typeface="Consolas" panose="020B0609020204030204" pitchFamily="49" charset="0"/>
+                <a:cs typeface="Consolas" panose="020B0609020204030204" pitchFamily="49" charset="0"/>
+              </a:rPr>
+              <a:t>	If(</a:t>
+            </a:r>
+            <a:r>
+              <a:rPr lang="en-IE" sz="1400" dirty="0" err="1" smtClean="0">
+                <a:latin typeface="Consolas" panose="020B0609020204030204" pitchFamily="49" charset="0"/>
+                <a:cs typeface="Consolas" panose="020B0609020204030204" pitchFamily="49" charset="0"/>
+              </a:rPr>
+              <a:t>arg_ducktype</a:t>
+            </a:r>
+            <a:r>
+              <a:rPr lang="en-IE" sz="1400" dirty="0" smtClean="0">
+                <a:latin typeface="Consolas" panose="020B0609020204030204" pitchFamily="49" charset="0"/>
+                <a:cs typeface="Consolas" panose="020B0609020204030204" pitchFamily="49" charset="0"/>
+              </a:rPr>
+              <a:t> == “picnic”)</a:t>
+            </a:r>
+            <a:endParaRPr lang="en-IE" sz="1400" dirty="0">
+              <a:latin typeface="Consolas" panose="020B0609020204030204" pitchFamily="49" charset="0"/>
+              <a:cs typeface="Consolas" panose="020B0609020204030204" pitchFamily="49" charset="0"/>
+            </a:endParaRPr>
+          </a:p>
+          <a:p>
+            <a:pPr marL="0" indent="0">
+              <a:buNone/>
+            </a:pPr>
+            <a:r>
+              <a:rPr lang="en-IE" sz="1400" dirty="0" smtClean="0">
+                <a:latin typeface="Consolas" panose="020B0609020204030204" pitchFamily="49" charset="0"/>
+                <a:cs typeface="Consolas" panose="020B0609020204030204" pitchFamily="49" charset="0"/>
+              </a:rPr>
+              <a:t>	{</a:t>
+            </a:r>
+            <a:endParaRPr lang="en-IE" sz="1400" dirty="0">
+              <a:latin typeface="Consolas" panose="020B0609020204030204" pitchFamily="49" charset="0"/>
+              <a:cs typeface="Consolas" panose="020B0609020204030204" pitchFamily="49" charset="0"/>
+            </a:endParaRPr>
+          </a:p>
+          <a:p>
+            <a:pPr marL="0" indent="0">
+              <a:buNone/>
+            </a:pPr>
+            <a:r>
+              <a:rPr lang="en-IE" sz="1400" dirty="0">
+                <a:latin typeface="Consolas" panose="020B0609020204030204" pitchFamily="49" charset="0"/>
+                <a:cs typeface="Consolas" panose="020B0609020204030204" pitchFamily="49" charset="0"/>
+              </a:rPr>
+              <a:t>	</a:t>
+            </a:r>
+            <a:r>
+              <a:rPr lang="en-IE" sz="1400" dirty="0" smtClean="0">
+                <a:latin typeface="Consolas" panose="020B0609020204030204" pitchFamily="49" charset="0"/>
+                <a:cs typeface="Consolas" panose="020B0609020204030204" pitchFamily="49" charset="0"/>
+              </a:rPr>
+              <a:t>	duck </a:t>
+            </a:r>
+            <a:r>
+              <a:rPr lang="en-IE" sz="1400" dirty="0">
+                <a:latin typeface="Consolas" panose="020B0609020204030204" pitchFamily="49" charset="0"/>
+                <a:cs typeface="Consolas" panose="020B0609020204030204" pitchFamily="49" charset="0"/>
+              </a:rPr>
+              <a:t>= new </a:t>
+            </a:r>
+            <a:r>
+              <a:rPr lang="en-IE" sz="1400" dirty="0" err="1">
+                <a:latin typeface="Consolas" panose="020B0609020204030204" pitchFamily="49" charset="0"/>
+                <a:cs typeface="Consolas" panose="020B0609020204030204" pitchFamily="49" charset="0"/>
+              </a:rPr>
+              <a:t>MallardDuck</a:t>
+            </a:r>
+            <a:r>
+              <a:rPr lang="en-IE" sz="1400" dirty="0">
+                <a:latin typeface="Consolas" panose="020B0609020204030204" pitchFamily="49" charset="0"/>
+                <a:cs typeface="Consolas" panose="020B0609020204030204" pitchFamily="49" charset="0"/>
+              </a:rPr>
+              <a:t>();</a:t>
+            </a:r>
+          </a:p>
+          <a:p>
+            <a:pPr marL="0" indent="0">
+              <a:buNone/>
+            </a:pPr>
+            <a:r>
+              <a:rPr lang="en-IE" sz="1400" dirty="0" smtClean="0">
+                <a:latin typeface="Consolas" panose="020B0609020204030204" pitchFamily="49" charset="0"/>
+                <a:cs typeface="Consolas" panose="020B0609020204030204" pitchFamily="49" charset="0"/>
+              </a:rPr>
+              <a:t>	}</a:t>
+            </a:r>
+            <a:endParaRPr lang="en-IE" sz="1400" dirty="0">
+              <a:latin typeface="Consolas" panose="020B0609020204030204" pitchFamily="49" charset="0"/>
+              <a:cs typeface="Consolas" panose="020B0609020204030204" pitchFamily="49" charset="0"/>
+            </a:endParaRPr>
+          </a:p>
+          <a:p>
+            <a:pPr marL="0" indent="0">
+              <a:buNone/>
+            </a:pPr>
+            <a:r>
+              <a:rPr lang="en-IE" sz="1400" dirty="0" smtClean="0">
+                <a:latin typeface="Consolas" panose="020B0609020204030204" pitchFamily="49" charset="0"/>
+                <a:cs typeface="Consolas" panose="020B0609020204030204" pitchFamily="49" charset="0"/>
+              </a:rPr>
+              <a:t>	else if(</a:t>
+            </a:r>
+            <a:r>
+              <a:rPr lang="en-IE" sz="1400" dirty="0" err="1" smtClean="0">
+                <a:latin typeface="Consolas" panose="020B0609020204030204" pitchFamily="49" charset="0"/>
+                <a:cs typeface="Consolas" panose="020B0609020204030204" pitchFamily="49" charset="0"/>
+              </a:rPr>
+              <a:t>arg_ducktype</a:t>
+            </a:r>
+            <a:r>
+              <a:rPr lang="en-IE" sz="1400" dirty="0" smtClean="0">
+                <a:latin typeface="Consolas" panose="020B0609020204030204" pitchFamily="49" charset="0"/>
+                <a:cs typeface="Consolas" panose="020B0609020204030204" pitchFamily="49" charset="0"/>
+              </a:rPr>
+              <a:t> </a:t>
+            </a:r>
+            <a:r>
+              <a:rPr lang="en-IE" sz="1400" dirty="0">
+                <a:latin typeface="Consolas" panose="020B0609020204030204" pitchFamily="49" charset="0"/>
+                <a:cs typeface="Consolas" panose="020B0609020204030204" pitchFamily="49" charset="0"/>
+              </a:rPr>
+              <a:t>== “ </a:t>
+            </a:r>
+            <a:r>
+              <a:rPr lang="en-IE" sz="1400" dirty="0" smtClean="0">
+                <a:latin typeface="Consolas" panose="020B0609020204030204" pitchFamily="49" charset="0"/>
+                <a:cs typeface="Consolas" panose="020B0609020204030204" pitchFamily="49" charset="0"/>
+              </a:rPr>
+              <a:t>hunting”)</a:t>
+            </a:r>
+            <a:endParaRPr lang="en-IE" sz="1400" dirty="0">
+              <a:latin typeface="Consolas" panose="020B0609020204030204" pitchFamily="49" charset="0"/>
+              <a:cs typeface="Consolas" panose="020B0609020204030204" pitchFamily="49" charset="0"/>
+            </a:endParaRPr>
+          </a:p>
+          <a:p>
+            <a:pPr marL="0" indent="0">
+              <a:buNone/>
+            </a:pPr>
+            <a:r>
+              <a:rPr lang="en-IE" sz="1400" dirty="0" smtClean="0">
+                <a:latin typeface="Consolas" panose="020B0609020204030204" pitchFamily="49" charset="0"/>
+                <a:cs typeface="Consolas" panose="020B0609020204030204" pitchFamily="49" charset="0"/>
+              </a:rPr>
+              <a:t>	{</a:t>
+            </a:r>
+            <a:endParaRPr lang="en-IE" sz="1400" dirty="0">
+              <a:latin typeface="Consolas" panose="020B0609020204030204" pitchFamily="49" charset="0"/>
+              <a:cs typeface="Consolas" panose="020B0609020204030204" pitchFamily="49" charset="0"/>
+            </a:endParaRPr>
+          </a:p>
+          <a:p>
+            <a:pPr marL="0" indent="0">
+              <a:buNone/>
+            </a:pPr>
+            <a:r>
+              <a:rPr lang="en-IE" sz="1400" dirty="0">
+                <a:latin typeface="Consolas" panose="020B0609020204030204" pitchFamily="49" charset="0"/>
+                <a:cs typeface="Consolas" panose="020B0609020204030204" pitchFamily="49" charset="0"/>
+              </a:rPr>
+              <a:t>	 </a:t>
+            </a:r>
+            <a:r>
+              <a:rPr lang="en-IE" sz="1400" dirty="0" smtClean="0">
+                <a:latin typeface="Consolas" panose="020B0609020204030204" pitchFamily="49" charset="0"/>
+                <a:cs typeface="Consolas" panose="020B0609020204030204" pitchFamily="49" charset="0"/>
+              </a:rPr>
+              <a:t>	duck </a:t>
+            </a:r>
+            <a:r>
+              <a:rPr lang="en-IE" sz="1400" dirty="0">
+                <a:latin typeface="Consolas" panose="020B0609020204030204" pitchFamily="49" charset="0"/>
+                <a:cs typeface="Consolas" panose="020B0609020204030204" pitchFamily="49" charset="0"/>
+              </a:rPr>
+              <a:t>= new </a:t>
+            </a:r>
+            <a:r>
+              <a:rPr lang="en-IE" sz="1400" dirty="0" err="1">
+                <a:latin typeface="Consolas" panose="020B0609020204030204" pitchFamily="49" charset="0"/>
+                <a:cs typeface="Consolas" panose="020B0609020204030204" pitchFamily="49" charset="0"/>
+              </a:rPr>
+              <a:t>DecoyDuck</a:t>
+            </a:r>
+            <a:r>
+              <a:rPr lang="en-IE" sz="1400" dirty="0">
+                <a:latin typeface="Consolas" panose="020B0609020204030204" pitchFamily="49" charset="0"/>
+                <a:cs typeface="Consolas" panose="020B0609020204030204" pitchFamily="49" charset="0"/>
+              </a:rPr>
+              <a:t>();</a:t>
+            </a:r>
+          </a:p>
+          <a:p>
+            <a:pPr marL="0" indent="0">
+              <a:buNone/>
+            </a:pPr>
+            <a:r>
+              <a:rPr lang="en-IE" sz="1400" dirty="0" smtClean="0">
+                <a:latin typeface="Consolas" panose="020B0609020204030204" pitchFamily="49" charset="0"/>
+                <a:cs typeface="Consolas" panose="020B0609020204030204" pitchFamily="49" charset="0"/>
+              </a:rPr>
+              <a:t>	}</a:t>
+            </a:r>
+            <a:endParaRPr lang="en-IE" sz="1400" dirty="0">
+              <a:latin typeface="Consolas" panose="020B0609020204030204" pitchFamily="49" charset="0"/>
+              <a:cs typeface="Consolas" panose="020B0609020204030204" pitchFamily="49" charset="0"/>
+            </a:endParaRPr>
+          </a:p>
+          <a:p>
+            <a:pPr marL="0" indent="0">
+              <a:buNone/>
+            </a:pPr>
+            <a:r>
+              <a:rPr lang="en-IE" sz="1400" dirty="0" smtClean="0">
+                <a:latin typeface="Consolas" panose="020B0609020204030204" pitchFamily="49" charset="0"/>
+                <a:cs typeface="Consolas" panose="020B0609020204030204" pitchFamily="49" charset="0"/>
+              </a:rPr>
+              <a:t>	else if(</a:t>
+            </a:r>
+            <a:r>
+              <a:rPr lang="en-IE" sz="1400" dirty="0" err="1">
+                <a:latin typeface="Consolas" panose="020B0609020204030204" pitchFamily="49" charset="0"/>
+                <a:cs typeface="Consolas" panose="020B0609020204030204" pitchFamily="49" charset="0"/>
+              </a:rPr>
+              <a:t>arg_ducktype</a:t>
+            </a:r>
+            <a:r>
+              <a:rPr lang="en-IE" sz="1400" dirty="0">
+                <a:latin typeface="Consolas" panose="020B0609020204030204" pitchFamily="49" charset="0"/>
+                <a:cs typeface="Consolas" panose="020B0609020204030204" pitchFamily="49" charset="0"/>
+              </a:rPr>
+              <a:t> == “ </a:t>
+            </a:r>
+            <a:r>
+              <a:rPr lang="en-IE" sz="1400" dirty="0" err="1" smtClean="0">
+                <a:latin typeface="Consolas" panose="020B0609020204030204" pitchFamily="49" charset="0"/>
+                <a:cs typeface="Consolas" panose="020B0609020204030204" pitchFamily="49" charset="0"/>
+              </a:rPr>
+              <a:t>bathTub</a:t>
+            </a:r>
+            <a:r>
+              <a:rPr lang="en-IE" sz="1400" dirty="0" smtClean="0">
+                <a:latin typeface="Consolas" panose="020B0609020204030204" pitchFamily="49" charset="0"/>
+                <a:cs typeface="Consolas" panose="020B0609020204030204" pitchFamily="49" charset="0"/>
+              </a:rPr>
+              <a:t>”)</a:t>
+            </a:r>
+            <a:endParaRPr lang="en-IE" sz="1400" dirty="0">
+              <a:latin typeface="Consolas" panose="020B0609020204030204" pitchFamily="49" charset="0"/>
+              <a:cs typeface="Consolas" panose="020B0609020204030204" pitchFamily="49" charset="0"/>
+            </a:endParaRPr>
+          </a:p>
+          <a:p>
+            <a:pPr marL="0" indent="0">
+              <a:buNone/>
+            </a:pPr>
+            <a:r>
+              <a:rPr lang="en-IE" sz="1400" dirty="0" smtClean="0">
+                <a:latin typeface="Consolas" panose="020B0609020204030204" pitchFamily="49" charset="0"/>
+                <a:cs typeface="Consolas" panose="020B0609020204030204" pitchFamily="49" charset="0"/>
+              </a:rPr>
+              <a:t>	{</a:t>
+            </a:r>
+            <a:endParaRPr lang="en-IE" sz="1400" dirty="0">
+              <a:latin typeface="Consolas" panose="020B0609020204030204" pitchFamily="49" charset="0"/>
+              <a:cs typeface="Consolas" panose="020B0609020204030204" pitchFamily="49" charset="0"/>
+            </a:endParaRPr>
+          </a:p>
+          <a:p>
+            <a:pPr marL="0" indent="0">
+              <a:buNone/>
+            </a:pPr>
+            <a:r>
+              <a:rPr lang="en-IE" sz="1400" dirty="0">
+                <a:latin typeface="Consolas" panose="020B0609020204030204" pitchFamily="49" charset="0"/>
+                <a:cs typeface="Consolas" panose="020B0609020204030204" pitchFamily="49" charset="0"/>
+              </a:rPr>
+              <a:t>	 </a:t>
+            </a:r>
+            <a:r>
+              <a:rPr lang="en-IE" sz="1400" dirty="0" smtClean="0">
+                <a:latin typeface="Consolas" panose="020B0609020204030204" pitchFamily="49" charset="0"/>
+                <a:cs typeface="Consolas" panose="020B0609020204030204" pitchFamily="49" charset="0"/>
+              </a:rPr>
+              <a:t>	duck </a:t>
+            </a:r>
+            <a:r>
+              <a:rPr lang="en-IE" sz="1400" dirty="0">
+                <a:latin typeface="Consolas" panose="020B0609020204030204" pitchFamily="49" charset="0"/>
+                <a:cs typeface="Consolas" panose="020B0609020204030204" pitchFamily="49" charset="0"/>
+              </a:rPr>
+              <a:t>= new </a:t>
+            </a:r>
+            <a:r>
+              <a:rPr lang="en-IE" sz="1400" dirty="0" err="1">
+                <a:latin typeface="Consolas" panose="020B0609020204030204" pitchFamily="49" charset="0"/>
+                <a:cs typeface="Consolas" panose="020B0609020204030204" pitchFamily="49" charset="0"/>
+              </a:rPr>
+              <a:t>RubberDuck</a:t>
+            </a:r>
+            <a:r>
+              <a:rPr lang="en-IE" sz="1400" dirty="0">
+                <a:latin typeface="Consolas" panose="020B0609020204030204" pitchFamily="49" charset="0"/>
+                <a:cs typeface="Consolas" panose="020B0609020204030204" pitchFamily="49" charset="0"/>
+              </a:rPr>
+              <a:t>();</a:t>
+            </a:r>
+          </a:p>
+          <a:p>
+            <a:pPr marL="0" indent="0">
+              <a:buNone/>
+            </a:pPr>
+            <a:r>
+              <a:rPr lang="en-IE" sz="1400" dirty="0" smtClean="0">
+                <a:latin typeface="Consolas" panose="020B0609020204030204" pitchFamily="49" charset="0"/>
+                <a:cs typeface="Consolas" panose="020B0609020204030204" pitchFamily="49" charset="0"/>
+              </a:rPr>
+              <a:t>	}</a:t>
+            </a:r>
+            <a:endParaRPr lang="en-IE" sz="1400" dirty="0">
+              <a:latin typeface="Consolas" panose="020B0609020204030204" pitchFamily="49" charset="0"/>
+              <a:cs typeface="Consolas" panose="020B0609020204030204" pitchFamily="49" charset="0"/>
+            </a:endParaRPr>
+          </a:p>
+          <a:p>
+            <a:pPr marL="0" indent="0">
+              <a:buNone/>
+            </a:pPr>
+            <a:r>
+              <a:rPr lang="en-IE" sz="1400" dirty="0" smtClean="0">
+                <a:latin typeface="Consolas" panose="020B0609020204030204" pitchFamily="49" charset="0"/>
+                <a:cs typeface="Consolas" panose="020B0609020204030204" pitchFamily="49" charset="0"/>
+              </a:rPr>
+              <a:t>return duck;</a:t>
+            </a:r>
+            <a:endParaRPr lang="en-IE" sz="1400" dirty="0">
+              <a:latin typeface="Consolas" panose="020B0609020204030204" pitchFamily="49" charset="0"/>
+              <a:cs typeface="Consolas" panose="020B0609020204030204" pitchFamily="49" charset="0"/>
+            </a:endParaRPr>
+          </a:p>
+          <a:p>
+            <a:endParaRPr lang="en-IE" sz="2000" dirty="0"/>
+          </a:p>
+        </p:txBody>
+      </p:sp>
+      <p:grpSp>
+        <p:nvGrpSpPr>
+          <p:cNvPr id="4" name="Group 3"/>
+          <p:cNvGrpSpPr/>
+          <p:nvPr/>
+        </p:nvGrpSpPr>
+        <p:grpSpPr>
+          <a:xfrm rot="20968962">
+            <a:off x="4813615" y="531263"/>
+            <a:ext cx="2535344" cy="2226846"/>
+            <a:chOff x="5139388" y="1284960"/>
+            <a:chExt cx="1375712" cy="1700787"/>
+          </a:xfrm>
+        </p:grpSpPr>
+        <p:grpSp>
+          <p:nvGrpSpPr>
+            <p:cNvPr id="5" name="Group 4"/>
+            <p:cNvGrpSpPr/>
+            <p:nvPr/>
+          </p:nvGrpSpPr>
+          <p:grpSpPr>
+            <a:xfrm>
+              <a:off x="5168900" y="1701801"/>
+              <a:ext cx="1346200" cy="1283946"/>
+              <a:chOff x="5168900" y="1701801"/>
+              <a:chExt cx="1346200" cy="1283946"/>
+            </a:xfrm>
+          </p:grpSpPr>
+          <p:sp>
+            <p:nvSpPr>
+              <p:cNvPr id="7" name="Rectangle 6"/>
+              <p:cNvSpPr/>
+              <p:nvPr/>
+            </p:nvSpPr>
+            <p:spPr>
+              <a:xfrm>
+                <a:off x="5168900" y="1701801"/>
+                <a:ext cx="1346200" cy="980975"/>
+              </a:xfrm>
+              <a:prstGeom prst="rect">
+                <a:avLst/>
+              </a:prstGeom>
+              <a:gradFill>
+                <a:gsLst>
+                  <a:gs pos="0">
+                    <a:srgbClr val="FFE9A3"/>
+                  </a:gs>
+                  <a:gs pos="100000">
+                    <a:schemeClr val="accent6">
+                      <a:lumMod val="20000"/>
+                      <a:lumOff val="80000"/>
+                    </a:schemeClr>
+                  </a:gs>
+                </a:gsLst>
+              </a:gradFill>
+            </p:spPr>
+            <p:style>
+              <a:lnRef idx="1">
+                <a:schemeClr val="accent1"/>
+              </a:lnRef>
+              <a:fillRef idx="3">
+                <a:schemeClr val="accent1"/>
+              </a:fillRef>
+              <a:effectRef idx="2">
+                <a:schemeClr val="accent1"/>
+              </a:effectRef>
+              <a:fontRef idx="minor">
+                <a:schemeClr val="lt1"/>
+              </a:fontRef>
+            </p:style>
+            <p:txBody>
+              <a:bodyPr rtlCol="0" anchor="ctr"/>
+              <a:lstStyle/>
+              <a:p>
+                <a:pPr algn="ctr"/>
+                <a:endParaRPr lang="en-IE"/>
+              </a:p>
+            </p:txBody>
+          </p:sp>
+          <p:sp>
+            <p:nvSpPr>
+              <p:cNvPr id="8" name="TextBox 7"/>
+              <p:cNvSpPr txBox="1"/>
+              <p:nvPr/>
+            </p:nvSpPr>
+            <p:spPr>
+              <a:xfrm>
+                <a:off x="5174614" y="1739880"/>
+                <a:ext cx="1308104" cy="1245867"/>
+              </a:xfrm>
+              <a:prstGeom prst="rect">
+                <a:avLst/>
+              </a:prstGeom>
+              <a:noFill/>
+            </p:spPr>
+            <p:txBody>
+              <a:bodyPr wrap="square" rtlCol="0">
+                <a:spAutoFit/>
+              </a:bodyPr>
+              <a:lstStyle/>
+              <a:p>
+                <a:pPr marL="0" indent="0">
+                  <a:buNone/>
+                </a:pPr>
+                <a:r>
+                  <a:rPr lang="en-IE" sz="1200" dirty="0" smtClean="0">
+                    <a:latin typeface="Consolas" panose="020B0609020204030204" pitchFamily="49" charset="0"/>
+                    <a:cs typeface="Consolas" panose="020B0609020204030204" pitchFamily="49" charset="0"/>
+                  </a:rPr>
+                  <a:t>Duck</a:t>
+                </a:r>
+                <a:r>
+                  <a:rPr lang="en-IE" sz="1200" dirty="0">
+                    <a:latin typeface="Consolas" panose="020B0609020204030204" pitchFamily="49" charset="0"/>
+                    <a:cs typeface="Consolas" panose="020B0609020204030204" pitchFamily="49" charset="0"/>
+                  </a:rPr>
+                  <a:t>* duck</a:t>
+                </a:r>
+                <a:r>
+                  <a:rPr lang="en-IE" sz="1200" dirty="0" smtClean="0">
+                    <a:latin typeface="Consolas" panose="020B0609020204030204" pitchFamily="49" charset="0"/>
+                    <a:cs typeface="Consolas" panose="020B0609020204030204" pitchFamily="49" charset="0"/>
+                  </a:rPr>
+                  <a:t>;</a:t>
+                </a:r>
+              </a:p>
+              <a:p>
+                <a:pPr marL="0" indent="0">
+                  <a:buNone/>
+                </a:pPr>
+                <a:r>
+                  <a:rPr lang="en-IE" sz="1200" dirty="0" err="1" smtClean="0">
+                    <a:latin typeface="Consolas" panose="020B0609020204030204" pitchFamily="49" charset="0"/>
+                    <a:cs typeface="Consolas" panose="020B0609020204030204" pitchFamily="49" charset="0"/>
+                  </a:rPr>
+                  <a:t>DuckFactory</a:t>
+                </a:r>
+                <a:r>
+                  <a:rPr lang="en-IE" sz="1200" dirty="0" smtClean="0">
+                    <a:latin typeface="Consolas" panose="020B0609020204030204" pitchFamily="49" charset="0"/>
+                    <a:cs typeface="Consolas" panose="020B0609020204030204" pitchFamily="49" charset="0"/>
+                  </a:rPr>
+                  <a:t> </a:t>
+                </a:r>
+                <a:r>
+                  <a:rPr lang="en-IE" sz="1200" dirty="0" err="1" smtClean="0">
+                    <a:latin typeface="Consolas" panose="020B0609020204030204" pitchFamily="49" charset="0"/>
+                    <a:cs typeface="Consolas" panose="020B0609020204030204" pitchFamily="49" charset="0"/>
+                  </a:rPr>
+                  <a:t>df</a:t>
+                </a:r>
+                <a:r>
+                  <a:rPr lang="en-IE" sz="1200" dirty="0" smtClean="0">
+                    <a:latin typeface="Consolas" panose="020B0609020204030204" pitchFamily="49" charset="0"/>
+                    <a:cs typeface="Consolas" panose="020B0609020204030204" pitchFamily="49" charset="0"/>
+                  </a:rPr>
+                  <a:t> = </a:t>
+                </a:r>
+              </a:p>
+              <a:p>
+                <a:pPr marL="0" indent="0">
+                  <a:buNone/>
+                </a:pPr>
+                <a:r>
+                  <a:rPr lang="en-IE" sz="1200" dirty="0" smtClean="0">
+                    <a:latin typeface="Consolas" panose="020B0609020204030204" pitchFamily="49" charset="0"/>
+                    <a:cs typeface="Consolas" panose="020B0609020204030204" pitchFamily="49" charset="0"/>
+                  </a:rPr>
+                  <a:t>new </a:t>
+                </a:r>
+                <a:r>
+                  <a:rPr lang="en-IE" sz="1200" dirty="0" err="1" smtClean="0">
+                    <a:latin typeface="Consolas" panose="020B0609020204030204" pitchFamily="49" charset="0"/>
+                    <a:cs typeface="Consolas" panose="020B0609020204030204" pitchFamily="49" charset="0"/>
+                  </a:rPr>
+                  <a:t>DuckFactory</a:t>
+                </a:r>
+                <a:r>
+                  <a:rPr lang="en-IE" sz="1200" dirty="0" smtClean="0">
+                    <a:latin typeface="Consolas" panose="020B0609020204030204" pitchFamily="49" charset="0"/>
+                    <a:cs typeface="Consolas" panose="020B0609020204030204" pitchFamily="49" charset="0"/>
+                  </a:rPr>
+                  <a:t>();</a:t>
+                </a:r>
+              </a:p>
+              <a:p>
+                <a:pPr marL="0" indent="0">
+                  <a:buNone/>
+                </a:pPr>
+                <a:endParaRPr lang="en-IE" sz="1200" dirty="0">
+                  <a:latin typeface="Consolas" panose="020B0609020204030204" pitchFamily="49" charset="0"/>
+                  <a:cs typeface="Consolas" panose="020B0609020204030204" pitchFamily="49" charset="0"/>
+                </a:endParaRPr>
+              </a:p>
+              <a:p>
+                <a:pPr marL="0" indent="0">
+                  <a:buNone/>
+                </a:pPr>
+                <a:r>
+                  <a:rPr lang="en-IE" sz="1200" dirty="0" smtClean="0">
+                    <a:latin typeface="Consolas" panose="020B0609020204030204" pitchFamily="49" charset="0"/>
+                    <a:cs typeface="Consolas" panose="020B0609020204030204" pitchFamily="49" charset="0"/>
+                  </a:rPr>
+                  <a:t>Duck = </a:t>
+                </a:r>
+                <a:r>
+                  <a:rPr lang="en-IE" sz="1200" dirty="0" err="1" smtClean="0">
+                    <a:latin typeface="Consolas" panose="020B0609020204030204" pitchFamily="49" charset="0"/>
+                    <a:cs typeface="Consolas" panose="020B0609020204030204" pitchFamily="49" charset="0"/>
+                  </a:rPr>
+                  <a:t>df.createDuck</a:t>
+                </a:r>
+                <a:r>
+                  <a:rPr lang="en-IE" sz="1200" dirty="0" smtClean="0">
+                    <a:latin typeface="Consolas" panose="020B0609020204030204" pitchFamily="49" charset="0"/>
+                    <a:cs typeface="Consolas" panose="020B0609020204030204" pitchFamily="49" charset="0"/>
+                  </a:rPr>
+                  <a:t>(“Picnic”);</a:t>
+                </a:r>
+                <a:endParaRPr lang="en-IE" sz="1200" dirty="0">
+                  <a:latin typeface="Consolas" panose="020B0609020204030204" pitchFamily="49" charset="0"/>
+                  <a:cs typeface="Consolas" panose="020B0609020204030204" pitchFamily="49" charset="0"/>
+                </a:endParaRPr>
+              </a:p>
+              <a:p>
+                <a:endParaRPr lang="en-IE" sz="800" dirty="0"/>
+              </a:p>
+              <a:p>
+                <a:endParaRPr lang="en-IE" sz="800" dirty="0"/>
+              </a:p>
+            </p:txBody>
+          </p:sp>
+        </p:grpSp>
+        <p:sp>
+          <p:nvSpPr>
+            <p:cNvPr id="6" name="TextBox 5"/>
+            <p:cNvSpPr txBox="1"/>
+            <p:nvPr/>
+          </p:nvSpPr>
+          <p:spPr>
+            <a:xfrm>
+              <a:off x="5139388" y="1284960"/>
+              <a:ext cx="1308101" cy="305590"/>
+            </a:xfrm>
+            <a:prstGeom prst="rect">
+              <a:avLst/>
+            </a:prstGeom>
+            <a:noFill/>
+          </p:spPr>
+          <p:txBody>
+            <a:bodyPr wrap="square" rtlCol="0">
+              <a:spAutoFit/>
+            </a:bodyPr>
+            <a:lstStyle/>
+            <a:p>
+              <a:r>
+                <a:rPr lang="en-IE" sz="2000" b="1" dirty="0" err="1" smtClean="0">
+                  <a:solidFill>
+                    <a:srgbClr val="00B0F0"/>
+                  </a:solidFill>
+                </a:rPr>
+                <a:t>CountrySide</a:t>
+              </a:r>
+              <a:r>
+                <a:rPr lang="en-IE" sz="2000" b="1" dirty="0" smtClean="0">
+                  <a:solidFill>
+                    <a:srgbClr val="00B0F0"/>
+                  </a:solidFill>
+                </a:rPr>
+                <a:t> Class</a:t>
+              </a:r>
+              <a:endParaRPr lang="en-IE" sz="2000" b="1" dirty="0">
+                <a:solidFill>
+                  <a:srgbClr val="00B0F0"/>
+                </a:solidFill>
+              </a:endParaRPr>
+            </a:p>
+          </p:txBody>
+        </p:sp>
+      </p:grpSp>
+      <p:grpSp>
+        <p:nvGrpSpPr>
+          <p:cNvPr id="9" name="Group 8"/>
+          <p:cNvGrpSpPr/>
+          <p:nvPr/>
+        </p:nvGrpSpPr>
+        <p:grpSpPr>
+          <a:xfrm rot="567057">
+            <a:off x="7297782" y="478741"/>
+            <a:ext cx="1259173" cy="1839316"/>
+            <a:chOff x="5168900" y="1277816"/>
+            <a:chExt cx="1346201" cy="2201984"/>
+          </a:xfrm>
+        </p:grpSpPr>
+        <p:grpSp>
+          <p:nvGrpSpPr>
+            <p:cNvPr id="10" name="Group 9"/>
+            <p:cNvGrpSpPr/>
+            <p:nvPr/>
+          </p:nvGrpSpPr>
+          <p:grpSpPr>
+            <a:xfrm>
+              <a:off x="5168900" y="1701800"/>
+              <a:ext cx="1346201" cy="1778000"/>
+              <a:chOff x="5168900" y="1701800"/>
+              <a:chExt cx="1346201" cy="1778000"/>
+            </a:xfrm>
+          </p:grpSpPr>
+          <p:sp>
+            <p:nvSpPr>
+              <p:cNvPr id="12" name="Rectangle 11"/>
+              <p:cNvSpPr/>
+              <p:nvPr/>
+            </p:nvSpPr>
+            <p:spPr>
+              <a:xfrm>
+                <a:off x="5168900" y="1701800"/>
+                <a:ext cx="1346200" cy="1778000"/>
+              </a:xfrm>
+              <a:prstGeom prst="rect">
+                <a:avLst/>
+              </a:prstGeom>
+              <a:gradFill>
+                <a:gsLst>
+                  <a:gs pos="0">
+                    <a:srgbClr val="FFE9A3"/>
+                  </a:gs>
+                  <a:gs pos="100000">
+                    <a:schemeClr val="accent6">
+                      <a:lumMod val="20000"/>
+                      <a:lumOff val="80000"/>
+                    </a:schemeClr>
+                  </a:gs>
+                </a:gsLst>
+              </a:gradFill>
+            </p:spPr>
+            <p:style>
+              <a:lnRef idx="1">
+                <a:schemeClr val="accent1"/>
+              </a:lnRef>
+              <a:fillRef idx="3">
+                <a:schemeClr val="accent1"/>
+              </a:fillRef>
+              <a:effectRef idx="2">
+                <a:schemeClr val="accent1"/>
+              </a:effectRef>
+              <a:fontRef idx="minor">
+                <a:schemeClr val="lt1"/>
+              </a:fontRef>
+            </p:style>
+            <p:txBody>
+              <a:bodyPr rtlCol="0" anchor="ctr"/>
+              <a:lstStyle/>
+              <a:p>
+                <a:pPr algn="ctr"/>
+                <a:endParaRPr lang="en-IE"/>
+              </a:p>
+            </p:txBody>
+          </p:sp>
+          <p:sp>
+            <p:nvSpPr>
+              <p:cNvPr id="13" name="TextBox 12"/>
+              <p:cNvSpPr txBox="1"/>
+              <p:nvPr/>
+            </p:nvSpPr>
+            <p:spPr>
+              <a:xfrm>
+                <a:off x="5207001" y="2064586"/>
+                <a:ext cx="1308100" cy="1289619"/>
+              </a:xfrm>
+              <a:prstGeom prst="rect">
+                <a:avLst/>
+              </a:prstGeom>
+              <a:noFill/>
+            </p:spPr>
+            <p:txBody>
+              <a:bodyPr wrap="square" rtlCol="0">
+                <a:spAutoFit/>
+              </a:bodyPr>
+              <a:lstStyle/>
+              <a:p>
+                <a:pPr marL="0" indent="0">
+                  <a:buNone/>
+                </a:pPr>
+                <a:r>
+                  <a:rPr lang="en-IE" sz="800" dirty="0">
+                    <a:latin typeface="Consolas" panose="020B0609020204030204" pitchFamily="49" charset="0"/>
+                    <a:cs typeface="Consolas" panose="020B0609020204030204" pitchFamily="49" charset="0"/>
+                  </a:rPr>
+                  <a:t>Duck* duck;</a:t>
+                </a:r>
+              </a:p>
+              <a:p>
+                <a:pPr marL="0" indent="0">
+                  <a:buNone/>
+                </a:pPr>
+                <a:r>
+                  <a:rPr lang="en-IE" sz="800" dirty="0" err="1">
+                    <a:latin typeface="Consolas" panose="020B0609020204030204" pitchFamily="49" charset="0"/>
+                    <a:cs typeface="Consolas" panose="020B0609020204030204" pitchFamily="49" charset="0"/>
+                  </a:rPr>
+                  <a:t>DuckFactory</a:t>
+                </a:r>
+                <a:r>
+                  <a:rPr lang="en-IE" sz="800" dirty="0">
+                    <a:latin typeface="Consolas" panose="020B0609020204030204" pitchFamily="49" charset="0"/>
+                    <a:cs typeface="Consolas" panose="020B0609020204030204" pitchFamily="49" charset="0"/>
+                  </a:rPr>
+                  <a:t> </a:t>
+                </a:r>
+                <a:r>
+                  <a:rPr lang="en-IE" sz="800" dirty="0" err="1">
+                    <a:latin typeface="Consolas" panose="020B0609020204030204" pitchFamily="49" charset="0"/>
+                    <a:cs typeface="Consolas" panose="020B0609020204030204" pitchFamily="49" charset="0"/>
+                  </a:rPr>
+                  <a:t>df</a:t>
+                </a:r>
+                <a:r>
+                  <a:rPr lang="en-IE" sz="800" dirty="0">
+                    <a:latin typeface="Consolas" panose="020B0609020204030204" pitchFamily="49" charset="0"/>
+                    <a:cs typeface="Consolas" panose="020B0609020204030204" pitchFamily="49" charset="0"/>
+                  </a:rPr>
+                  <a:t> = </a:t>
+                </a:r>
+              </a:p>
+              <a:p>
+                <a:pPr marL="0" indent="0">
+                  <a:buNone/>
+                </a:pPr>
+                <a:r>
+                  <a:rPr lang="en-IE" sz="800" dirty="0">
+                    <a:latin typeface="Consolas" panose="020B0609020204030204" pitchFamily="49" charset="0"/>
+                    <a:cs typeface="Consolas" panose="020B0609020204030204" pitchFamily="49" charset="0"/>
+                  </a:rPr>
+                  <a:t>new </a:t>
+                </a:r>
+                <a:r>
+                  <a:rPr lang="en-IE" sz="800" dirty="0" err="1">
+                    <a:latin typeface="Consolas" panose="020B0609020204030204" pitchFamily="49" charset="0"/>
+                    <a:cs typeface="Consolas" panose="020B0609020204030204" pitchFamily="49" charset="0"/>
+                  </a:rPr>
+                  <a:t>DuckFactory</a:t>
+                </a:r>
+                <a:r>
+                  <a:rPr lang="en-IE" sz="800" dirty="0">
+                    <a:latin typeface="Consolas" panose="020B0609020204030204" pitchFamily="49" charset="0"/>
+                    <a:cs typeface="Consolas" panose="020B0609020204030204" pitchFamily="49" charset="0"/>
+                  </a:rPr>
+                  <a:t>();</a:t>
+                </a:r>
+              </a:p>
+              <a:p>
+                <a:pPr marL="0" indent="0">
+                  <a:buNone/>
+                </a:pPr>
+                <a:endParaRPr lang="en-IE" sz="800" dirty="0">
+                  <a:latin typeface="Consolas" panose="020B0609020204030204" pitchFamily="49" charset="0"/>
+                  <a:cs typeface="Consolas" panose="020B0609020204030204" pitchFamily="49" charset="0"/>
+                </a:endParaRPr>
+              </a:p>
+              <a:p>
+                <a:pPr marL="0" indent="0">
+                  <a:buNone/>
+                </a:pPr>
+                <a:r>
+                  <a:rPr lang="en-IE" sz="800" dirty="0">
+                    <a:latin typeface="Consolas" panose="020B0609020204030204" pitchFamily="49" charset="0"/>
+                    <a:cs typeface="Consolas" panose="020B0609020204030204" pitchFamily="49" charset="0"/>
+                  </a:rPr>
+                  <a:t>Duck = </a:t>
+                </a:r>
+                <a:r>
+                  <a:rPr lang="en-IE" sz="800" dirty="0" err="1">
+                    <a:latin typeface="Consolas" panose="020B0609020204030204" pitchFamily="49" charset="0"/>
+                    <a:cs typeface="Consolas" panose="020B0609020204030204" pitchFamily="49" charset="0"/>
+                  </a:rPr>
+                  <a:t>df.createDuck</a:t>
+                </a:r>
+                <a:r>
+                  <a:rPr lang="en-IE" sz="800" dirty="0">
+                    <a:latin typeface="Consolas" panose="020B0609020204030204" pitchFamily="49" charset="0"/>
+                    <a:cs typeface="Consolas" panose="020B0609020204030204" pitchFamily="49" charset="0"/>
+                  </a:rPr>
+                  <a:t>();</a:t>
+                </a:r>
+              </a:p>
+              <a:p>
+                <a:endParaRPr lang="en-IE" sz="800" dirty="0"/>
+              </a:p>
+              <a:p>
+                <a:endParaRPr lang="en-IE" sz="800" dirty="0"/>
+              </a:p>
+            </p:txBody>
+          </p:sp>
+        </p:grpSp>
+        <p:sp>
+          <p:nvSpPr>
+            <p:cNvPr id="11" name="TextBox 10"/>
+            <p:cNvSpPr txBox="1"/>
+            <p:nvPr/>
+          </p:nvSpPr>
+          <p:spPr>
+            <a:xfrm>
+              <a:off x="5186939" y="1277816"/>
+              <a:ext cx="1308100" cy="331616"/>
+            </a:xfrm>
+            <a:prstGeom prst="rect">
+              <a:avLst/>
+            </a:prstGeom>
+            <a:noFill/>
+          </p:spPr>
+          <p:txBody>
+            <a:bodyPr wrap="square" rtlCol="0">
+              <a:spAutoFit/>
+            </a:bodyPr>
+            <a:lstStyle/>
+            <a:p>
+              <a:r>
+                <a:rPr lang="en-IE" sz="1200" b="1" dirty="0" err="1" smtClean="0">
+                  <a:solidFill>
+                    <a:srgbClr val="00B050"/>
+                  </a:solidFill>
+                </a:rPr>
+                <a:t>DuckShop</a:t>
+              </a:r>
+              <a:r>
+                <a:rPr lang="en-IE" sz="1200" b="1" dirty="0" smtClean="0">
+                  <a:solidFill>
+                    <a:srgbClr val="00B050"/>
+                  </a:solidFill>
+                </a:rPr>
+                <a:t> Class</a:t>
+              </a:r>
+              <a:endParaRPr lang="en-IE" sz="1200" b="1" dirty="0">
+                <a:solidFill>
+                  <a:srgbClr val="00B050"/>
+                </a:solidFill>
+              </a:endParaRPr>
+            </a:p>
+          </p:txBody>
+        </p:sp>
+      </p:grpSp>
+      <p:grpSp>
+        <p:nvGrpSpPr>
+          <p:cNvPr id="14" name="Group 13"/>
+          <p:cNvGrpSpPr/>
+          <p:nvPr/>
+        </p:nvGrpSpPr>
+        <p:grpSpPr>
+          <a:xfrm>
+            <a:off x="6531346" y="2966563"/>
+            <a:ext cx="1259173" cy="2143784"/>
+            <a:chOff x="5168900" y="1156184"/>
+            <a:chExt cx="1346201" cy="2566484"/>
+          </a:xfrm>
+        </p:grpSpPr>
+        <p:grpSp>
+          <p:nvGrpSpPr>
+            <p:cNvPr id="15" name="Group 14"/>
+            <p:cNvGrpSpPr/>
+            <p:nvPr/>
+          </p:nvGrpSpPr>
+          <p:grpSpPr>
+            <a:xfrm>
+              <a:off x="5168900" y="1696124"/>
+              <a:ext cx="1346201" cy="2026544"/>
+              <a:chOff x="5168900" y="1696124"/>
+              <a:chExt cx="1346201" cy="2026544"/>
+            </a:xfrm>
+          </p:grpSpPr>
+          <p:sp>
+            <p:nvSpPr>
+              <p:cNvPr id="17" name="Rectangle 16"/>
+              <p:cNvSpPr/>
+              <p:nvPr/>
+            </p:nvSpPr>
+            <p:spPr>
+              <a:xfrm>
+                <a:off x="5168900" y="1701800"/>
+                <a:ext cx="1346200" cy="1778000"/>
+              </a:xfrm>
+              <a:prstGeom prst="rect">
+                <a:avLst/>
+              </a:prstGeom>
+              <a:gradFill>
+                <a:gsLst>
+                  <a:gs pos="0">
+                    <a:srgbClr val="FFE9A3"/>
+                  </a:gs>
+                  <a:gs pos="100000">
+                    <a:schemeClr val="accent6">
+                      <a:lumMod val="20000"/>
+                      <a:lumOff val="80000"/>
+                    </a:schemeClr>
+                  </a:gs>
+                </a:gsLst>
+              </a:gradFill>
+            </p:spPr>
+            <p:style>
+              <a:lnRef idx="1">
+                <a:schemeClr val="accent1"/>
+              </a:lnRef>
+              <a:fillRef idx="3">
+                <a:schemeClr val="accent1"/>
+              </a:fillRef>
+              <a:effectRef idx="2">
+                <a:schemeClr val="accent1"/>
+              </a:effectRef>
+              <a:fontRef idx="minor">
+                <a:schemeClr val="lt1"/>
+              </a:fontRef>
+            </p:style>
+            <p:txBody>
+              <a:bodyPr rtlCol="0" anchor="ctr"/>
+              <a:lstStyle/>
+              <a:p>
+                <a:pPr algn="ctr"/>
+                <a:endParaRPr lang="en-IE"/>
+              </a:p>
+            </p:txBody>
+          </p:sp>
+          <p:sp>
+            <p:nvSpPr>
+              <p:cNvPr id="18" name="TextBox 17"/>
+              <p:cNvSpPr txBox="1"/>
+              <p:nvPr/>
+            </p:nvSpPr>
+            <p:spPr>
+              <a:xfrm>
+                <a:off x="5207001" y="1696124"/>
+                <a:ext cx="1308100" cy="2026544"/>
+              </a:xfrm>
+              <a:prstGeom prst="rect">
+                <a:avLst/>
+              </a:prstGeom>
+              <a:noFill/>
+            </p:spPr>
+            <p:txBody>
+              <a:bodyPr wrap="square" rtlCol="0">
+                <a:spAutoFit/>
+              </a:bodyPr>
+              <a:lstStyle/>
+              <a:p>
+                <a:pPr marL="0" indent="0">
+                  <a:buNone/>
+                </a:pPr>
+                <a:r>
+                  <a:rPr lang="en-IE" sz="800" dirty="0" smtClean="0">
+                    <a:latin typeface="Consolas" panose="020B0609020204030204" pitchFamily="49" charset="0"/>
+                    <a:cs typeface="Consolas" panose="020B0609020204030204" pitchFamily="49" charset="0"/>
+                  </a:rPr>
+                  <a:t>Duck</a:t>
+                </a:r>
+                <a:r>
+                  <a:rPr lang="en-IE" sz="800" dirty="0">
+                    <a:latin typeface="Consolas" panose="020B0609020204030204" pitchFamily="49" charset="0"/>
+                    <a:cs typeface="Consolas" panose="020B0609020204030204" pitchFamily="49" charset="0"/>
+                  </a:rPr>
+                  <a:t>* duck</a:t>
+                </a:r>
+                <a:r>
+                  <a:rPr lang="en-IE" sz="800" dirty="0" smtClean="0">
+                    <a:latin typeface="Consolas" panose="020B0609020204030204" pitchFamily="49" charset="0"/>
+                    <a:cs typeface="Consolas" panose="020B0609020204030204" pitchFamily="49" charset="0"/>
+                  </a:rPr>
+                  <a:t>;</a:t>
+                </a:r>
+              </a:p>
+              <a:p>
+                <a:pPr marL="0" indent="0">
+                  <a:buNone/>
+                </a:pPr>
+                <a:endParaRPr lang="en-IE" sz="800" dirty="0">
+                  <a:latin typeface="Consolas" panose="020B0609020204030204" pitchFamily="49" charset="0"/>
+                  <a:cs typeface="Consolas" panose="020B0609020204030204" pitchFamily="49" charset="0"/>
+                </a:endParaRPr>
+              </a:p>
+              <a:p>
+                <a:pPr marL="0" indent="0">
+                  <a:buNone/>
+                </a:pPr>
+                <a:r>
+                  <a:rPr lang="en-IE" sz="800" dirty="0" smtClean="0">
+                    <a:latin typeface="Consolas" panose="020B0609020204030204" pitchFamily="49" charset="0"/>
+                    <a:cs typeface="Consolas" panose="020B0609020204030204" pitchFamily="49" charset="0"/>
+                  </a:rPr>
+                  <a:t>If(picnic</a:t>
+                </a:r>
+                <a:r>
+                  <a:rPr lang="en-IE" sz="800" dirty="0">
+                    <a:latin typeface="Consolas" panose="020B0609020204030204" pitchFamily="49" charset="0"/>
+                    <a:cs typeface="Consolas" panose="020B0609020204030204" pitchFamily="49" charset="0"/>
+                  </a:rPr>
+                  <a:t>)</a:t>
+                </a:r>
+              </a:p>
+              <a:p>
+                <a:pPr marL="0" indent="0">
+                  <a:buNone/>
+                </a:pPr>
+                <a:r>
+                  <a:rPr lang="en-IE" sz="800" dirty="0">
+                    <a:latin typeface="Consolas" panose="020B0609020204030204" pitchFamily="49" charset="0"/>
+                    <a:cs typeface="Consolas" panose="020B0609020204030204" pitchFamily="49" charset="0"/>
+                  </a:rPr>
+                  <a:t>{</a:t>
+                </a:r>
+              </a:p>
+              <a:p>
+                <a:pPr marL="0" indent="0">
+                  <a:buNone/>
+                </a:pPr>
+                <a:r>
+                  <a:rPr lang="en-IE" sz="800" dirty="0" smtClean="0">
+                    <a:latin typeface="Consolas" panose="020B0609020204030204" pitchFamily="49" charset="0"/>
+                    <a:cs typeface="Consolas" panose="020B0609020204030204" pitchFamily="49" charset="0"/>
+                  </a:rPr>
+                  <a:t>duck </a:t>
+                </a:r>
+                <a:r>
+                  <a:rPr lang="en-IE" sz="800" dirty="0">
+                    <a:latin typeface="Consolas" panose="020B0609020204030204" pitchFamily="49" charset="0"/>
+                    <a:cs typeface="Consolas" panose="020B0609020204030204" pitchFamily="49" charset="0"/>
+                  </a:rPr>
+                  <a:t>= new </a:t>
+                </a:r>
+                <a:r>
+                  <a:rPr lang="en-IE" sz="800" dirty="0" err="1">
+                    <a:latin typeface="Consolas" panose="020B0609020204030204" pitchFamily="49" charset="0"/>
+                    <a:cs typeface="Consolas" panose="020B0609020204030204" pitchFamily="49" charset="0"/>
+                  </a:rPr>
+                  <a:t>MallardDuck</a:t>
+                </a:r>
+                <a:r>
+                  <a:rPr lang="en-IE" sz="800" dirty="0">
+                    <a:latin typeface="Consolas" panose="020B0609020204030204" pitchFamily="49" charset="0"/>
+                    <a:cs typeface="Consolas" panose="020B0609020204030204" pitchFamily="49" charset="0"/>
+                  </a:rPr>
+                  <a:t>();</a:t>
+                </a:r>
+              </a:p>
+              <a:p>
+                <a:pPr marL="0" indent="0">
+                  <a:buNone/>
+                </a:pPr>
+                <a:r>
+                  <a:rPr lang="en-IE" sz="800" dirty="0">
+                    <a:latin typeface="Consolas" panose="020B0609020204030204" pitchFamily="49" charset="0"/>
+                    <a:cs typeface="Consolas" panose="020B0609020204030204" pitchFamily="49" charset="0"/>
+                  </a:rPr>
+                  <a:t>}</a:t>
+                </a:r>
+              </a:p>
+              <a:p>
+                <a:pPr marL="0" indent="0">
+                  <a:buNone/>
+                </a:pPr>
+                <a:r>
+                  <a:rPr lang="en-IE" sz="800" dirty="0">
+                    <a:latin typeface="Consolas" panose="020B0609020204030204" pitchFamily="49" charset="0"/>
+                    <a:cs typeface="Consolas" panose="020B0609020204030204" pitchFamily="49" charset="0"/>
+                  </a:rPr>
+                  <a:t>else if(hunting)</a:t>
+                </a:r>
+              </a:p>
+              <a:p>
+                <a:pPr marL="0" indent="0">
+                  <a:buNone/>
+                </a:pPr>
+                <a:r>
+                  <a:rPr lang="en-IE" sz="800" dirty="0">
+                    <a:latin typeface="Consolas" panose="020B0609020204030204" pitchFamily="49" charset="0"/>
+                    <a:cs typeface="Consolas" panose="020B0609020204030204" pitchFamily="49" charset="0"/>
+                  </a:rPr>
+                  <a:t>{</a:t>
+                </a:r>
+              </a:p>
+              <a:p>
+                <a:pPr marL="0" indent="0">
+                  <a:buNone/>
+                </a:pPr>
+                <a:r>
+                  <a:rPr lang="en-IE" sz="800" dirty="0" smtClean="0">
+                    <a:latin typeface="Consolas" panose="020B0609020204030204" pitchFamily="49" charset="0"/>
+                    <a:cs typeface="Consolas" panose="020B0609020204030204" pitchFamily="49" charset="0"/>
+                  </a:rPr>
+                  <a:t>duck </a:t>
+                </a:r>
+                <a:r>
+                  <a:rPr lang="en-IE" sz="800" dirty="0">
+                    <a:latin typeface="Consolas" panose="020B0609020204030204" pitchFamily="49" charset="0"/>
+                    <a:cs typeface="Consolas" panose="020B0609020204030204" pitchFamily="49" charset="0"/>
+                  </a:rPr>
+                  <a:t>= new </a:t>
+                </a:r>
+                <a:r>
+                  <a:rPr lang="en-IE" sz="800" dirty="0" err="1">
+                    <a:latin typeface="Consolas" panose="020B0609020204030204" pitchFamily="49" charset="0"/>
+                    <a:cs typeface="Consolas" panose="020B0609020204030204" pitchFamily="49" charset="0"/>
+                  </a:rPr>
+                  <a:t>DecoyDuck</a:t>
+                </a:r>
+                <a:r>
+                  <a:rPr lang="en-IE" sz="800" dirty="0" smtClean="0">
+                    <a:latin typeface="Consolas" panose="020B0609020204030204" pitchFamily="49" charset="0"/>
+                    <a:cs typeface="Consolas" panose="020B0609020204030204" pitchFamily="49" charset="0"/>
+                  </a:rPr>
+                  <a:t>()</a:t>
+                </a:r>
+                <a:endParaRPr lang="en-IE" sz="800" dirty="0">
+                  <a:latin typeface="Consolas" panose="020B0609020204030204" pitchFamily="49" charset="0"/>
+                  <a:cs typeface="Consolas" panose="020B0609020204030204" pitchFamily="49" charset="0"/>
+                </a:endParaRPr>
+              </a:p>
+              <a:p>
+                <a:endParaRPr lang="en-IE" sz="800" dirty="0"/>
+              </a:p>
+              <a:p>
+                <a:endParaRPr lang="en-IE" sz="800" dirty="0"/>
+              </a:p>
+            </p:txBody>
+          </p:sp>
+        </p:grpSp>
+        <p:sp>
+          <p:nvSpPr>
+            <p:cNvPr id="16" name="TextBox 15"/>
+            <p:cNvSpPr txBox="1"/>
+            <p:nvPr/>
+          </p:nvSpPr>
+          <p:spPr>
+            <a:xfrm>
+              <a:off x="5186939" y="1156184"/>
+              <a:ext cx="1308100" cy="552694"/>
+            </a:xfrm>
+            <a:prstGeom prst="rect">
+              <a:avLst/>
+            </a:prstGeom>
+            <a:noFill/>
+          </p:spPr>
+          <p:txBody>
+            <a:bodyPr wrap="square" rtlCol="0">
+              <a:spAutoFit/>
+            </a:bodyPr>
+            <a:lstStyle/>
+            <a:p>
+              <a:r>
+                <a:rPr lang="en-IE" sz="1200" b="1" dirty="0" err="1" smtClean="0">
+                  <a:solidFill>
+                    <a:srgbClr val="00B050"/>
+                  </a:solidFill>
+                </a:rPr>
+                <a:t>DuckFactory</a:t>
+              </a:r>
+              <a:r>
+                <a:rPr lang="en-IE" sz="1200" b="1" dirty="0" smtClean="0">
+                  <a:solidFill>
+                    <a:srgbClr val="00B050"/>
+                  </a:solidFill>
+                </a:rPr>
+                <a:t> Class</a:t>
+              </a:r>
+              <a:endParaRPr lang="en-IE" sz="1200" b="1" dirty="0">
+                <a:solidFill>
+                  <a:srgbClr val="00B050"/>
+                </a:solidFill>
+              </a:endParaRPr>
+            </a:p>
+          </p:txBody>
+        </p:sp>
+      </p:grpSp>
+      <p:cxnSp>
+        <p:nvCxnSpPr>
+          <p:cNvPr id="22" name="Straight Arrow Connector 21"/>
+          <p:cNvCxnSpPr/>
+          <p:nvPr/>
+        </p:nvCxnSpPr>
+        <p:spPr>
+          <a:xfrm>
+            <a:off x="7021475" y="2358154"/>
+            <a:ext cx="0" cy="572819"/>
+          </a:xfrm>
+          <a:prstGeom prst="straightConnector1">
+            <a:avLst/>
+          </a:prstGeom>
+          <a:ln w="47625">
+            <a:solidFill>
+              <a:schemeClr val="tx1"/>
+            </a:solidFill>
+            <a:tailEnd type="arrow"/>
+          </a:ln>
+        </p:spPr>
+        <p:style>
+          <a:lnRef idx="2">
+            <a:schemeClr val="accent1"/>
+          </a:lnRef>
+          <a:fillRef idx="0">
+            <a:schemeClr val="accent1"/>
+          </a:fillRef>
+          <a:effectRef idx="1">
+            <a:schemeClr val="accent1"/>
+          </a:effectRef>
+          <a:fontRef idx="minor">
+            <a:schemeClr val="tx1"/>
+          </a:fontRef>
+        </p:style>
+      </p:cxnSp>
+      <p:sp>
+        <p:nvSpPr>
+          <p:cNvPr id="23" name="TextBox 22"/>
+          <p:cNvSpPr txBox="1"/>
+          <p:nvPr/>
+        </p:nvSpPr>
+        <p:spPr>
+          <a:xfrm>
+            <a:off x="5304344" y="5072247"/>
+            <a:ext cx="3560256" cy="738664"/>
+          </a:xfrm>
+          <a:prstGeom prst="rect">
+            <a:avLst/>
+          </a:prstGeom>
+          <a:noFill/>
+        </p:spPr>
+        <p:txBody>
+          <a:bodyPr wrap="square" rtlCol="0">
+            <a:spAutoFit/>
+          </a:bodyPr>
+          <a:lstStyle/>
+          <a:p>
+            <a:r>
+              <a:rPr lang="en-IE" sz="1400" dirty="0" smtClean="0"/>
+              <a:t>Take out the code to instantiate an object and encapsulate it into a single factory class, which has a create method. </a:t>
+            </a:r>
+            <a:endParaRPr lang="en-IE" sz="1400" dirty="0"/>
+          </a:p>
+        </p:txBody>
+      </p:sp>
+    </p:spTree>
+    <p:extLst>
+      <p:ext uri="{BB962C8B-B14F-4D97-AF65-F5344CB8AC3E}">
+        <p14:creationId xmlns:p14="http://schemas.microsoft.com/office/powerpoint/2010/main" val="1671439706"/>
+      </p:ext>
+    </p:extLst>
+  </p:cSld>
+  <p:clrMapOvr>
+    <a:masterClrMapping/>
+  </p:clrMapOvr>
+  <p:timing>
+    <p:tnLst>
+      <p:par>
+        <p:cTn id="1" dur="indefinite" restart="never" nodeType="tmRoot"/>
+      </p:par>
+    </p:tnLst>
+  </p:timing>
+</p:sld>
+</file>
+
+<file path=ppt/slides/slide7.xml><?xml version="1.0" encoding="utf-8"?>
+<p:sld xmlns:a="http://schemas.openxmlformats.org/drawingml/2006/main" xmlns:r="http://schemas.openxmlformats.org/officeDocument/2006/relationships" xmlns:p="http://schemas.openxmlformats.org/presentationml/2006/main">
+  <p:cSld>
+    <p:spTree>
+      <p:nvGrpSpPr>
+        <p:cNvPr id="1" name=""/>
+        <p:cNvGrpSpPr/>
+        <p:nvPr/>
+      </p:nvGrpSpPr>
+      <p:grpSpPr>
+        <a:xfrm>
+          <a:off x="0" y="0"/>
+          <a:ext cx="0" cy="0"/>
+          <a:chOff x="0" y="0"/>
+          <a:chExt cx="0" cy="0"/>
+        </a:xfrm>
+      </p:grpSpPr>
+      <p:sp>
+        <p:nvSpPr>
+          <p:cNvPr id="2" name="Title 1"/>
+          <p:cNvSpPr>
+            <a:spLocks noGrp="1"/>
+          </p:cNvSpPr>
+          <p:nvPr>
+            <p:ph type="title"/>
+          </p:nvPr>
+        </p:nvSpPr>
+        <p:spPr>
+          <a:xfrm>
+            <a:off x="0" y="53961"/>
+            <a:ext cx="9144000" cy="613427"/>
+          </a:xfrm>
+        </p:spPr>
+        <p:txBody>
+          <a:bodyPr>
+            <a:normAutofit/>
+          </a:bodyPr>
+          <a:lstStyle/>
+          <a:p>
+            <a:r>
+              <a:rPr lang="en-IE" dirty="0" smtClean="0"/>
+              <a:t>05. What </a:t>
+            </a:r>
+            <a:r>
+              <a:rPr lang="en-IE" dirty="0"/>
+              <a:t>Are Factories</a:t>
+            </a:r>
+            <a:r>
+              <a:rPr lang="en-IE" dirty="0" smtClean="0"/>
+              <a:t>?</a:t>
+            </a:r>
+            <a:endParaRPr lang="en-IE" dirty="0"/>
+          </a:p>
+        </p:txBody>
+      </p:sp>
+      <p:sp>
+        <p:nvSpPr>
+          <p:cNvPr id="3" name="Content Placeholder 2"/>
+          <p:cNvSpPr>
+            <a:spLocks noGrp="1"/>
+          </p:cNvSpPr>
+          <p:nvPr>
+            <p:ph sz="quarter" idx="10"/>
+          </p:nvPr>
+        </p:nvSpPr>
+        <p:spPr>
+          <a:xfrm>
+            <a:off x="431800" y="889000"/>
+            <a:ext cx="8255000" cy="5054599"/>
+          </a:xfrm>
+        </p:spPr>
+        <p:txBody>
+          <a:bodyPr/>
+          <a:lstStyle/>
+          <a:p>
+            <a:pPr marL="0" indent="0">
+              <a:buNone/>
+            </a:pPr>
+            <a:r>
+              <a:rPr lang="en-IE" sz="2000" b="1" dirty="0" smtClean="0"/>
               <a:t>What’s the Advantage of Putting this Code into a Factory Class…</a:t>
             </a:r>
           </a:p>
@@ -4066,7 +6936,7 @@
 </p:sld>
 </file>
 
-<file path=ppt/slides/slide7.xml><?xml version="1.0" encoding="utf-8"?>
+<file path=ppt/slides/slide8.xml><?xml version="1.0" encoding="utf-8"?>
 <p:sld xmlns:a="http://schemas.openxmlformats.org/drawingml/2006/main" xmlns:r="http://schemas.openxmlformats.org/officeDocument/2006/relationships" xmlns:p="http://schemas.openxmlformats.org/presentationml/2006/main">
   <p:cSld>
     <p:spTree>
@@ -4222,7 +7092,7 @@
 </p:sld>
 </file>
 
-<file path=ppt/slides/slide8.xml><?xml version="1.0" encoding="utf-8"?>
+<file path=ppt/slides/slide9.xml><?xml version="1.0" encoding="utf-8"?>
 <p:sld xmlns:a="http://schemas.openxmlformats.org/drawingml/2006/main" xmlns:r="http://schemas.openxmlformats.org/officeDocument/2006/relationships" xmlns:p="http://schemas.openxmlformats.org/presentationml/2006/main">
   <p:cSld>
     <p:spTree>
@@ -4239,7 +7109,138 @@
           <a:chExt cx="0" cy="0"/>
         </a:xfrm>
       </p:grpSpPr>
+      <p:sp>
+        <p:nvSpPr>
+          <p:cNvPr id="2" name="Title 1"/>
+          <p:cNvSpPr>
+            <a:spLocks noGrp="1"/>
+          </p:cNvSpPr>
+          <p:nvPr>
+            <p:ph type="title"/>
+          </p:nvPr>
+        </p:nvSpPr>
+        <p:spPr>
+          <a:xfrm>
+            <a:off x="0" y="53961"/>
+            <a:ext cx="9144000" cy="613427"/>
+          </a:xfrm>
+        </p:spPr>
+        <p:txBody>
+          <a:bodyPr>
+            <a:normAutofit/>
+          </a:bodyPr>
+          <a:lstStyle/>
+          <a:p>
+            <a:r>
+              <a:rPr lang="en-IE" dirty="0" smtClean="0"/>
+              <a:t>The </a:t>
+            </a:r>
+            <a:r>
+              <a:rPr lang="en-IE" dirty="0"/>
+              <a:t>Simple Factory (Not a Pattern)</a:t>
+            </a:r>
+          </a:p>
+        </p:txBody>
+      </p:sp>
+      <p:sp>
+        <p:nvSpPr>
+          <p:cNvPr id="3" name="Content Placeholder 2"/>
+          <p:cNvSpPr>
+            <a:spLocks noGrp="1"/>
+          </p:cNvSpPr>
+          <p:nvPr>
+            <p:ph sz="quarter" idx="10"/>
+          </p:nvPr>
+        </p:nvSpPr>
+        <p:spPr>
+          <a:xfrm>
+            <a:off x="130175" y="868232"/>
+            <a:ext cx="8861425" cy="5049967"/>
+          </a:xfrm>
+        </p:spPr>
+        <p:txBody>
+          <a:bodyPr/>
+          <a:lstStyle/>
+          <a:p>
+            <a:r>
+              <a:rPr lang="en-IE" sz="1900" dirty="0" smtClean="0"/>
+              <a:t>The simple factory is not considered to be a pattern, rather it is thought to be more of an programming idiom.</a:t>
+            </a:r>
+          </a:p>
+          <a:p>
+            <a:endParaRPr lang="en-IE" sz="1900" dirty="0"/>
+          </a:p>
+          <a:p>
+            <a:r>
+              <a:rPr lang="en-IE" sz="1900" dirty="0" smtClean="0"/>
+              <a:t>The main point separating the Simple Factory from the Factory Method Pattern (discussing that next!) is that the Simple Factory is a concrete class, </a:t>
+            </a:r>
+            <a:r>
+              <a:rPr lang="en-IE" sz="1900" dirty="0" smtClean="0"/>
+              <a:t>and is not intended to be </a:t>
+            </a:r>
+            <a:r>
+              <a:rPr lang="en-IE" sz="1900" dirty="0" err="1" smtClean="0"/>
+              <a:t>subclassed</a:t>
+            </a:r>
+            <a:r>
+              <a:rPr lang="en-IE" sz="1900" dirty="0" smtClean="0"/>
+              <a:t>.   </a:t>
+            </a:r>
+            <a:endParaRPr lang="en-IE" sz="1900" dirty="0" smtClean="0"/>
+          </a:p>
+          <a:p>
+            <a:endParaRPr lang="en-IE" sz="1900" dirty="0"/>
+          </a:p>
+          <a:p>
+            <a:r>
+              <a:rPr lang="en-IE" sz="1900" dirty="0" smtClean="0"/>
+              <a:t>In the Factory Method Pattern, a factory interface is declared with a </a:t>
+            </a:r>
+            <a:r>
+              <a:rPr lang="en-IE" sz="1900" dirty="0" err="1" smtClean="0"/>
+              <a:t>createMethod</a:t>
+            </a:r>
+            <a:r>
+              <a:rPr lang="en-IE" sz="1900" dirty="0" smtClean="0"/>
+              <a:t>() declaration.  </a:t>
+            </a:r>
+            <a:r>
+              <a:rPr lang="en-IE" sz="1900" dirty="0" smtClean="0"/>
+              <a:t>A factory subclass implements the interface, and the decision making is implemented in the sub </a:t>
+            </a:r>
+            <a:r>
+              <a:rPr lang="en-IE" sz="1900" dirty="0" smtClean="0"/>
+              <a:t>classes </a:t>
+            </a:r>
+            <a:r>
+              <a:rPr lang="en-IE" sz="1900" dirty="0" err="1" smtClean="0"/>
+              <a:t>createMethod</a:t>
+            </a:r>
+            <a:r>
+              <a:rPr lang="en-IE" sz="1900" dirty="0" smtClean="0"/>
+              <a:t>().</a:t>
+            </a:r>
+            <a:endParaRPr lang="en-IE" sz="1900" dirty="0" smtClean="0"/>
+          </a:p>
+          <a:p>
+            <a:endParaRPr lang="en-IE" sz="1900" dirty="0"/>
+          </a:p>
+          <a:p>
+            <a:r>
+              <a:rPr lang="en-IE" sz="1900" dirty="0" smtClean="0"/>
+              <a:t>The Factory Method Pattern is therefore a framework, and allows different subclasses to create different groups of objects.  So while the Simple Factory appears very similar to the Factory Method Pattern, it does not have this flexibility.  Transitioning from the Simple Factory to the Factory Method should be relatively easy.</a:t>
+            </a:r>
+            <a:endParaRPr lang="en-IE" sz="1900" dirty="0"/>
+          </a:p>
+        </p:txBody>
+      </p:sp>
     </p:spTree>
+    <p:extLst>
+      <p:ext uri="{BB962C8B-B14F-4D97-AF65-F5344CB8AC3E}">
+        <p14:creationId xmlns:p14="http://schemas.microsoft.com/office/powerpoint/2010/main" val="2662116496"/>
+      </p:ext>
+    </p:extLst>
   </p:cSld>
   <p:clrMapOvr>
     <a:masterClrMapping/>
